--- a/documents/architecture.pptx
+++ b/documents/architecture.pptx
@@ -2,18 +2,20 @@
 <file path=ppt/presentation.xml><?xml version="1.0" encoding="utf-8"?>
 <p:presentation xmlns:a="http://schemas.openxmlformats.org/drawingml/2006/main" xmlns:r="http://schemas.openxmlformats.org/officeDocument/2006/relationships" xmlns:p="http://schemas.openxmlformats.org/presentationml/2006/main" saveSubsetFonts="1" autoCompressPictures="0">
   <p:sldMasterIdLst>
-    <p:sldMasterId id="2147483648" r:id="rId1"/>
+    <p:sldMasterId id="2147483660" r:id="rId1"/>
   </p:sldMasterIdLst>
   <p:sldIdLst>
     <p:sldId id="256" r:id="rId2"/>
+    <p:sldId id="258" r:id="rId3"/>
+    <p:sldId id="257" r:id="rId4"/>
   </p:sldIdLst>
-  <p:sldSz cx="12192000" cy="6858000"/>
+  <p:sldSz cx="16459200" cy="9144000"/>
   <p:notesSz cx="6858000" cy="9144000"/>
   <p:defaultTextStyle>
     <a:defPPr>
       <a:defRPr lang="en-US"/>
     </a:defPPr>
-    <a:lvl1pPr marL="0" algn="l" defTabSz="914400" rtl="0" eaLnBrk="1" latinLnBrk="0" hangingPunct="1">
+    <a:lvl1pPr marL="0" algn="l" defTabSz="457200" rtl="0" eaLnBrk="1" latinLnBrk="0" hangingPunct="1">
       <a:defRPr sz="1800" kern="1200">
         <a:solidFill>
           <a:schemeClr val="tx1"/>
@@ -23,7 +25,7 @@
         <a:cs typeface="+mn-cs"/>
       </a:defRPr>
     </a:lvl1pPr>
-    <a:lvl2pPr marL="457200" algn="l" defTabSz="914400" rtl="0" eaLnBrk="1" latinLnBrk="0" hangingPunct="1">
+    <a:lvl2pPr marL="457200" algn="l" defTabSz="457200" rtl="0" eaLnBrk="1" latinLnBrk="0" hangingPunct="1">
       <a:defRPr sz="1800" kern="1200">
         <a:solidFill>
           <a:schemeClr val="tx1"/>
@@ -33,7 +35,7 @@
         <a:cs typeface="+mn-cs"/>
       </a:defRPr>
     </a:lvl2pPr>
-    <a:lvl3pPr marL="914400" algn="l" defTabSz="914400" rtl="0" eaLnBrk="1" latinLnBrk="0" hangingPunct="1">
+    <a:lvl3pPr marL="914400" algn="l" defTabSz="457200" rtl="0" eaLnBrk="1" latinLnBrk="0" hangingPunct="1">
       <a:defRPr sz="1800" kern="1200">
         <a:solidFill>
           <a:schemeClr val="tx1"/>
@@ -43,7 +45,7 @@
         <a:cs typeface="+mn-cs"/>
       </a:defRPr>
     </a:lvl3pPr>
-    <a:lvl4pPr marL="1371600" algn="l" defTabSz="914400" rtl="0" eaLnBrk="1" latinLnBrk="0" hangingPunct="1">
+    <a:lvl4pPr marL="1371600" algn="l" defTabSz="457200" rtl="0" eaLnBrk="1" latinLnBrk="0" hangingPunct="1">
       <a:defRPr sz="1800" kern="1200">
         <a:solidFill>
           <a:schemeClr val="tx1"/>
@@ -53,7 +55,7 @@
         <a:cs typeface="+mn-cs"/>
       </a:defRPr>
     </a:lvl4pPr>
-    <a:lvl5pPr marL="1828800" algn="l" defTabSz="914400" rtl="0" eaLnBrk="1" latinLnBrk="0" hangingPunct="1">
+    <a:lvl5pPr marL="1828800" algn="l" defTabSz="457200" rtl="0" eaLnBrk="1" latinLnBrk="0" hangingPunct="1">
       <a:defRPr sz="1800" kern="1200">
         <a:solidFill>
           <a:schemeClr val="tx1"/>
@@ -63,7 +65,7 @@
         <a:cs typeface="+mn-cs"/>
       </a:defRPr>
     </a:lvl5pPr>
-    <a:lvl6pPr marL="2286000" algn="l" defTabSz="914400" rtl="0" eaLnBrk="1" latinLnBrk="0" hangingPunct="1">
+    <a:lvl6pPr marL="2286000" algn="l" defTabSz="457200" rtl="0" eaLnBrk="1" latinLnBrk="0" hangingPunct="1">
       <a:defRPr sz="1800" kern="1200">
         <a:solidFill>
           <a:schemeClr val="tx1"/>
@@ -73,7 +75,7 @@
         <a:cs typeface="+mn-cs"/>
       </a:defRPr>
     </a:lvl6pPr>
-    <a:lvl7pPr marL="2743200" algn="l" defTabSz="914400" rtl="0" eaLnBrk="1" latinLnBrk="0" hangingPunct="1">
+    <a:lvl7pPr marL="2743200" algn="l" defTabSz="457200" rtl="0" eaLnBrk="1" latinLnBrk="0" hangingPunct="1">
       <a:defRPr sz="1800" kern="1200">
         <a:solidFill>
           <a:schemeClr val="tx1"/>
@@ -83,7 +85,7 @@
         <a:cs typeface="+mn-cs"/>
       </a:defRPr>
     </a:lvl7pPr>
-    <a:lvl8pPr marL="3200400" algn="l" defTabSz="914400" rtl="0" eaLnBrk="1" latinLnBrk="0" hangingPunct="1">
+    <a:lvl8pPr marL="3200400" algn="l" defTabSz="457200" rtl="0" eaLnBrk="1" latinLnBrk="0" hangingPunct="1">
       <a:defRPr sz="1800" kern="1200">
         <a:solidFill>
           <a:schemeClr val="tx1"/>
@@ -93,7 +95,7 @@
         <a:cs typeface="+mn-cs"/>
       </a:defRPr>
     </a:lvl8pPr>
-    <a:lvl9pPr marL="3657600" algn="l" defTabSz="914400" rtl="0" eaLnBrk="1" latinLnBrk="0" hangingPunct="1">
+    <a:lvl9pPr marL="3657600" algn="l" defTabSz="457200" rtl="0" eaLnBrk="1" latinLnBrk="0" hangingPunct="1">
       <a:defRPr sz="1800" kern="1200">
         <a:solidFill>
           <a:schemeClr val="tx1"/>
@@ -104,6 +106,11 @@
       </a:defRPr>
     </a:lvl9pPr>
   </p:defaultTextStyle>
+  <p:extLst>
+    <p:ext uri="{EFAFB233-063F-42B5-8137-9DF3F51BA10A}">
+      <p15:sldGuideLst xmlns:p15="http://schemas.microsoft.com/office/powerpoint/2012/main"/>
+    </p:ext>
+  </p:extLst>
 </p:presentation>
 </file>
 
@@ -126,13 +133,7 @@
       </p:grpSpPr>
       <p:sp>
         <p:nvSpPr>
-          <p:cNvPr id="2" name="Title 1">
-            <a:extLst>
-              <a:ext uri="{FF2B5EF4-FFF2-40B4-BE49-F238E27FC236}">
-                <a16:creationId xmlns:a16="http://schemas.microsoft.com/office/drawing/2014/main" id="{1B620CDC-838E-BC97-0032-9717CF18B34C}"/>
-              </a:ext>
-            </a:extLst>
-          </p:cNvPr>
+          <p:cNvPr id="2" name="Title 1"/>
           <p:cNvSpPr>
             <a:spLocks noGrp="1"/>
           </p:cNvSpPr>
@@ -142,15 +143,15 @@
         </p:nvSpPr>
         <p:spPr>
           <a:xfrm>
-            <a:off x="1524000" y="1122363"/>
-            <a:ext cx="9144000" cy="2387600"/>
+            <a:off x="2057400" y="1496484"/>
+            <a:ext cx="12344400" cy="3183467"/>
           </a:xfrm>
         </p:spPr>
         <p:txBody>
           <a:bodyPr anchor="b"/>
           <a:lstStyle>
             <a:lvl1pPr algn="ctr">
-              <a:defRPr sz="6000"/>
+              <a:defRPr sz="8000"/>
             </a:lvl1pPr>
           </a:lstStyle>
           <a:p>
@@ -158,18 +159,13 @@
               <a:rPr lang="en-US"/>
               <a:t>Click to edit Master title style</a:t>
             </a:r>
-          </a:p>
-        </p:txBody>
-      </p:sp>
-      <p:sp>
-        <p:nvSpPr>
-          <p:cNvPr id="3" name="Subtitle 2">
-            <a:extLst>
-              <a:ext uri="{FF2B5EF4-FFF2-40B4-BE49-F238E27FC236}">
-                <a16:creationId xmlns:a16="http://schemas.microsoft.com/office/drawing/2014/main" id="{0818D2DF-36F2-AF5A-36BA-C1857A3270AC}"/>
-              </a:ext>
-            </a:extLst>
-          </p:cNvPr>
+            <a:endParaRPr lang="en-US" dirty="0"/>
+          </a:p>
+        </p:txBody>
+      </p:sp>
+      <p:sp>
+        <p:nvSpPr>
+          <p:cNvPr id="3" name="Subtitle 2"/>
           <p:cNvSpPr>
             <a:spLocks noGrp="1"/>
           </p:cNvSpPr>
@@ -179,8 +175,8 @@
         </p:nvSpPr>
         <p:spPr>
           <a:xfrm>
-            <a:off x="1524000" y="3602038"/>
-            <a:ext cx="9144000" cy="1655762"/>
+            <a:off x="2057400" y="4802717"/>
+            <a:ext cx="12344400" cy="2207683"/>
           </a:xfrm>
         </p:spPr>
         <p:txBody>
@@ -188,39 +184,39 @@
           <a:lstStyle>
             <a:lvl1pPr marL="0" indent="0" algn="ctr">
               <a:buNone/>
+              <a:defRPr sz="3200"/>
+            </a:lvl1pPr>
+            <a:lvl2pPr marL="609585" indent="0" algn="ctr">
+              <a:buNone/>
+              <a:defRPr sz="2667"/>
+            </a:lvl2pPr>
+            <a:lvl3pPr marL="1219170" indent="0" algn="ctr">
+              <a:buNone/>
               <a:defRPr sz="2400"/>
-            </a:lvl1pPr>
-            <a:lvl2pPr marL="457200" indent="0" algn="ctr">
+            </a:lvl3pPr>
+            <a:lvl4pPr marL="1828754" indent="0" algn="ctr">
               <a:buNone/>
-              <a:defRPr sz="2000"/>
-            </a:lvl2pPr>
-            <a:lvl3pPr marL="914400" indent="0" algn="ctr">
+              <a:defRPr sz="2133"/>
+            </a:lvl4pPr>
+            <a:lvl5pPr marL="2438339" indent="0" algn="ctr">
               <a:buNone/>
-              <a:defRPr sz="1800"/>
-            </a:lvl3pPr>
-            <a:lvl4pPr marL="1371600" indent="0" algn="ctr">
+              <a:defRPr sz="2133"/>
+            </a:lvl5pPr>
+            <a:lvl6pPr marL="3047924" indent="0" algn="ctr">
               <a:buNone/>
-              <a:defRPr sz="1600"/>
-            </a:lvl4pPr>
-            <a:lvl5pPr marL="1828800" indent="0" algn="ctr">
+              <a:defRPr sz="2133"/>
+            </a:lvl6pPr>
+            <a:lvl7pPr marL="3657509" indent="0" algn="ctr">
               <a:buNone/>
-              <a:defRPr sz="1600"/>
-            </a:lvl5pPr>
-            <a:lvl6pPr marL="2286000" indent="0" algn="ctr">
+              <a:defRPr sz="2133"/>
+            </a:lvl7pPr>
+            <a:lvl8pPr marL="4267093" indent="0" algn="ctr">
               <a:buNone/>
-              <a:defRPr sz="1600"/>
-            </a:lvl6pPr>
-            <a:lvl7pPr marL="2743200" indent="0" algn="ctr">
+              <a:defRPr sz="2133"/>
+            </a:lvl8pPr>
+            <a:lvl9pPr marL="4876678" indent="0" algn="ctr">
               <a:buNone/>
-              <a:defRPr sz="1600"/>
-            </a:lvl7pPr>
-            <a:lvl8pPr marL="3200400" indent="0" algn="ctr">
-              <a:buNone/>
-              <a:defRPr sz="1600"/>
-            </a:lvl8pPr>
-            <a:lvl9pPr marL="3657600" indent="0" algn="ctr">
-              <a:buNone/>
-              <a:defRPr sz="1600"/>
+              <a:defRPr sz="2133"/>
             </a:lvl9pPr>
           </a:lstStyle>
           <a:p>
@@ -228,18 +224,13 @@
               <a:rPr lang="en-US"/>
               <a:t>Click to edit Master subtitle style</a:t>
             </a:r>
-          </a:p>
-        </p:txBody>
-      </p:sp>
-      <p:sp>
-        <p:nvSpPr>
-          <p:cNvPr id="4" name="Date Placeholder 3">
-            <a:extLst>
-              <a:ext uri="{FF2B5EF4-FFF2-40B4-BE49-F238E27FC236}">
-                <a16:creationId xmlns:a16="http://schemas.microsoft.com/office/drawing/2014/main" id="{EBF9560A-7892-AC87-AAD0-4779A5E8B7E2}"/>
-              </a:ext>
-            </a:extLst>
-          </p:cNvPr>
+            <a:endParaRPr lang="en-US" dirty="0"/>
+          </a:p>
+        </p:txBody>
+      </p:sp>
+      <p:sp>
+        <p:nvSpPr>
+          <p:cNvPr id="4" name="Date Placeholder 3"/>
           <p:cNvSpPr>
             <a:spLocks noGrp="1"/>
           </p:cNvSpPr>
@@ -254,7 +245,7 @@
           <a:p>
             <a:fld id="{DF9F85F1-8CA6-D44C-86D8-D812A5DAD618}" type="datetimeFigureOut">
               <a:rPr lang="en-US" smtClean="0"/>
-              <a:t>1/8/25</a:t>
+              <a:t>1/21/25</a:t>
             </a:fld>
             <a:endParaRPr lang="en-US"/>
           </a:p>
@@ -262,13 +253,7 @@
       </p:sp>
       <p:sp>
         <p:nvSpPr>
-          <p:cNvPr id="5" name="Footer Placeholder 4">
-            <a:extLst>
-              <a:ext uri="{FF2B5EF4-FFF2-40B4-BE49-F238E27FC236}">
-                <a16:creationId xmlns:a16="http://schemas.microsoft.com/office/drawing/2014/main" id="{44EBDBE1-CBD8-323B-AFD9-1C9274F0CB7E}"/>
-              </a:ext>
-            </a:extLst>
-          </p:cNvPr>
+          <p:cNvPr id="5" name="Footer Placeholder 4"/>
           <p:cNvSpPr>
             <a:spLocks noGrp="1"/>
           </p:cNvSpPr>
@@ -287,13 +272,7 @@
       </p:sp>
       <p:sp>
         <p:nvSpPr>
-          <p:cNvPr id="6" name="Slide Number Placeholder 5">
-            <a:extLst>
-              <a:ext uri="{FF2B5EF4-FFF2-40B4-BE49-F238E27FC236}">
-                <a16:creationId xmlns:a16="http://schemas.microsoft.com/office/drawing/2014/main" id="{70CB05A0-C308-D01E-AFFC-716628D009D5}"/>
-              </a:ext>
-            </a:extLst>
-          </p:cNvPr>
+          <p:cNvPr id="6" name="Slide Number Placeholder 5"/>
           <p:cNvSpPr>
             <a:spLocks noGrp="1"/>
           </p:cNvSpPr>
@@ -317,7 +296,7 @@
     </p:spTree>
     <p:extLst>
       <p:ext uri="{BB962C8B-B14F-4D97-AF65-F5344CB8AC3E}">
-        <p14:creationId xmlns:p14="http://schemas.microsoft.com/office/powerpoint/2010/main" val="1191788490"/>
+        <p14:creationId xmlns:p14="http://schemas.microsoft.com/office/powerpoint/2010/main" val="3404274913"/>
       </p:ext>
     </p:extLst>
   </p:cSld>
@@ -346,13 +325,7 @@
       </p:grpSpPr>
       <p:sp>
         <p:nvSpPr>
-          <p:cNvPr id="2" name="Title 1">
-            <a:extLst>
-              <a:ext uri="{FF2B5EF4-FFF2-40B4-BE49-F238E27FC236}">
-                <a16:creationId xmlns:a16="http://schemas.microsoft.com/office/drawing/2014/main" id="{AFE84FCA-8152-5B96-BCCA-AF3FD6B3413B}"/>
-              </a:ext>
-            </a:extLst>
-          </p:cNvPr>
+          <p:cNvPr id="2" name="Title 1"/>
           <p:cNvSpPr>
             <a:spLocks noGrp="1"/>
           </p:cNvSpPr>
@@ -369,18 +342,13 @@
               <a:rPr lang="en-US"/>
               <a:t>Click to edit Master title style</a:t>
             </a:r>
-          </a:p>
-        </p:txBody>
-      </p:sp>
-      <p:sp>
-        <p:nvSpPr>
-          <p:cNvPr id="3" name="Vertical Text Placeholder 2">
-            <a:extLst>
-              <a:ext uri="{FF2B5EF4-FFF2-40B4-BE49-F238E27FC236}">
-                <a16:creationId xmlns:a16="http://schemas.microsoft.com/office/drawing/2014/main" id="{82DD123F-A0E8-36CF-CB50-7D8A7D109059}"/>
-              </a:ext>
-            </a:extLst>
-          </p:cNvPr>
+            <a:endParaRPr lang="en-US" dirty="0"/>
+          </a:p>
+        </p:txBody>
+      </p:sp>
+      <p:sp>
+        <p:nvSpPr>
+          <p:cNvPr id="3" name="Vertical Text Placeholder 2"/>
           <p:cNvSpPr>
             <a:spLocks noGrp="1"/>
           </p:cNvSpPr>
@@ -426,18 +394,13 @@
               <a:rPr lang="en-US"/>
               <a:t>Fifth level</a:t>
             </a:r>
-          </a:p>
-        </p:txBody>
-      </p:sp>
-      <p:sp>
-        <p:nvSpPr>
-          <p:cNvPr id="4" name="Date Placeholder 3">
-            <a:extLst>
-              <a:ext uri="{FF2B5EF4-FFF2-40B4-BE49-F238E27FC236}">
-                <a16:creationId xmlns:a16="http://schemas.microsoft.com/office/drawing/2014/main" id="{7FEC5C18-7EDF-9E0A-BA61-B9B205449666}"/>
-              </a:ext>
-            </a:extLst>
-          </p:cNvPr>
+            <a:endParaRPr lang="en-US" dirty="0"/>
+          </a:p>
+        </p:txBody>
+      </p:sp>
+      <p:sp>
+        <p:nvSpPr>
+          <p:cNvPr id="4" name="Date Placeholder 3"/>
           <p:cNvSpPr>
             <a:spLocks noGrp="1"/>
           </p:cNvSpPr>
@@ -452,7 +415,7 @@
           <a:p>
             <a:fld id="{DF9F85F1-8CA6-D44C-86D8-D812A5DAD618}" type="datetimeFigureOut">
               <a:rPr lang="en-US" smtClean="0"/>
-              <a:t>1/8/25</a:t>
+              <a:t>1/21/25</a:t>
             </a:fld>
             <a:endParaRPr lang="en-US"/>
           </a:p>
@@ -460,13 +423,7 @@
       </p:sp>
       <p:sp>
         <p:nvSpPr>
-          <p:cNvPr id="5" name="Footer Placeholder 4">
-            <a:extLst>
-              <a:ext uri="{FF2B5EF4-FFF2-40B4-BE49-F238E27FC236}">
-                <a16:creationId xmlns:a16="http://schemas.microsoft.com/office/drawing/2014/main" id="{F8A38F6D-5D14-E2BF-02A1-EEE2709F1B99}"/>
-              </a:ext>
-            </a:extLst>
-          </p:cNvPr>
+          <p:cNvPr id="5" name="Footer Placeholder 4"/>
           <p:cNvSpPr>
             <a:spLocks noGrp="1"/>
           </p:cNvSpPr>
@@ -485,13 +442,7 @@
       </p:sp>
       <p:sp>
         <p:nvSpPr>
-          <p:cNvPr id="6" name="Slide Number Placeholder 5">
-            <a:extLst>
-              <a:ext uri="{FF2B5EF4-FFF2-40B4-BE49-F238E27FC236}">
-                <a16:creationId xmlns:a16="http://schemas.microsoft.com/office/drawing/2014/main" id="{83125BF3-5A93-1869-9F6F-B60F6150C946}"/>
-              </a:ext>
-            </a:extLst>
-          </p:cNvPr>
+          <p:cNvPr id="6" name="Slide Number Placeholder 5"/>
           <p:cNvSpPr>
             <a:spLocks noGrp="1"/>
           </p:cNvSpPr>
@@ -515,7 +466,7 @@
     </p:spTree>
     <p:extLst>
       <p:ext uri="{BB962C8B-B14F-4D97-AF65-F5344CB8AC3E}">
-        <p14:creationId xmlns:p14="http://schemas.microsoft.com/office/powerpoint/2010/main" val="2685610127"/>
+        <p14:creationId xmlns:p14="http://schemas.microsoft.com/office/powerpoint/2010/main" val="4219556796"/>
       </p:ext>
     </p:extLst>
   </p:cSld>
@@ -544,13 +495,7 @@
       </p:grpSpPr>
       <p:sp>
         <p:nvSpPr>
-          <p:cNvPr id="2" name="Vertical Title 1">
-            <a:extLst>
-              <a:ext uri="{FF2B5EF4-FFF2-40B4-BE49-F238E27FC236}">
-                <a16:creationId xmlns:a16="http://schemas.microsoft.com/office/drawing/2014/main" id="{F79B13C4-0FC1-6EF6-BD21-4C0FB9BC28A8}"/>
-              </a:ext>
-            </a:extLst>
-          </p:cNvPr>
+          <p:cNvPr id="2" name="Vertical Title 1"/>
           <p:cNvSpPr>
             <a:spLocks noGrp="1"/>
           </p:cNvSpPr>
@@ -560,8 +505,8 @@
         </p:nvSpPr>
         <p:spPr>
           <a:xfrm>
-            <a:off x="8724900" y="365125"/>
-            <a:ext cx="2628900" cy="5811838"/>
+            <a:off x="11778615" y="486833"/>
+            <a:ext cx="3549015" cy="7749117"/>
           </a:xfrm>
         </p:spPr>
         <p:txBody>
@@ -572,18 +517,13 @@
               <a:rPr lang="en-US"/>
               <a:t>Click to edit Master title style</a:t>
             </a:r>
-          </a:p>
-        </p:txBody>
-      </p:sp>
-      <p:sp>
-        <p:nvSpPr>
-          <p:cNvPr id="3" name="Vertical Text Placeholder 2">
-            <a:extLst>
-              <a:ext uri="{FF2B5EF4-FFF2-40B4-BE49-F238E27FC236}">
-                <a16:creationId xmlns:a16="http://schemas.microsoft.com/office/drawing/2014/main" id="{093E72D0-AE4D-877F-718E-F7C27DA2E04D}"/>
-              </a:ext>
-            </a:extLst>
-          </p:cNvPr>
+            <a:endParaRPr lang="en-US" dirty="0"/>
+          </a:p>
+        </p:txBody>
+      </p:sp>
+      <p:sp>
+        <p:nvSpPr>
+          <p:cNvPr id="3" name="Vertical Text Placeholder 2"/>
           <p:cNvSpPr>
             <a:spLocks noGrp="1"/>
           </p:cNvSpPr>
@@ -593,8 +533,8 @@
         </p:nvSpPr>
         <p:spPr>
           <a:xfrm>
-            <a:off x="838200" y="365125"/>
-            <a:ext cx="7734300" cy="5811838"/>
+            <a:off x="1131570" y="486833"/>
+            <a:ext cx="10441305" cy="7749117"/>
           </a:xfrm>
         </p:spPr>
         <p:txBody>
@@ -634,18 +574,13 @@
               <a:rPr lang="en-US"/>
               <a:t>Fifth level</a:t>
             </a:r>
-          </a:p>
-        </p:txBody>
-      </p:sp>
-      <p:sp>
-        <p:nvSpPr>
-          <p:cNvPr id="4" name="Date Placeholder 3">
-            <a:extLst>
-              <a:ext uri="{FF2B5EF4-FFF2-40B4-BE49-F238E27FC236}">
-                <a16:creationId xmlns:a16="http://schemas.microsoft.com/office/drawing/2014/main" id="{4D55C210-5C46-094E-75B7-212D3BC5881F}"/>
-              </a:ext>
-            </a:extLst>
-          </p:cNvPr>
+            <a:endParaRPr lang="en-US" dirty="0"/>
+          </a:p>
+        </p:txBody>
+      </p:sp>
+      <p:sp>
+        <p:nvSpPr>
+          <p:cNvPr id="4" name="Date Placeholder 3"/>
           <p:cNvSpPr>
             <a:spLocks noGrp="1"/>
           </p:cNvSpPr>
@@ -660,7 +595,7 @@
           <a:p>
             <a:fld id="{DF9F85F1-8CA6-D44C-86D8-D812A5DAD618}" type="datetimeFigureOut">
               <a:rPr lang="en-US" smtClean="0"/>
-              <a:t>1/8/25</a:t>
+              <a:t>1/21/25</a:t>
             </a:fld>
             <a:endParaRPr lang="en-US"/>
           </a:p>
@@ -668,13 +603,7 @@
       </p:sp>
       <p:sp>
         <p:nvSpPr>
-          <p:cNvPr id="5" name="Footer Placeholder 4">
-            <a:extLst>
-              <a:ext uri="{FF2B5EF4-FFF2-40B4-BE49-F238E27FC236}">
-                <a16:creationId xmlns:a16="http://schemas.microsoft.com/office/drawing/2014/main" id="{679F5804-2D84-967B-D27F-3B2D56B4F605}"/>
-              </a:ext>
-            </a:extLst>
-          </p:cNvPr>
+          <p:cNvPr id="5" name="Footer Placeholder 4"/>
           <p:cNvSpPr>
             <a:spLocks noGrp="1"/>
           </p:cNvSpPr>
@@ -693,13 +622,7 @@
       </p:sp>
       <p:sp>
         <p:nvSpPr>
-          <p:cNvPr id="6" name="Slide Number Placeholder 5">
-            <a:extLst>
-              <a:ext uri="{FF2B5EF4-FFF2-40B4-BE49-F238E27FC236}">
-                <a16:creationId xmlns:a16="http://schemas.microsoft.com/office/drawing/2014/main" id="{9BDCB76A-B987-9124-A1AC-0982CEB54503}"/>
-              </a:ext>
-            </a:extLst>
-          </p:cNvPr>
+          <p:cNvPr id="6" name="Slide Number Placeholder 5"/>
           <p:cNvSpPr>
             <a:spLocks noGrp="1"/>
           </p:cNvSpPr>
@@ -723,7 +646,7 @@
     </p:spTree>
     <p:extLst>
       <p:ext uri="{BB962C8B-B14F-4D97-AF65-F5344CB8AC3E}">
-        <p14:creationId xmlns:p14="http://schemas.microsoft.com/office/powerpoint/2010/main" val="2413098442"/>
+        <p14:creationId xmlns:p14="http://schemas.microsoft.com/office/powerpoint/2010/main" val="535518400"/>
       </p:ext>
     </p:extLst>
   </p:cSld>
@@ -752,13 +675,7 @@
       </p:grpSpPr>
       <p:sp>
         <p:nvSpPr>
-          <p:cNvPr id="2" name="Title 1">
-            <a:extLst>
-              <a:ext uri="{FF2B5EF4-FFF2-40B4-BE49-F238E27FC236}">
-                <a16:creationId xmlns:a16="http://schemas.microsoft.com/office/drawing/2014/main" id="{65C790CA-E9B5-4C82-7834-C6895E6B0C76}"/>
-              </a:ext>
-            </a:extLst>
-          </p:cNvPr>
+          <p:cNvPr id="2" name="Title 1"/>
           <p:cNvSpPr>
             <a:spLocks noGrp="1"/>
           </p:cNvSpPr>
@@ -775,18 +692,13 @@
               <a:rPr lang="en-US"/>
               <a:t>Click to edit Master title style</a:t>
             </a:r>
-          </a:p>
-        </p:txBody>
-      </p:sp>
-      <p:sp>
-        <p:nvSpPr>
-          <p:cNvPr id="3" name="Content Placeholder 2">
-            <a:extLst>
-              <a:ext uri="{FF2B5EF4-FFF2-40B4-BE49-F238E27FC236}">
-                <a16:creationId xmlns:a16="http://schemas.microsoft.com/office/drawing/2014/main" id="{44194383-2CF9-CFB6-A0C3-A7CE617FE4B3}"/>
-              </a:ext>
-            </a:extLst>
-          </p:cNvPr>
+            <a:endParaRPr lang="en-US" dirty="0"/>
+          </a:p>
+        </p:txBody>
+      </p:sp>
+      <p:sp>
+        <p:nvSpPr>
+          <p:cNvPr id="3" name="Content Placeholder 2"/>
           <p:cNvSpPr>
             <a:spLocks noGrp="1"/>
           </p:cNvSpPr>
@@ -832,18 +744,13 @@
               <a:rPr lang="en-US"/>
               <a:t>Fifth level</a:t>
             </a:r>
-          </a:p>
-        </p:txBody>
-      </p:sp>
-      <p:sp>
-        <p:nvSpPr>
-          <p:cNvPr id="4" name="Date Placeholder 3">
-            <a:extLst>
-              <a:ext uri="{FF2B5EF4-FFF2-40B4-BE49-F238E27FC236}">
-                <a16:creationId xmlns:a16="http://schemas.microsoft.com/office/drawing/2014/main" id="{335317A4-0C87-2F34-E3BA-FF066846466D}"/>
-              </a:ext>
-            </a:extLst>
-          </p:cNvPr>
+            <a:endParaRPr lang="en-US" dirty="0"/>
+          </a:p>
+        </p:txBody>
+      </p:sp>
+      <p:sp>
+        <p:nvSpPr>
+          <p:cNvPr id="4" name="Date Placeholder 3"/>
           <p:cNvSpPr>
             <a:spLocks noGrp="1"/>
           </p:cNvSpPr>
@@ -858,7 +765,7 @@
           <a:p>
             <a:fld id="{DF9F85F1-8CA6-D44C-86D8-D812A5DAD618}" type="datetimeFigureOut">
               <a:rPr lang="en-US" smtClean="0"/>
-              <a:t>1/8/25</a:t>
+              <a:t>1/21/25</a:t>
             </a:fld>
             <a:endParaRPr lang="en-US"/>
           </a:p>
@@ -866,13 +773,7 @@
       </p:sp>
       <p:sp>
         <p:nvSpPr>
-          <p:cNvPr id="5" name="Footer Placeholder 4">
-            <a:extLst>
-              <a:ext uri="{FF2B5EF4-FFF2-40B4-BE49-F238E27FC236}">
-                <a16:creationId xmlns:a16="http://schemas.microsoft.com/office/drawing/2014/main" id="{685CE92C-0B2D-6813-BA8E-E664058DA24C}"/>
-              </a:ext>
-            </a:extLst>
-          </p:cNvPr>
+          <p:cNvPr id="5" name="Footer Placeholder 4"/>
           <p:cNvSpPr>
             <a:spLocks noGrp="1"/>
           </p:cNvSpPr>
@@ -891,13 +792,7 @@
       </p:sp>
       <p:sp>
         <p:nvSpPr>
-          <p:cNvPr id="6" name="Slide Number Placeholder 5">
-            <a:extLst>
-              <a:ext uri="{FF2B5EF4-FFF2-40B4-BE49-F238E27FC236}">
-                <a16:creationId xmlns:a16="http://schemas.microsoft.com/office/drawing/2014/main" id="{E96A9CFB-1D78-FDE3-FD1E-32F652D3A6CB}"/>
-              </a:ext>
-            </a:extLst>
-          </p:cNvPr>
+          <p:cNvPr id="6" name="Slide Number Placeholder 5"/>
           <p:cNvSpPr>
             <a:spLocks noGrp="1"/>
           </p:cNvSpPr>
@@ -921,7 +816,7 @@
     </p:spTree>
     <p:extLst>
       <p:ext uri="{BB962C8B-B14F-4D97-AF65-F5344CB8AC3E}">
-        <p14:creationId xmlns:p14="http://schemas.microsoft.com/office/powerpoint/2010/main" val="59988038"/>
+        <p14:creationId xmlns:p14="http://schemas.microsoft.com/office/powerpoint/2010/main" val="582838129"/>
       </p:ext>
     </p:extLst>
   </p:cSld>
@@ -950,13 +845,7 @@
       </p:grpSpPr>
       <p:sp>
         <p:nvSpPr>
-          <p:cNvPr id="2" name="Title 1">
-            <a:extLst>
-              <a:ext uri="{FF2B5EF4-FFF2-40B4-BE49-F238E27FC236}">
-                <a16:creationId xmlns:a16="http://schemas.microsoft.com/office/drawing/2014/main" id="{0DBF5DE1-3981-A1D7-49B6-D7AD8FAC2A32}"/>
-              </a:ext>
-            </a:extLst>
-          </p:cNvPr>
+          <p:cNvPr id="2" name="Title 1"/>
           <p:cNvSpPr>
             <a:spLocks noGrp="1"/>
           </p:cNvSpPr>
@@ -966,15 +855,15 @@
         </p:nvSpPr>
         <p:spPr>
           <a:xfrm>
-            <a:off x="831850" y="1709738"/>
-            <a:ext cx="10515600" cy="2852737"/>
+            <a:off x="1122997" y="2279652"/>
+            <a:ext cx="14196060" cy="3803649"/>
           </a:xfrm>
         </p:spPr>
         <p:txBody>
           <a:bodyPr anchor="b"/>
           <a:lstStyle>
             <a:lvl1pPr>
-              <a:defRPr sz="6000"/>
+              <a:defRPr sz="8000"/>
             </a:lvl1pPr>
           </a:lstStyle>
           <a:p>
@@ -982,18 +871,13 @@
               <a:rPr lang="en-US"/>
               <a:t>Click to edit Master title style</a:t>
             </a:r>
-          </a:p>
-        </p:txBody>
-      </p:sp>
-      <p:sp>
-        <p:nvSpPr>
-          <p:cNvPr id="3" name="Text Placeholder 2">
-            <a:extLst>
-              <a:ext uri="{FF2B5EF4-FFF2-40B4-BE49-F238E27FC236}">
-                <a16:creationId xmlns:a16="http://schemas.microsoft.com/office/drawing/2014/main" id="{E6215292-42BE-A6C2-058A-03396B28003F}"/>
-              </a:ext>
-            </a:extLst>
-          </p:cNvPr>
+            <a:endParaRPr lang="en-US" dirty="0"/>
+          </a:p>
+        </p:txBody>
+      </p:sp>
+      <p:sp>
+        <p:nvSpPr>
+          <p:cNvPr id="3" name="Text Placeholder 2"/>
           <p:cNvSpPr>
             <a:spLocks noGrp="1"/>
           </p:cNvSpPr>
@@ -1003,14 +887,34 @@
         </p:nvSpPr>
         <p:spPr>
           <a:xfrm>
-            <a:off x="831850" y="4589463"/>
-            <a:ext cx="10515600" cy="1500187"/>
+            <a:off x="1122997" y="6119285"/>
+            <a:ext cx="14196060" cy="2000249"/>
           </a:xfrm>
         </p:spPr>
         <p:txBody>
           <a:bodyPr/>
           <a:lstStyle>
             <a:lvl1pPr marL="0" indent="0">
+              <a:buNone/>
+              <a:defRPr sz="3200">
+                <a:solidFill>
+                  <a:schemeClr val="tx1">
+                    <a:tint val="82000"/>
+                  </a:schemeClr>
+                </a:solidFill>
+              </a:defRPr>
+            </a:lvl1pPr>
+            <a:lvl2pPr marL="609585" indent="0">
+              <a:buNone/>
+              <a:defRPr sz="2667">
+                <a:solidFill>
+                  <a:schemeClr val="tx1">
+                    <a:tint val="82000"/>
+                  </a:schemeClr>
+                </a:solidFill>
+              </a:defRPr>
+            </a:lvl2pPr>
+            <a:lvl3pPr marL="1219170" indent="0">
               <a:buNone/>
               <a:defRPr sz="2400">
                 <a:solidFill>
@@ -1019,30 +923,10 @@
                   </a:schemeClr>
                 </a:solidFill>
               </a:defRPr>
-            </a:lvl1pPr>
-            <a:lvl2pPr marL="457200" indent="0">
+            </a:lvl3pPr>
+            <a:lvl4pPr marL="1828754" indent="0">
               <a:buNone/>
-              <a:defRPr sz="2000">
-                <a:solidFill>
-                  <a:schemeClr val="tx1">
-                    <a:tint val="82000"/>
-                  </a:schemeClr>
-                </a:solidFill>
-              </a:defRPr>
-            </a:lvl2pPr>
-            <a:lvl3pPr marL="914400" indent="0">
-              <a:buNone/>
-              <a:defRPr sz="1800">
-                <a:solidFill>
-                  <a:schemeClr val="tx1">
-                    <a:tint val="82000"/>
-                  </a:schemeClr>
-                </a:solidFill>
-              </a:defRPr>
-            </a:lvl3pPr>
-            <a:lvl4pPr marL="1371600" indent="0">
-              <a:buNone/>
-              <a:defRPr sz="1600">
+              <a:defRPr sz="2133">
                 <a:solidFill>
                   <a:schemeClr val="tx1">
                     <a:tint val="82000"/>
@@ -1050,9 +934,9 @@
                 </a:solidFill>
               </a:defRPr>
             </a:lvl4pPr>
-            <a:lvl5pPr marL="1828800" indent="0">
+            <a:lvl5pPr marL="2438339" indent="0">
               <a:buNone/>
-              <a:defRPr sz="1600">
+              <a:defRPr sz="2133">
                 <a:solidFill>
                   <a:schemeClr val="tx1">
                     <a:tint val="82000"/>
@@ -1060,9 +944,9 @@
                 </a:solidFill>
               </a:defRPr>
             </a:lvl5pPr>
-            <a:lvl6pPr marL="2286000" indent="0">
+            <a:lvl6pPr marL="3047924" indent="0">
               <a:buNone/>
-              <a:defRPr sz="1600">
+              <a:defRPr sz="2133">
                 <a:solidFill>
                   <a:schemeClr val="tx1">
                     <a:tint val="82000"/>
@@ -1070,9 +954,9 @@
                 </a:solidFill>
               </a:defRPr>
             </a:lvl6pPr>
-            <a:lvl7pPr marL="2743200" indent="0">
+            <a:lvl7pPr marL="3657509" indent="0">
               <a:buNone/>
-              <a:defRPr sz="1600">
+              <a:defRPr sz="2133">
                 <a:solidFill>
                   <a:schemeClr val="tx1">
                     <a:tint val="82000"/>
@@ -1080,9 +964,9 @@
                 </a:solidFill>
               </a:defRPr>
             </a:lvl7pPr>
-            <a:lvl8pPr marL="3200400" indent="0">
+            <a:lvl8pPr marL="4267093" indent="0">
               <a:buNone/>
-              <a:defRPr sz="1600">
+              <a:defRPr sz="2133">
                 <a:solidFill>
                   <a:schemeClr val="tx1">
                     <a:tint val="82000"/>
@@ -1090,9 +974,9 @@
                 </a:solidFill>
               </a:defRPr>
             </a:lvl8pPr>
-            <a:lvl9pPr marL="3657600" indent="0">
+            <a:lvl9pPr marL="4876678" indent="0">
               <a:buNone/>
-              <a:defRPr sz="1600">
+              <a:defRPr sz="2133">
                 <a:solidFill>
                   <a:schemeClr val="tx1">
                     <a:tint val="82000"/>
@@ -1112,13 +996,7 @@
       </p:sp>
       <p:sp>
         <p:nvSpPr>
-          <p:cNvPr id="4" name="Date Placeholder 3">
-            <a:extLst>
-              <a:ext uri="{FF2B5EF4-FFF2-40B4-BE49-F238E27FC236}">
-                <a16:creationId xmlns:a16="http://schemas.microsoft.com/office/drawing/2014/main" id="{9533D331-2B42-3BF8-0543-4FF7D34348A5}"/>
-              </a:ext>
-            </a:extLst>
-          </p:cNvPr>
+          <p:cNvPr id="4" name="Date Placeholder 3"/>
           <p:cNvSpPr>
             <a:spLocks noGrp="1"/>
           </p:cNvSpPr>
@@ -1133,7 +1011,7 @@
           <a:p>
             <a:fld id="{DF9F85F1-8CA6-D44C-86D8-D812A5DAD618}" type="datetimeFigureOut">
               <a:rPr lang="en-US" smtClean="0"/>
-              <a:t>1/8/25</a:t>
+              <a:t>1/21/25</a:t>
             </a:fld>
             <a:endParaRPr lang="en-US"/>
           </a:p>
@@ -1141,13 +1019,7 @@
       </p:sp>
       <p:sp>
         <p:nvSpPr>
-          <p:cNvPr id="5" name="Footer Placeholder 4">
-            <a:extLst>
-              <a:ext uri="{FF2B5EF4-FFF2-40B4-BE49-F238E27FC236}">
-                <a16:creationId xmlns:a16="http://schemas.microsoft.com/office/drawing/2014/main" id="{23249120-B291-1A78-1BFD-72CC6FC0F3F2}"/>
-              </a:ext>
-            </a:extLst>
-          </p:cNvPr>
+          <p:cNvPr id="5" name="Footer Placeholder 4"/>
           <p:cNvSpPr>
             <a:spLocks noGrp="1"/>
           </p:cNvSpPr>
@@ -1166,13 +1038,7 @@
       </p:sp>
       <p:sp>
         <p:nvSpPr>
-          <p:cNvPr id="6" name="Slide Number Placeholder 5">
-            <a:extLst>
-              <a:ext uri="{FF2B5EF4-FFF2-40B4-BE49-F238E27FC236}">
-                <a16:creationId xmlns:a16="http://schemas.microsoft.com/office/drawing/2014/main" id="{BA0EA922-C420-60DD-9634-A2517E1AB9E1}"/>
-              </a:ext>
-            </a:extLst>
-          </p:cNvPr>
+          <p:cNvPr id="6" name="Slide Number Placeholder 5"/>
           <p:cNvSpPr>
             <a:spLocks noGrp="1"/>
           </p:cNvSpPr>
@@ -1196,7 +1062,7 @@
     </p:spTree>
     <p:extLst>
       <p:ext uri="{BB962C8B-B14F-4D97-AF65-F5344CB8AC3E}">
-        <p14:creationId xmlns:p14="http://schemas.microsoft.com/office/powerpoint/2010/main" val="3029609290"/>
+        <p14:creationId xmlns:p14="http://schemas.microsoft.com/office/powerpoint/2010/main" val="1715328678"/>
       </p:ext>
     </p:extLst>
   </p:cSld>
@@ -1225,13 +1091,7 @@
       </p:grpSpPr>
       <p:sp>
         <p:nvSpPr>
-          <p:cNvPr id="2" name="Title 1">
-            <a:extLst>
-              <a:ext uri="{FF2B5EF4-FFF2-40B4-BE49-F238E27FC236}">
-                <a16:creationId xmlns:a16="http://schemas.microsoft.com/office/drawing/2014/main" id="{3FB861BB-009B-E830-3E0D-857F6972E4EB}"/>
-              </a:ext>
-            </a:extLst>
-          </p:cNvPr>
+          <p:cNvPr id="2" name="Title 1"/>
           <p:cNvSpPr>
             <a:spLocks noGrp="1"/>
           </p:cNvSpPr>
@@ -1248,18 +1108,13 @@
               <a:rPr lang="en-US"/>
               <a:t>Click to edit Master title style</a:t>
             </a:r>
-          </a:p>
-        </p:txBody>
-      </p:sp>
-      <p:sp>
-        <p:nvSpPr>
-          <p:cNvPr id="3" name="Content Placeholder 2">
-            <a:extLst>
-              <a:ext uri="{FF2B5EF4-FFF2-40B4-BE49-F238E27FC236}">
-                <a16:creationId xmlns:a16="http://schemas.microsoft.com/office/drawing/2014/main" id="{2AA3F741-5B03-347C-5844-0BED9B92E863}"/>
-              </a:ext>
-            </a:extLst>
-          </p:cNvPr>
+            <a:endParaRPr lang="en-US" dirty="0"/>
+          </a:p>
+        </p:txBody>
+      </p:sp>
+      <p:sp>
+        <p:nvSpPr>
+          <p:cNvPr id="3" name="Content Placeholder 2"/>
           <p:cNvSpPr>
             <a:spLocks noGrp="1"/>
           </p:cNvSpPr>
@@ -1269,8 +1124,8 @@
         </p:nvSpPr>
         <p:spPr>
           <a:xfrm>
-            <a:off x="838200" y="1825625"/>
-            <a:ext cx="5181600" cy="4351338"/>
+            <a:off x="1131570" y="2434167"/>
+            <a:ext cx="6995160" cy="5801784"/>
           </a:xfrm>
         </p:spPr>
         <p:txBody>
@@ -1310,18 +1165,13 @@
               <a:rPr lang="en-US"/>
               <a:t>Fifth level</a:t>
             </a:r>
-          </a:p>
-        </p:txBody>
-      </p:sp>
-      <p:sp>
-        <p:nvSpPr>
-          <p:cNvPr id="4" name="Content Placeholder 3">
-            <a:extLst>
-              <a:ext uri="{FF2B5EF4-FFF2-40B4-BE49-F238E27FC236}">
-                <a16:creationId xmlns:a16="http://schemas.microsoft.com/office/drawing/2014/main" id="{7BF9D51B-0CC5-7DB0-D197-24B75CE99862}"/>
-              </a:ext>
-            </a:extLst>
-          </p:cNvPr>
+            <a:endParaRPr lang="en-US" dirty="0"/>
+          </a:p>
+        </p:txBody>
+      </p:sp>
+      <p:sp>
+        <p:nvSpPr>
+          <p:cNvPr id="4" name="Content Placeholder 3"/>
           <p:cNvSpPr>
             <a:spLocks noGrp="1"/>
           </p:cNvSpPr>
@@ -1331,8 +1181,8 @@
         </p:nvSpPr>
         <p:spPr>
           <a:xfrm>
-            <a:off x="6172200" y="1825625"/>
-            <a:ext cx="5181600" cy="4351338"/>
+            <a:off x="8332470" y="2434167"/>
+            <a:ext cx="6995160" cy="5801784"/>
           </a:xfrm>
         </p:spPr>
         <p:txBody>
@@ -1372,18 +1222,13 @@
               <a:rPr lang="en-US"/>
               <a:t>Fifth level</a:t>
             </a:r>
-          </a:p>
-        </p:txBody>
-      </p:sp>
-      <p:sp>
-        <p:nvSpPr>
-          <p:cNvPr id="5" name="Date Placeholder 4">
-            <a:extLst>
-              <a:ext uri="{FF2B5EF4-FFF2-40B4-BE49-F238E27FC236}">
-                <a16:creationId xmlns:a16="http://schemas.microsoft.com/office/drawing/2014/main" id="{C24EE66F-7B02-4D91-EE3C-23BE35EE913B}"/>
-              </a:ext>
-            </a:extLst>
-          </p:cNvPr>
+            <a:endParaRPr lang="en-US" dirty="0"/>
+          </a:p>
+        </p:txBody>
+      </p:sp>
+      <p:sp>
+        <p:nvSpPr>
+          <p:cNvPr id="5" name="Date Placeholder 4"/>
           <p:cNvSpPr>
             <a:spLocks noGrp="1"/>
           </p:cNvSpPr>
@@ -1398,7 +1243,7 @@
           <a:p>
             <a:fld id="{DF9F85F1-8CA6-D44C-86D8-D812A5DAD618}" type="datetimeFigureOut">
               <a:rPr lang="en-US" smtClean="0"/>
-              <a:t>1/8/25</a:t>
+              <a:t>1/21/25</a:t>
             </a:fld>
             <a:endParaRPr lang="en-US"/>
           </a:p>
@@ -1406,13 +1251,7 @@
       </p:sp>
       <p:sp>
         <p:nvSpPr>
-          <p:cNvPr id="6" name="Footer Placeholder 5">
-            <a:extLst>
-              <a:ext uri="{FF2B5EF4-FFF2-40B4-BE49-F238E27FC236}">
-                <a16:creationId xmlns:a16="http://schemas.microsoft.com/office/drawing/2014/main" id="{D47BBC12-ACDC-BFAF-CEA2-B0A18C3E3D1A}"/>
-              </a:ext>
-            </a:extLst>
-          </p:cNvPr>
+          <p:cNvPr id="6" name="Footer Placeholder 5"/>
           <p:cNvSpPr>
             <a:spLocks noGrp="1"/>
           </p:cNvSpPr>
@@ -1431,13 +1270,7 @@
       </p:sp>
       <p:sp>
         <p:nvSpPr>
-          <p:cNvPr id="7" name="Slide Number Placeholder 6">
-            <a:extLst>
-              <a:ext uri="{FF2B5EF4-FFF2-40B4-BE49-F238E27FC236}">
-                <a16:creationId xmlns:a16="http://schemas.microsoft.com/office/drawing/2014/main" id="{5B75C3D1-00D1-14F8-B600-7C6876856DBE}"/>
-              </a:ext>
-            </a:extLst>
-          </p:cNvPr>
+          <p:cNvPr id="7" name="Slide Number Placeholder 6"/>
           <p:cNvSpPr>
             <a:spLocks noGrp="1"/>
           </p:cNvSpPr>
@@ -1461,7 +1294,7 @@
     </p:spTree>
     <p:extLst>
       <p:ext uri="{BB962C8B-B14F-4D97-AF65-F5344CB8AC3E}">
-        <p14:creationId xmlns:p14="http://schemas.microsoft.com/office/powerpoint/2010/main" val="1566487294"/>
+        <p14:creationId xmlns:p14="http://schemas.microsoft.com/office/powerpoint/2010/main" val="1032778917"/>
       </p:ext>
     </p:extLst>
   </p:cSld>
@@ -1490,13 +1323,7 @@
       </p:grpSpPr>
       <p:sp>
         <p:nvSpPr>
-          <p:cNvPr id="2" name="Title 1">
-            <a:extLst>
-              <a:ext uri="{FF2B5EF4-FFF2-40B4-BE49-F238E27FC236}">
-                <a16:creationId xmlns:a16="http://schemas.microsoft.com/office/drawing/2014/main" id="{A9990AD3-C9F7-1A43-C7D5-60AB753F053E}"/>
-              </a:ext>
-            </a:extLst>
-          </p:cNvPr>
+          <p:cNvPr id="2" name="Title 1"/>
           <p:cNvSpPr>
             <a:spLocks noGrp="1"/>
           </p:cNvSpPr>
@@ -1506,8 +1333,8 @@
         </p:nvSpPr>
         <p:spPr>
           <a:xfrm>
-            <a:off x="839788" y="365125"/>
-            <a:ext cx="10515600" cy="1325563"/>
+            <a:off x="1133714" y="486834"/>
+            <a:ext cx="14196060" cy="1767417"/>
           </a:xfrm>
         </p:spPr>
         <p:txBody>
@@ -1518,18 +1345,13 @@
               <a:rPr lang="en-US"/>
               <a:t>Click to edit Master title style</a:t>
             </a:r>
-          </a:p>
-        </p:txBody>
-      </p:sp>
-      <p:sp>
-        <p:nvSpPr>
-          <p:cNvPr id="3" name="Text Placeholder 2">
-            <a:extLst>
-              <a:ext uri="{FF2B5EF4-FFF2-40B4-BE49-F238E27FC236}">
-                <a16:creationId xmlns:a16="http://schemas.microsoft.com/office/drawing/2014/main" id="{5CE00060-7582-6AD8-F962-5050CE6A6EC2}"/>
-              </a:ext>
-            </a:extLst>
-          </p:cNvPr>
+            <a:endParaRPr lang="en-US" dirty="0"/>
+          </a:p>
+        </p:txBody>
+      </p:sp>
+      <p:sp>
+        <p:nvSpPr>
+          <p:cNvPr id="3" name="Text Placeholder 2"/>
           <p:cNvSpPr>
             <a:spLocks noGrp="1"/>
           </p:cNvSpPr>
@@ -1539,8 +1361,8 @@
         </p:nvSpPr>
         <p:spPr>
           <a:xfrm>
-            <a:off x="839788" y="1681163"/>
-            <a:ext cx="5157787" cy="823912"/>
+            <a:off x="1133715" y="2241551"/>
+            <a:ext cx="6963012" cy="1098549"/>
           </a:xfrm>
         </p:spPr>
         <p:txBody>
@@ -1548,39 +1370,39 @@
           <a:lstStyle>
             <a:lvl1pPr marL="0" indent="0">
               <a:buNone/>
+              <a:defRPr sz="3200" b="1"/>
+            </a:lvl1pPr>
+            <a:lvl2pPr marL="609585" indent="0">
+              <a:buNone/>
+              <a:defRPr sz="2667" b="1"/>
+            </a:lvl2pPr>
+            <a:lvl3pPr marL="1219170" indent="0">
+              <a:buNone/>
               <a:defRPr sz="2400" b="1"/>
-            </a:lvl1pPr>
-            <a:lvl2pPr marL="457200" indent="0">
+            </a:lvl3pPr>
+            <a:lvl4pPr marL="1828754" indent="0">
               <a:buNone/>
-              <a:defRPr sz="2000" b="1"/>
-            </a:lvl2pPr>
-            <a:lvl3pPr marL="914400" indent="0">
+              <a:defRPr sz="2133" b="1"/>
+            </a:lvl4pPr>
+            <a:lvl5pPr marL="2438339" indent="0">
               <a:buNone/>
-              <a:defRPr sz="1800" b="1"/>
-            </a:lvl3pPr>
-            <a:lvl4pPr marL="1371600" indent="0">
+              <a:defRPr sz="2133" b="1"/>
+            </a:lvl5pPr>
+            <a:lvl6pPr marL="3047924" indent="0">
               <a:buNone/>
-              <a:defRPr sz="1600" b="1"/>
-            </a:lvl4pPr>
-            <a:lvl5pPr marL="1828800" indent="0">
+              <a:defRPr sz="2133" b="1"/>
+            </a:lvl6pPr>
+            <a:lvl7pPr marL="3657509" indent="0">
               <a:buNone/>
-              <a:defRPr sz="1600" b="1"/>
-            </a:lvl5pPr>
-            <a:lvl6pPr marL="2286000" indent="0">
+              <a:defRPr sz="2133" b="1"/>
+            </a:lvl7pPr>
+            <a:lvl8pPr marL="4267093" indent="0">
               <a:buNone/>
-              <a:defRPr sz="1600" b="1"/>
-            </a:lvl6pPr>
-            <a:lvl7pPr marL="2743200" indent="0">
+              <a:defRPr sz="2133" b="1"/>
+            </a:lvl8pPr>
+            <a:lvl9pPr marL="4876678" indent="0">
               <a:buNone/>
-              <a:defRPr sz="1600" b="1"/>
-            </a:lvl7pPr>
-            <a:lvl8pPr marL="3200400" indent="0">
-              <a:buNone/>
-              <a:defRPr sz="1600" b="1"/>
-            </a:lvl8pPr>
-            <a:lvl9pPr marL="3657600" indent="0">
-              <a:buNone/>
-              <a:defRPr sz="1600" b="1"/>
+              <a:defRPr sz="2133" b="1"/>
             </a:lvl9pPr>
           </a:lstStyle>
           <a:p>
@@ -1594,13 +1416,7 @@
       </p:sp>
       <p:sp>
         <p:nvSpPr>
-          <p:cNvPr id="4" name="Content Placeholder 3">
-            <a:extLst>
-              <a:ext uri="{FF2B5EF4-FFF2-40B4-BE49-F238E27FC236}">
-                <a16:creationId xmlns:a16="http://schemas.microsoft.com/office/drawing/2014/main" id="{5653B9F8-2446-B5A3-D9B2-8F4954CA4B70}"/>
-              </a:ext>
-            </a:extLst>
-          </p:cNvPr>
+          <p:cNvPr id="4" name="Content Placeholder 3"/>
           <p:cNvSpPr>
             <a:spLocks noGrp="1"/>
           </p:cNvSpPr>
@@ -1610,8 +1426,8 @@
         </p:nvSpPr>
         <p:spPr>
           <a:xfrm>
-            <a:off x="839788" y="2505075"/>
-            <a:ext cx="5157787" cy="3684588"/>
+            <a:off x="1133715" y="3340100"/>
+            <a:ext cx="6963012" cy="4912784"/>
           </a:xfrm>
         </p:spPr>
         <p:txBody>
@@ -1651,18 +1467,13 @@
               <a:rPr lang="en-US"/>
               <a:t>Fifth level</a:t>
             </a:r>
-          </a:p>
-        </p:txBody>
-      </p:sp>
-      <p:sp>
-        <p:nvSpPr>
-          <p:cNvPr id="5" name="Text Placeholder 4">
-            <a:extLst>
-              <a:ext uri="{FF2B5EF4-FFF2-40B4-BE49-F238E27FC236}">
-                <a16:creationId xmlns:a16="http://schemas.microsoft.com/office/drawing/2014/main" id="{1DF51AB3-BAE8-A77A-6DF1-1DEA73FB9A81}"/>
-              </a:ext>
-            </a:extLst>
-          </p:cNvPr>
+            <a:endParaRPr lang="en-US" dirty="0"/>
+          </a:p>
+        </p:txBody>
+      </p:sp>
+      <p:sp>
+        <p:nvSpPr>
+          <p:cNvPr id="5" name="Text Placeholder 4"/>
           <p:cNvSpPr>
             <a:spLocks noGrp="1"/>
           </p:cNvSpPr>
@@ -1672,8 +1483,8 @@
         </p:nvSpPr>
         <p:spPr>
           <a:xfrm>
-            <a:off x="6172200" y="1681163"/>
-            <a:ext cx="5183188" cy="823912"/>
+            <a:off x="8332470" y="2241551"/>
+            <a:ext cx="6997304" cy="1098549"/>
           </a:xfrm>
         </p:spPr>
         <p:txBody>
@@ -1681,39 +1492,39 @@
           <a:lstStyle>
             <a:lvl1pPr marL="0" indent="0">
               <a:buNone/>
+              <a:defRPr sz="3200" b="1"/>
+            </a:lvl1pPr>
+            <a:lvl2pPr marL="609585" indent="0">
+              <a:buNone/>
+              <a:defRPr sz="2667" b="1"/>
+            </a:lvl2pPr>
+            <a:lvl3pPr marL="1219170" indent="0">
+              <a:buNone/>
               <a:defRPr sz="2400" b="1"/>
-            </a:lvl1pPr>
-            <a:lvl2pPr marL="457200" indent="0">
+            </a:lvl3pPr>
+            <a:lvl4pPr marL="1828754" indent="0">
               <a:buNone/>
-              <a:defRPr sz="2000" b="1"/>
-            </a:lvl2pPr>
-            <a:lvl3pPr marL="914400" indent="0">
+              <a:defRPr sz="2133" b="1"/>
+            </a:lvl4pPr>
+            <a:lvl5pPr marL="2438339" indent="0">
               <a:buNone/>
-              <a:defRPr sz="1800" b="1"/>
-            </a:lvl3pPr>
-            <a:lvl4pPr marL="1371600" indent="0">
+              <a:defRPr sz="2133" b="1"/>
+            </a:lvl5pPr>
+            <a:lvl6pPr marL="3047924" indent="0">
               <a:buNone/>
-              <a:defRPr sz="1600" b="1"/>
-            </a:lvl4pPr>
-            <a:lvl5pPr marL="1828800" indent="0">
+              <a:defRPr sz="2133" b="1"/>
+            </a:lvl6pPr>
+            <a:lvl7pPr marL="3657509" indent="0">
               <a:buNone/>
-              <a:defRPr sz="1600" b="1"/>
-            </a:lvl5pPr>
-            <a:lvl6pPr marL="2286000" indent="0">
+              <a:defRPr sz="2133" b="1"/>
+            </a:lvl7pPr>
+            <a:lvl8pPr marL="4267093" indent="0">
               <a:buNone/>
-              <a:defRPr sz="1600" b="1"/>
-            </a:lvl6pPr>
-            <a:lvl7pPr marL="2743200" indent="0">
+              <a:defRPr sz="2133" b="1"/>
+            </a:lvl8pPr>
+            <a:lvl9pPr marL="4876678" indent="0">
               <a:buNone/>
-              <a:defRPr sz="1600" b="1"/>
-            </a:lvl7pPr>
-            <a:lvl8pPr marL="3200400" indent="0">
-              <a:buNone/>
-              <a:defRPr sz="1600" b="1"/>
-            </a:lvl8pPr>
-            <a:lvl9pPr marL="3657600" indent="0">
-              <a:buNone/>
-              <a:defRPr sz="1600" b="1"/>
+              <a:defRPr sz="2133" b="1"/>
             </a:lvl9pPr>
           </a:lstStyle>
           <a:p>
@@ -1727,13 +1538,7 @@
       </p:sp>
       <p:sp>
         <p:nvSpPr>
-          <p:cNvPr id="6" name="Content Placeholder 5">
-            <a:extLst>
-              <a:ext uri="{FF2B5EF4-FFF2-40B4-BE49-F238E27FC236}">
-                <a16:creationId xmlns:a16="http://schemas.microsoft.com/office/drawing/2014/main" id="{D7CFC39E-75E4-E0CE-C07D-3F8D61832275}"/>
-              </a:ext>
-            </a:extLst>
-          </p:cNvPr>
+          <p:cNvPr id="6" name="Content Placeholder 5"/>
           <p:cNvSpPr>
             <a:spLocks noGrp="1"/>
           </p:cNvSpPr>
@@ -1743,8 +1548,8 @@
         </p:nvSpPr>
         <p:spPr>
           <a:xfrm>
-            <a:off x="6172200" y="2505075"/>
-            <a:ext cx="5183188" cy="3684588"/>
+            <a:off x="8332470" y="3340100"/>
+            <a:ext cx="6997304" cy="4912784"/>
           </a:xfrm>
         </p:spPr>
         <p:txBody>
@@ -1784,18 +1589,13 @@
               <a:rPr lang="en-US"/>
               <a:t>Fifth level</a:t>
             </a:r>
-          </a:p>
-        </p:txBody>
-      </p:sp>
-      <p:sp>
-        <p:nvSpPr>
-          <p:cNvPr id="7" name="Date Placeholder 6">
-            <a:extLst>
-              <a:ext uri="{FF2B5EF4-FFF2-40B4-BE49-F238E27FC236}">
-                <a16:creationId xmlns:a16="http://schemas.microsoft.com/office/drawing/2014/main" id="{07347401-86AA-FBD1-4460-F3187780D720}"/>
-              </a:ext>
-            </a:extLst>
-          </p:cNvPr>
+            <a:endParaRPr lang="en-US" dirty="0"/>
+          </a:p>
+        </p:txBody>
+      </p:sp>
+      <p:sp>
+        <p:nvSpPr>
+          <p:cNvPr id="7" name="Date Placeholder 6"/>
           <p:cNvSpPr>
             <a:spLocks noGrp="1"/>
           </p:cNvSpPr>
@@ -1810,7 +1610,7 @@
           <a:p>
             <a:fld id="{DF9F85F1-8CA6-D44C-86D8-D812A5DAD618}" type="datetimeFigureOut">
               <a:rPr lang="en-US" smtClean="0"/>
-              <a:t>1/8/25</a:t>
+              <a:t>1/21/25</a:t>
             </a:fld>
             <a:endParaRPr lang="en-US"/>
           </a:p>
@@ -1818,13 +1618,7 @@
       </p:sp>
       <p:sp>
         <p:nvSpPr>
-          <p:cNvPr id="8" name="Footer Placeholder 7">
-            <a:extLst>
-              <a:ext uri="{FF2B5EF4-FFF2-40B4-BE49-F238E27FC236}">
-                <a16:creationId xmlns:a16="http://schemas.microsoft.com/office/drawing/2014/main" id="{7BC1ECBB-B369-C886-5017-D0DE617E7DF0}"/>
-              </a:ext>
-            </a:extLst>
-          </p:cNvPr>
+          <p:cNvPr id="8" name="Footer Placeholder 7"/>
           <p:cNvSpPr>
             <a:spLocks noGrp="1"/>
           </p:cNvSpPr>
@@ -1843,13 +1637,7 @@
       </p:sp>
       <p:sp>
         <p:nvSpPr>
-          <p:cNvPr id="9" name="Slide Number Placeholder 8">
-            <a:extLst>
-              <a:ext uri="{FF2B5EF4-FFF2-40B4-BE49-F238E27FC236}">
-                <a16:creationId xmlns:a16="http://schemas.microsoft.com/office/drawing/2014/main" id="{D380697A-DE65-1E07-2778-654B35CC6220}"/>
-              </a:ext>
-            </a:extLst>
-          </p:cNvPr>
+          <p:cNvPr id="9" name="Slide Number Placeholder 8"/>
           <p:cNvSpPr>
             <a:spLocks noGrp="1"/>
           </p:cNvSpPr>
@@ -1873,7 +1661,7 @@
     </p:spTree>
     <p:extLst>
       <p:ext uri="{BB962C8B-B14F-4D97-AF65-F5344CB8AC3E}">
-        <p14:creationId xmlns:p14="http://schemas.microsoft.com/office/powerpoint/2010/main" val="3865913314"/>
+        <p14:creationId xmlns:p14="http://schemas.microsoft.com/office/powerpoint/2010/main" val="983548117"/>
       </p:ext>
     </p:extLst>
   </p:cSld>
@@ -1902,13 +1690,7 @@
       </p:grpSpPr>
       <p:sp>
         <p:nvSpPr>
-          <p:cNvPr id="2" name="Title 1">
-            <a:extLst>
-              <a:ext uri="{FF2B5EF4-FFF2-40B4-BE49-F238E27FC236}">
-                <a16:creationId xmlns:a16="http://schemas.microsoft.com/office/drawing/2014/main" id="{3FC20762-6F3F-4F59-C79A-80813AB924A2}"/>
-              </a:ext>
-            </a:extLst>
-          </p:cNvPr>
+          <p:cNvPr id="2" name="Title 1"/>
           <p:cNvSpPr>
             <a:spLocks noGrp="1"/>
           </p:cNvSpPr>
@@ -1925,18 +1707,13 @@
               <a:rPr lang="en-US"/>
               <a:t>Click to edit Master title style</a:t>
             </a:r>
-          </a:p>
-        </p:txBody>
-      </p:sp>
-      <p:sp>
-        <p:nvSpPr>
-          <p:cNvPr id="3" name="Date Placeholder 2">
-            <a:extLst>
-              <a:ext uri="{FF2B5EF4-FFF2-40B4-BE49-F238E27FC236}">
-                <a16:creationId xmlns:a16="http://schemas.microsoft.com/office/drawing/2014/main" id="{57DF7CC2-33B3-87C5-AE54-B1FDBE1B1AB8}"/>
-              </a:ext>
-            </a:extLst>
-          </p:cNvPr>
+            <a:endParaRPr lang="en-US" dirty="0"/>
+          </a:p>
+        </p:txBody>
+      </p:sp>
+      <p:sp>
+        <p:nvSpPr>
+          <p:cNvPr id="3" name="Date Placeholder 2"/>
           <p:cNvSpPr>
             <a:spLocks noGrp="1"/>
           </p:cNvSpPr>
@@ -1951,7 +1728,7 @@
           <a:p>
             <a:fld id="{DF9F85F1-8CA6-D44C-86D8-D812A5DAD618}" type="datetimeFigureOut">
               <a:rPr lang="en-US" smtClean="0"/>
-              <a:t>1/8/25</a:t>
+              <a:t>1/21/25</a:t>
             </a:fld>
             <a:endParaRPr lang="en-US"/>
           </a:p>
@@ -1959,13 +1736,7 @@
       </p:sp>
       <p:sp>
         <p:nvSpPr>
-          <p:cNvPr id="4" name="Footer Placeholder 3">
-            <a:extLst>
-              <a:ext uri="{FF2B5EF4-FFF2-40B4-BE49-F238E27FC236}">
-                <a16:creationId xmlns:a16="http://schemas.microsoft.com/office/drawing/2014/main" id="{830A8664-288B-AE3D-1C57-0B0C5FFD3585}"/>
-              </a:ext>
-            </a:extLst>
-          </p:cNvPr>
+          <p:cNvPr id="4" name="Footer Placeholder 3"/>
           <p:cNvSpPr>
             <a:spLocks noGrp="1"/>
           </p:cNvSpPr>
@@ -1984,13 +1755,7 @@
       </p:sp>
       <p:sp>
         <p:nvSpPr>
-          <p:cNvPr id="5" name="Slide Number Placeholder 4">
-            <a:extLst>
-              <a:ext uri="{FF2B5EF4-FFF2-40B4-BE49-F238E27FC236}">
-                <a16:creationId xmlns:a16="http://schemas.microsoft.com/office/drawing/2014/main" id="{9CEECB8D-4A2E-8A67-BCD2-008A0B17C4B1}"/>
-              </a:ext>
-            </a:extLst>
-          </p:cNvPr>
+          <p:cNvPr id="5" name="Slide Number Placeholder 4"/>
           <p:cNvSpPr>
             <a:spLocks noGrp="1"/>
           </p:cNvSpPr>
@@ -2014,7 +1779,7 @@
     </p:spTree>
     <p:extLst>
       <p:ext uri="{BB962C8B-B14F-4D97-AF65-F5344CB8AC3E}">
-        <p14:creationId xmlns:p14="http://schemas.microsoft.com/office/powerpoint/2010/main" val="2787038931"/>
+        <p14:creationId xmlns:p14="http://schemas.microsoft.com/office/powerpoint/2010/main" val="1062428418"/>
       </p:ext>
     </p:extLst>
   </p:cSld>
@@ -2043,13 +1808,7 @@
       </p:grpSpPr>
       <p:sp>
         <p:nvSpPr>
-          <p:cNvPr id="2" name="Date Placeholder 1">
-            <a:extLst>
-              <a:ext uri="{FF2B5EF4-FFF2-40B4-BE49-F238E27FC236}">
-                <a16:creationId xmlns:a16="http://schemas.microsoft.com/office/drawing/2014/main" id="{6A20F7BC-43A3-5790-1B3E-728DF7448207}"/>
-              </a:ext>
-            </a:extLst>
-          </p:cNvPr>
+          <p:cNvPr id="2" name="Date Placeholder 1"/>
           <p:cNvSpPr>
             <a:spLocks noGrp="1"/>
           </p:cNvSpPr>
@@ -2064,7 +1823,7 @@
           <a:p>
             <a:fld id="{DF9F85F1-8CA6-D44C-86D8-D812A5DAD618}" type="datetimeFigureOut">
               <a:rPr lang="en-US" smtClean="0"/>
-              <a:t>1/8/25</a:t>
+              <a:t>1/21/25</a:t>
             </a:fld>
             <a:endParaRPr lang="en-US"/>
           </a:p>
@@ -2072,13 +1831,7 @@
       </p:sp>
       <p:sp>
         <p:nvSpPr>
-          <p:cNvPr id="3" name="Footer Placeholder 2">
-            <a:extLst>
-              <a:ext uri="{FF2B5EF4-FFF2-40B4-BE49-F238E27FC236}">
-                <a16:creationId xmlns:a16="http://schemas.microsoft.com/office/drawing/2014/main" id="{6ACAF68D-0C27-2B22-E2BE-774F1B76BC99}"/>
-              </a:ext>
-            </a:extLst>
-          </p:cNvPr>
+          <p:cNvPr id="3" name="Footer Placeholder 2"/>
           <p:cNvSpPr>
             <a:spLocks noGrp="1"/>
           </p:cNvSpPr>
@@ -2097,13 +1850,7 @@
       </p:sp>
       <p:sp>
         <p:nvSpPr>
-          <p:cNvPr id="4" name="Slide Number Placeholder 3">
-            <a:extLst>
-              <a:ext uri="{FF2B5EF4-FFF2-40B4-BE49-F238E27FC236}">
-                <a16:creationId xmlns:a16="http://schemas.microsoft.com/office/drawing/2014/main" id="{A90DBA70-42A2-5379-85FB-E9C2E228E286}"/>
-              </a:ext>
-            </a:extLst>
-          </p:cNvPr>
+          <p:cNvPr id="4" name="Slide Number Placeholder 3"/>
           <p:cNvSpPr>
             <a:spLocks noGrp="1"/>
           </p:cNvSpPr>
@@ -2127,7 +1874,7 @@
     </p:spTree>
     <p:extLst>
       <p:ext uri="{BB962C8B-B14F-4D97-AF65-F5344CB8AC3E}">
-        <p14:creationId xmlns:p14="http://schemas.microsoft.com/office/powerpoint/2010/main" val="587358235"/>
+        <p14:creationId xmlns:p14="http://schemas.microsoft.com/office/powerpoint/2010/main" val="767746106"/>
       </p:ext>
     </p:extLst>
   </p:cSld>
@@ -2156,13 +1903,7 @@
       </p:grpSpPr>
       <p:sp>
         <p:nvSpPr>
-          <p:cNvPr id="2" name="Title 1">
-            <a:extLst>
-              <a:ext uri="{FF2B5EF4-FFF2-40B4-BE49-F238E27FC236}">
-                <a16:creationId xmlns:a16="http://schemas.microsoft.com/office/drawing/2014/main" id="{6BEB2CD4-D75A-FF1A-B5A0-7A62178E5895}"/>
-              </a:ext>
-            </a:extLst>
-          </p:cNvPr>
+          <p:cNvPr id="2" name="Title 1"/>
           <p:cNvSpPr>
             <a:spLocks noGrp="1"/>
           </p:cNvSpPr>
@@ -2172,15 +1913,15 @@
         </p:nvSpPr>
         <p:spPr>
           <a:xfrm>
-            <a:off x="839788" y="457200"/>
-            <a:ext cx="3932237" cy="1600200"/>
+            <a:off x="1133714" y="609600"/>
+            <a:ext cx="5308520" cy="2133600"/>
           </a:xfrm>
         </p:spPr>
         <p:txBody>
           <a:bodyPr anchor="b"/>
           <a:lstStyle>
             <a:lvl1pPr>
-              <a:defRPr sz="3200"/>
+              <a:defRPr sz="4267"/>
             </a:lvl1pPr>
           </a:lstStyle>
           <a:p>
@@ -2188,18 +1929,13 @@
               <a:rPr lang="en-US"/>
               <a:t>Click to edit Master title style</a:t>
             </a:r>
-          </a:p>
-        </p:txBody>
-      </p:sp>
-      <p:sp>
-        <p:nvSpPr>
-          <p:cNvPr id="3" name="Content Placeholder 2">
-            <a:extLst>
-              <a:ext uri="{FF2B5EF4-FFF2-40B4-BE49-F238E27FC236}">
-                <a16:creationId xmlns:a16="http://schemas.microsoft.com/office/drawing/2014/main" id="{A3A51FA1-9A65-43CD-288A-15312D0D9035}"/>
-              </a:ext>
-            </a:extLst>
-          </p:cNvPr>
+            <a:endParaRPr lang="en-US" dirty="0"/>
+          </a:p>
+        </p:txBody>
+      </p:sp>
+      <p:sp>
+        <p:nvSpPr>
+          <p:cNvPr id="3" name="Content Placeholder 2"/>
           <p:cNvSpPr>
             <a:spLocks noGrp="1"/>
           </p:cNvSpPr>
@@ -2209,39 +1945,39 @@
         </p:nvSpPr>
         <p:spPr>
           <a:xfrm>
-            <a:off x="5183188" y="987425"/>
-            <a:ext cx="6172200" cy="4873625"/>
+            <a:off x="6997304" y="1316567"/>
+            <a:ext cx="8332470" cy="6498167"/>
           </a:xfrm>
         </p:spPr>
         <p:txBody>
           <a:bodyPr/>
           <a:lstStyle>
             <a:lvl1pPr>
-              <a:defRPr sz="3200"/>
+              <a:defRPr sz="4267"/>
             </a:lvl1pPr>
             <a:lvl2pPr>
-              <a:defRPr sz="2800"/>
+              <a:defRPr sz="3733"/>
             </a:lvl2pPr>
             <a:lvl3pPr>
-              <a:defRPr sz="2400"/>
+              <a:defRPr sz="3200"/>
             </a:lvl3pPr>
             <a:lvl4pPr>
-              <a:defRPr sz="2000"/>
+              <a:defRPr sz="2667"/>
             </a:lvl4pPr>
             <a:lvl5pPr>
-              <a:defRPr sz="2000"/>
+              <a:defRPr sz="2667"/>
             </a:lvl5pPr>
             <a:lvl6pPr>
-              <a:defRPr sz="2000"/>
+              <a:defRPr sz="2667"/>
             </a:lvl6pPr>
             <a:lvl7pPr>
-              <a:defRPr sz="2000"/>
+              <a:defRPr sz="2667"/>
             </a:lvl7pPr>
             <a:lvl8pPr>
-              <a:defRPr sz="2000"/>
+              <a:defRPr sz="2667"/>
             </a:lvl8pPr>
             <a:lvl9pPr>
-              <a:defRPr sz="2000"/>
+              <a:defRPr sz="2667"/>
             </a:lvl9pPr>
           </a:lstStyle>
           <a:p>
@@ -2278,18 +2014,13 @@
               <a:rPr lang="en-US"/>
               <a:t>Fifth level</a:t>
             </a:r>
-          </a:p>
-        </p:txBody>
-      </p:sp>
-      <p:sp>
-        <p:nvSpPr>
-          <p:cNvPr id="4" name="Text Placeholder 3">
-            <a:extLst>
-              <a:ext uri="{FF2B5EF4-FFF2-40B4-BE49-F238E27FC236}">
-                <a16:creationId xmlns:a16="http://schemas.microsoft.com/office/drawing/2014/main" id="{0317BF5D-66A4-ABE8-AF75-E14306AB2EE9}"/>
-              </a:ext>
-            </a:extLst>
-          </p:cNvPr>
+            <a:endParaRPr lang="en-US" dirty="0"/>
+          </a:p>
+        </p:txBody>
+      </p:sp>
+      <p:sp>
+        <p:nvSpPr>
+          <p:cNvPr id="4" name="Text Placeholder 3"/>
           <p:cNvSpPr>
             <a:spLocks noGrp="1"/>
           </p:cNvSpPr>
@@ -2299,8 +2030,8 @@
         </p:nvSpPr>
         <p:spPr>
           <a:xfrm>
-            <a:off x="839788" y="2057400"/>
-            <a:ext cx="3932237" cy="3811588"/>
+            <a:off x="1133714" y="2743200"/>
+            <a:ext cx="5308520" cy="5082117"/>
           </a:xfrm>
         </p:spPr>
         <p:txBody>
@@ -2308,39 +2039,39 @@
           <a:lstStyle>
             <a:lvl1pPr marL="0" indent="0">
               <a:buNone/>
+              <a:defRPr sz="2133"/>
+            </a:lvl1pPr>
+            <a:lvl2pPr marL="609585" indent="0">
+              <a:buNone/>
+              <a:defRPr sz="1867"/>
+            </a:lvl2pPr>
+            <a:lvl3pPr marL="1219170" indent="0">
+              <a:buNone/>
               <a:defRPr sz="1600"/>
-            </a:lvl1pPr>
-            <a:lvl2pPr marL="457200" indent="0">
+            </a:lvl3pPr>
+            <a:lvl4pPr marL="1828754" indent="0">
               <a:buNone/>
-              <a:defRPr sz="1400"/>
-            </a:lvl2pPr>
-            <a:lvl3pPr marL="914400" indent="0">
+              <a:defRPr sz="1333"/>
+            </a:lvl4pPr>
+            <a:lvl5pPr marL="2438339" indent="0">
               <a:buNone/>
-              <a:defRPr sz="1200"/>
-            </a:lvl3pPr>
-            <a:lvl4pPr marL="1371600" indent="0">
+              <a:defRPr sz="1333"/>
+            </a:lvl5pPr>
+            <a:lvl6pPr marL="3047924" indent="0">
               <a:buNone/>
-              <a:defRPr sz="1000"/>
-            </a:lvl4pPr>
-            <a:lvl5pPr marL="1828800" indent="0">
+              <a:defRPr sz="1333"/>
+            </a:lvl6pPr>
+            <a:lvl7pPr marL="3657509" indent="0">
               <a:buNone/>
-              <a:defRPr sz="1000"/>
-            </a:lvl5pPr>
-            <a:lvl6pPr marL="2286000" indent="0">
+              <a:defRPr sz="1333"/>
+            </a:lvl7pPr>
+            <a:lvl8pPr marL="4267093" indent="0">
               <a:buNone/>
-              <a:defRPr sz="1000"/>
-            </a:lvl6pPr>
-            <a:lvl7pPr marL="2743200" indent="0">
+              <a:defRPr sz="1333"/>
+            </a:lvl8pPr>
+            <a:lvl9pPr marL="4876678" indent="0">
               <a:buNone/>
-              <a:defRPr sz="1000"/>
-            </a:lvl7pPr>
-            <a:lvl8pPr marL="3200400" indent="0">
-              <a:buNone/>
-              <a:defRPr sz="1000"/>
-            </a:lvl8pPr>
-            <a:lvl9pPr marL="3657600" indent="0">
-              <a:buNone/>
-              <a:defRPr sz="1000"/>
+              <a:defRPr sz="1333"/>
             </a:lvl9pPr>
           </a:lstStyle>
           <a:p>
@@ -2354,13 +2085,7 @@
       </p:sp>
       <p:sp>
         <p:nvSpPr>
-          <p:cNvPr id="5" name="Date Placeholder 4">
-            <a:extLst>
-              <a:ext uri="{FF2B5EF4-FFF2-40B4-BE49-F238E27FC236}">
-                <a16:creationId xmlns:a16="http://schemas.microsoft.com/office/drawing/2014/main" id="{AA5807E9-8124-704F-181F-E86F76A930D0}"/>
-              </a:ext>
-            </a:extLst>
-          </p:cNvPr>
+          <p:cNvPr id="5" name="Date Placeholder 4"/>
           <p:cNvSpPr>
             <a:spLocks noGrp="1"/>
           </p:cNvSpPr>
@@ -2375,7 +2100,7 @@
           <a:p>
             <a:fld id="{DF9F85F1-8CA6-D44C-86D8-D812A5DAD618}" type="datetimeFigureOut">
               <a:rPr lang="en-US" smtClean="0"/>
-              <a:t>1/8/25</a:t>
+              <a:t>1/21/25</a:t>
             </a:fld>
             <a:endParaRPr lang="en-US"/>
           </a:p>
@@ -2383,13 +2108,7 @@
       </p:sp>
       <p:sp>
         <p:nvSpPr>
-          <p:cNvPr id="6" name="Footer Placeholder 5">
-            <a:extLst>
-              <a:ext uri="{FF2B5EF4-FFF2-40B4-BE49-F238E27FC236}">
-                <a16:creationId xmlns:a16="http://schemas.microsoft.com/office/drawing/2014/main" id="{292E3061-585C-871F-6C0E-B43DE8F49EF7}"/>
-              </a:ext>
-            </a:extLst>
-          </p:cNvPr>
+          <p:cNvPr id="6" name="Footer Placeholder 5"/>
           <p:cNvSpPr>
             <a:spLocks noGrp="1"/>
           </p:cNvSpPr>
@@ -2408,13 +2127,7 @@
       </p:sp>
       <p:sp>
         <p:nvSpPr>
-          <p:cNvPr id="7" name="Slide Number Placeholder 6">
-            <a:extLst>
-              <a:ext uri="{FF2B5EF4-FFF2-40B4-BE49-F238E27FC236}">
-                <a16:creationId xmlns:a16="http://schemas.microsoft.com/office/drawing/2014/main" id="{BE6D445C-3FCD-2979-D41C-18E2A10AA73A}"/>
-              </a:ext>
-            </a:extLst>
-          </p:cNvPr>
+          <p:cNvPr id="7" name="Slide Number Placeholder 6"/>
           <p:cNvSpPr>
             <a:spLocks noGrp="1"/>
           </p:cNvSpPr>
@@ -2438,7 +2151,7 @@
     </p:spTree>
     <p:extLst>
       <p:ext uri="{BB962C8B-B14F-4D97-AF65-F5344CB8AC3E}">
-        <p14:creationId xmlns:p14="http://schemas.microsoft.com/office/powerpoint/2010/main" val="106322367"/>
+        <p14:creationId xmlns:p14="http://schemas.microsoft.com/office/powerpoint/2010/main" val="1940388412"/>
       </p:ext>
     </p:extLst>
   </p:cSld>
@@ -2467,13 +2180,7 @@
       </p:grpSpPr>
       <p:sp>
         <p:nvSpPr>
-          <p:cNvPr id="2" name="Title 1">
-            <a:extLst>
-              <a:ext uri="{FF2B5EF4-FFF2-40B4-BE49-F238E27FC236}">
-                <a16:creationId xmlns:a16="http://schemas.microsoft.com/office/drawing/2014/main" id="{B1742AD7-E2A1-0FDF-A57F-943B42853F96}"/>
-              </a:ext>
-            </a:extLst>
-          </p:cNvPr>
+          <p:cNvPr id="2" name="Title 1"/>
           <p:cNvSpPr>
             <a:spLocks noGrp="1"/>
           </p:cNvSpPr>
@@ -2483,15 +2190,15 @@
         </p:nvSpPr>
         <p:spPr>
           <a:xfrm>
-            <a:off x="839788" y="457200"/>
-            <a:ext cx="3932237" cy="1600200"/>
+            <a:off x="1133714" y="609600"/>
+            <a:ext cx="5308520" cy="2133600"/>
           </a:xfrm>
         </p:spPr>
         <p:txBody>
           <a:bodyPr anchor="b"/>
           <a:lstStyle>
             <a:lvl1pPr>
-              <a:defRPr sz="3200"/>
+              <a:defRPr sz="4267"/>
             </a:lvl1pPr>
           </a:lstStyle>
           <a:p>
@@ -2499,20 +2206,15 @@
               <a:rPr lang="en-US"/>
               <a:t>Click to edit Master title style</a:t>
             </a:r>
-          </a:p>
-        </p:txBody>
-      </p:sp>
-      <p:sp>
-        <p:nvSpPr>
-          <p:cNvPr id="3" name="Picture Placeholder 2">
-            <a:extLst>
-              <a:ext uri="{FF2B5EF4-FFF2-40B4-BE49-F238E27FC236}">
-                <a16:creationId xmlns:a16="http://schemas.microsoft.com/office/drawing/2014/main" id="{3F3EEB13-C5C9-913C-EFCB-ACE8CAC72C46}"/>
-              </a:ext>
-            </a:extLst>
-          </p:cNvPr>
+            <a:endParaRPr lang="en-US" dirty="0"/>
+          </a:p>
+        </p:txBody>
+      </p:sp>
+      <p:sp>
+        <p:nvSpPr>
+          <p:cNvPr id="3" name="Picture Placeholder 2"/>
           <p:cNvSpPr>
-            <a:spLocks noGrp="1"/>
+            <a:spLocks noGrp="1" noChangeAspect="1"/>
           </p:cNvSpPr>
           <p:nvPr>
             <p:ph type="pic" idx="1"/>
@@ -2520,64 +2222,62 @@
         </p:nvSpPr>
         <p:spPr>
           <a:xfrm>
-            <a:off x="5183188" y="987425"/>
-            <a:ext cx="6172200" cy="4873625"/>
-          </a:xfrm>
-        </p:spPr>
-        <p:txBody>
-          <a:bodyPr/>
+            <a:off x="6997304" y="1316567"/>
+            <a:ext cx="8332470" cy="6498167"/>
+          </a:xfrm>
+        </p:spPr>
+        <p:txBody>
+          <a:bodyPr anchor="t"/>
           <a:lstStyle>
             <a:lvl1pPr marL="0" indent="0">
               <a:buNone/>
+              <a:defRPr sz="4267"/>
+            </a:lvl1pPr>
+            <a:lvl2pPr marL="609585" indent="0">
+              <a:buNone/>
+              <a:defRPr sz="3733"/>
+            </a:lvl2pPr>
+            <a:lvl3pPr marL="1219170" indent="0">
+              <a:buNone/>
               <a:defRPr sz="3200"/>
-            </a:lvl1pPr>
-            <a:lvl2pPr marL="457200" indent="0">
+            </a:lvl3pPr>
+            <a:lvl4pPr marL="1828754" indent="0">
               <a:buNone/>
-              <a:defRPr sz="2800"/>
-            </a:lvl2pPr>
-            <a:lvl3pPr marL="914400" indent="0">
+              <a:defRPr sz="2667"/>
+            </a:lvl4pPr>
+            <a:lvl5pPr marL="2438339" indent="0">
               <a:buNone/>
-              <a:defRPr sz="2400"/>
-            </a:lvl3pPr>
-            <a:lvl4pPr marL="1371600" indent="0">
+              <a:defRPr sz="2667"/>
+            </a:lvl5pPr>
+            <a:lvl6pPr marL="3047924" indent="0">
               <a:buNone/>
-              <a:defRPr sz="2000"/>
-            </a:lvl4pPr>
-            <a:lvl5pPr marL="1828800" indent="0">
+              <a:defRPr sz="2667"/>
+            </a:lvl6pPr>
+            <a:lvl7pPr marL="3657509" indent="0">
               <a:buNone/>
-              <a:defRPr sz="2000"/>
-            </a:lvl5pPr>
-            <a:lvl6pPr marL="2286000" indent="0">
+              <a:defRPr sz="2667"/>
+            </a:lvl7pPr>
+            <a:lvl8pPr marL="4267093" indent="0">
               <a:buNone/>
-              <a:defRPr sz="2000"/>
-            </a:lvl6pPr>
-            <a:lvl7pPr marL="2743200" indent="0">
+              <a:defRPr sz="2667"/>
+            </a:lvl8pPr>
+            <a:lvl9pPr marL="4876678" indent="0">
               <a:buNone/>
-              <a:defRPr sz="2000"/>
-            </a:lvl7pPr>
-            <a:lvl8pPr marL="3200400" indent="0">
-              <a:buNone/>
-              <a:defRPr sz="2000"/>
-            </a:lvl8pPr>
-            <a:lvl9pPr marL="3657600" indent="0">
-              <a:buNone/>
-              <a:defRPr sz="2000"/>
+              <a:defRPr sz="2667"/>
             </a:lvl9pPr>
           </a:lstStyle>
           <a:p>
-            <a:endParaRPr lang="en-US"/>
-          </a:p>
-        </p:txBody>
-      </p:sp>
-      <p:sp>
-        <p:nvSpPr>
-          <p:cNvPr id="4" name="Text Placeholder 3">
-            <a:extLst>
-              <a:ext uri="{FF2B5EF4-FFF2-40B4-BE49-F238E27FC236}">
-                <a16:creationId xmlns:a16="http://schemas.microsoft.com/office/drawing/2014/main" id="{A315ED88-3136-2AC7-014B-F3E889963F51}"/>
-              </a:ext>
-            </a:extLst>
-          </p:cNvPr>
+            <a:r>
+              <a:rPr lang="en-US"/>
+              <a:t>Click icon to add picture</a:t>
+            </a:r>
+            <a:endParaRPr lang="en-US" dirty="0"/>
+          </a:p>
+        </p:txBody>
+      </p:sp>
+      <p:sp>
+        <p:nvSpPr>
+          <p:cNvPr id="4" name="Text Placeholder 3"/>
           <p:cNvSpPr>
             <a:spLocks noGrp="1"/>
           </p:cNvSpPr>
@@ -2587,8 +2287,8 @@
         </p:nvSpPr>
         <p:spPr>
           <a:xfrm>
-            <a:off x="839788" y="2057400"/>
-            <a:ext cx="3932237" cy="3811588"/>
+            <a:off x="1133714" y="2743200"/>
+            <a:ext cx="5308520" cy="5082117"/>
           </a:xfrm>
         </p:spPr>
         <p:txBody>
@@ -2596,39 +2296,39 @@
           <a:lstStyle>
             <a:lvl1pPr marL="0" indent="0">
               <a:buNone/>
+              <a:defRPr sz="2133"/>
+            </a:lvl1pPr>
+            <a:lvl2pPr marL="609585" indent="0">
+              <a:buNone/>
+              <a:defRPr sz="1867"/>
+            </a:lvl2pPr>
+            <a:lvl3pPr marL="1219170" indent="0">
+              <a:buNone/>
               <a:defRPr sz="1600"/>
-            </a:lvl1pPr>
-            <a:lvl2pPr marL="457200" indent="0">
+            </a:lvl3pPr>
+            <a:lvl4pPr marL="1828754" indent="0">
               <a:buNone/>
-              <a:defRPr sz="1400"/>
-            </a:lvl2pPr>
-            <a:lvl3pPr marL="914400" indent="0">
+              <a:defRPr sz="1333"/>
+            </a:lvl4pPr>
+            <a:lvl5pPr marL="2438339" indent="0">
               <a:buNone/>
-              <a:defRPr sz="1200"/>
-            </a:lvl3pPr>
-            <a:lvl4pPr marL="1371600" indent="0">
+              <a:defRPr sz="1333"/>
+            </a:lvl5pPr>
+            <a:lvl6pPr marL="3047924" indent="0">
               <a:buNone/>
-              <a:defRPr sz="1000"/>
-            </a:lvl4pPr>
-            <a:lvl5pPr marL="1828800" indent="0">
+              <a:defRPr sz="1333"/>
+            </a:lvl6pPr>
+            <a:lvl7pPr marL="3657509" indent="0">
               <a:buNone/>
-              <a:defRPr sz="1000"/>
-            </a:lvl5pPr>
-            <a:lvl6pPr marL="2286000" indent="0">
+              <a:defRPr sz="1333"/>
+            </a:lvl7pPr>
+            <a:lvl8pPr marL="4267093" indent="0">
               <a:buNone/>
-              <a:defRPr sz="1000"/>
-            </a:lvl6pPr>
-            <a:lvl7pPr marL="2743200" indent="0">
+              <a:defRPr sz="1333"/>
+            </a:lvl8pPr>
+            <a:lvl9pPr marL="4876678" indent="0">
               <a:buNone/>
-              <a:defRPr sz="1000"/>
-            </a:lvl7pPr>
-            <a:lvl8pPr marL="3200400" indent="0">
-              <a:buNone/>
-              <a:defRPr sz="1000"/>
-            </a:lvl8pPr>
-            <a:lvl9pPr marL="3657600" indent="0">
-              <a:buNone/>
-              <a:defRPr sz="1000"/>
+              <a:defRPr sz="1333"/>
             </a:lvl9pPr>
           </a:lstStyle>
           <a:p>
@@ -2642,13 +2342,7 @@
       </p:sp>
       <p:sp>
         <p:nvSpPr>
-          <p:cNvPr id="5" name="Date Placeholder 4">
-            <a:extLst>
-              <a:ext uri="{FF2B5EF4-FFF2-40B4-BE49-F238E27FC236}">
-                <a16:creationId xmlns:a16="http://schemas.microsoft.com/office/drawing/2014/main" id="{FDE04239-A6F9-8F71-BC78-B907EB98D665}"/>
-              </a:ext>
-            </a:extLst>
-          </p:cNvPr>
+          <p:cNvPr id="5" name="Date Placeholder 4"/>
           <p:cNvSpPr>
             <a:spLocks noGrp="1"/>
           </p:cNvSpPr>
@@ -2663,7 +2357,7 @@
           <a:p>
             <a:fld id="{DF9F85F1-8CA6-D44C-86D8-D812A5DAD618}" type="datetimeFigureOut">
               <a:rPr lang="en-US" smtClean="0"/>
-              <a:t>1/8/25</a:t>
+              <a:t>1/21/25</a:t>
             </a:fld>
             <a:endParaRPr lang="en-US"/>
           </a:p>
@@ -2671,13 +2365,7 @@
       </p:sp>
       <p:sp>
         <p:nvSpPr>
-          <p:cNvPr id="6" name="Footer Placeholder 5">
-            <a:extLst>
-              <a:ext uri="{FF2B5EF4-FFF2-40B4-BE49-F238E27FC236}">
-                <a16:creationId xmlns:a16="http://schemas.microsoft.com/office/drawing/2014/main" id="{CC632D2A-7D14-81F8-53D4-E3691C8B5C0B}"/>
-              </a:ext>
-            </a:extLst>
-          </p:cNvPr>
+          <p:cNvPr id="6" name="Footer Placeholder 5"/>
           <p:cNvSpPr>
             <a:spLocks noGrp="1"/>
           </p:cNvSpPr>
@@ -2696,13 +2384,7 @@
       </p:sp>
       <p:sp>
         <p:nvSpPr>
-          <p:cNvPr id="7" name="Slide Number Placeholder 6">
-            <a:extLst>
-              <a:ext uri="{FF2B5EF4-FFF2-40B4-BE49-F238E27FC236}">
-                <a16:creationId xmlns:a16="http://schemas.microsoft.com/office/drawing/2014/main" id="{014736E2-1237-C168-DCCC-A891AB40B07A}"/>
-              </a:ext>
-            </a:extLst>
-          </p:cNvPr>
+          <p:cNvPr id="7" name="Slide Number Placeholder 6"/>
           <p:cNvSpPr>
             <a:spLocks noGrp="1"/>
           </p:cNvSpPr>
@@ -2726,7 +2408,7 @@
     </p:spTree>
     <p:extLst>
       <p:ext uri="{BB962C8B-B14F-4D97-AF65-F5344CB8AC3E}">
-        <p14:creationId xmlns:p14="http://schemas.microsoft.com/office/powerpoint/2010/main" val="2175810078"/>
+        <p14:creationId xmlns:p14="http://schemas.microsoft.com/office/powerpoint/2010/main" val="3954147128"/>
       </p:ext>
     </p:extLst>
   </p:cSld>
@@ -2760,13 +2442,7 @@
       </p:grpSpPr>
       <p:sp>
         <p:nvSpPr>
-          <p:cNvPr id="2" name="Title Placeholder 1">
-            <a:extLst>
-              <a:ext uri="{FF2B5EF4-FFF2-40B4-BE49-F238E27FC236}">
-                <a16:creationId xmlns:a16="http://schemas.microsoft.com/office/drawing/2014/main" id="{39ECA11D-949C-3033-1B64-3DF796BA6671}"/>
-              </a:ext>
-            </a:extLst>
-          </p:cNvPr>
+          <p:cNvPr id="2" name="Title Placeholder 1"/>
           <p:cNvSpPr>
             <a:spLocks noGrp="1"/>
           </p:cNvSpPr>
@@ -2776,8 +2452,8 @@
         </p:nvSpPr>
         <p:spPr>
           <a:xfrm>
-            <a:off x="838200" y="365125"/>
-            <a:ext cx="10515600" cy="1325563"/>
+            <a:off x="1131570" y="486834"/>
+            <a:ext cx="14196060" cy="1767417"/>
           </a:xfrm>
           <a:prstGeom prst="rect">
             <a:avLst/>
@@ -2793,18 +2469,13 @@
               <a:rPr lang="en-US"/>
               <a:t>Click to edit Master title style</a:t>
             </a:r>
-          </a:p>
-        </p:txBody>
-      </p:sp>
-      <p:sp>
-        <p:nvSpPr>
-          <p:cNvPr id="3" name="Text Placeholder 2">
-            <a:extLst>
-              <a:ext uri="{FF2B5EF4-FFF2-40B4-BE49-F238E27FC236}">
-                <a16:creationId xmlns:a16="http://schemas.microsoft.com/office/drawing/2014/main" id="{99ADCCBB-8765-E32C-36DA-65DEB5A3E7DA}"/>
-              </a:ext>
-            </a:extLst>
-          </p:cNvPr>
+            <a:endParaRPr lang="en-US" dirty="0"/>
+          </a:p>
+        </p:txBody>
+      </p:sp>
+      <p:sp>
+        <p:nvSpPr>
+          <p:cNvPr id="3" name="Text Placeholder 2"/>
           <p:cNvSpPr>
             <a:spLocks noGrp="1"/>
           </p:cNvSpPr>
@@ -2814,8 +2485,8 @@
         </p:nvSpPr>
         <p:spPr>
           <a:xfrm>
-            <a:off x="838200" y="1825625"/>
-            <a:ext cx="10515600" cy="4351338"/>
+            <a:off x="1131570" y="2434167"/>
+            <a:ext cx="14196060" cy="5801784"/>
           </a:xfrm>
           <a:prstGeom prst="rect">
             <a:avLst/>
@@ -2860,18 +2531,13 @@
               <a:rPr lang="en-US"/>
               <a:t>Fifth level</a:t>
             </a:r>
-          </a:p>
-        </p:txBody>
-      </p:sp>
-      <p:sp>
-        <p:nvSpPr>
-          <p:cNvPr id="4" name="Date Placeholder 3">
-            <a:extLst>
-              <a:ext uri="{FF2B5EF4-FFF2-40B4-BE49-F238E27FC236}">
-                <a16:creationId xmlns:a16="http://schemas.microsoft.com/office/drawing/2014/main" id="{1CD92AA2-45DD-B8CB-BEEA-6E0AF2D77FD7}"/>
-              </a:ext>
-            </a:extLst>
-          </p:cNvPr>
+            <a:endParaRPr lang="en-US" dirty="0"/>
+          </a:p>
+        </p:txBody>
+      </p:sp>
+      <p:sp>
+        <p:nvSpPr>
+          <p:cNvPr id="4" name="Date Placeholder 3"/>
           <p:cNvSpPr>
             <a:spLocks noGrp="1"/>
           </p:cNvSpPr>
@@ -2881,8 +2547,8 @@
         </p:nvSpPr>
         <p:spPr>
           <a:xfrm>
-            <a:off x="838200" y="6356350"/>
-            <a:ext cx="2743200" cy="365125"/>
+            <a:off x="1131570" y="8475134"/>
+            <a:ext cx="3703320" cy="486833"/>
           </a:xfrm>
           <a:prstGeom prst="rect">
             <a:avLst/>
@@ -2892,7 +2558,7 @@
           <a:bodyPr vert="horz" lIns="91440" tIns="45720" rIns="91440" bIns="45720" rtlCol="0" anchor="ctr"/>
           <a:lstStyle>
             <a:lvl1pPr algn="l">
-              <a:defRPr sz="1200">
+              <a:defRPr sz="1600">
                 <a:solidFill>
                   <a:schemeClr val="tx1">
                     <a:tint val="82000"/>
@@ -2904,7 +2570,7 @@
           <a:p>
             <a:fld id="{DF9F85F1-8CA6-D44C-86D8-D812A5DAD618}" type="datetimeFigureOut">
               <a:rPr lang="en-US" smtClean="0"/>
-              <a:t>1/8/25</a:t>
+              <a:t>1/21/25</a:t>
             </a:fld>
             <a:endParaRPr lang="en-US"/>
           </a:p>
@@ -2912,13 +2578,7 @@
       </p:sp>
       <p:sp>
         <p:nvSpPr>
-          <p:cNvPr id="5" name="Footer Placeholder 4">
-            <a:extLst>
-              <a:ext uri="{FF2B5EF4-FFF2-40B4-BE49-F238E27FC236}">
-                <a16:creationId xmlns:a16="http://schemas.microsoft.com/office/drawing/2014/main" id="{080AECA2-E68F-443F-80F6-532AE0CAF84F}"/>
-              </a:ext>
-            </a:extLst>
-          </p:cNvPr>
+          <p:cNvPr id="5" name="Footer Placeholder 4"/>
           <p:cNvSpPr>
             <a:spLocks noGrp="1"/>
           </p:cNvSpPr>
@@ -2928,8 +2588,8 @@
         </p:nvSpPr>
         <p:spPr>
           <a:xfrm>
-            <a:off x="4038600" y="6356350"/>
-            <a:ext cx="4114800" cy="365125"/>
+            <a:off x="5452110" y="8475134"/>
+            <a:ext cx="5554980" cy="486833"/>
           </a:xfrm>
           <a:prstGeom prst="rect">
             <a:avLst/>
@@ -2939,7 +2599,7 @@
           <a:bodyPr vert="horz" lIns="91440" tIns="45720" rIns="91440" bIns="45720" rtlCol="0" anchor="ctr"/>
           <a:lstStyle>
             <a:lvl1pPr algn="ctr">
-              <a:defRPr sz="1200">
+              <a:defRPr sz="1600">
                 <a:solidFill>
                   <a:schemeClr val="tx1">
                     <a:tint val="82000"/>
@@ -2955,13 +2615,7 @@
       </p:sp>
       <p:sp>
         <p:nvSpPr>
-          <p:cNvPr id="6" name="Slide Number Placeholder 5">
-            <a:extLst>
-              <a:ext uri="{FF2B5EF4-FFF2-40B4-BE49-F238E27FC236}">
-                <a16:creationId xmlns:a16="http://schemas.microsoft.com/office/drawing/2014/main" id="{1489A42E-8276-9977-08AD-DECD201E89A8}"/>
-              </a:ext>
-            </a:extLst>
-          </p:cNvPr>
+          <p:cNvPr id="6" name="Slide Number Placeholder 5"/>
           <p:cNvSpPr>
             <a:spLocks noGrp="1"/>
           </p:cNvSpPr>
@@ -2971,8 +2625,8 @@
         </p:nvSpPr>
         <p:spPr>
           <a:xfrm>
-            <a:off x="8610600" y="6356350"/>
-            <a:ext cx="2743200" cy="365125"/>
+            <a:off x="11624310" y="8475134"/>
+            <a:ext cx="3703320" cy="486833"/>
           </a:xfrm>
           <a:prstGeom prst="rect">
             <a:avLst/>
@@ -2982,7 +2636,7 @@
           <a:bodyPr vert="horz" lIns="91440" tIns="45720" rIns="91440" bIns="45720" rtlCol="0" anchor="ctr"/>
           <a:lstStyle>
             <a:lvl1pPr algn="r">
-              <a:defRPr sz="1200">
+              <a:defRPr sz="1600">
                 <a:solidFill>
                   <a:schemeClr val="tx1">
                     <a:tint val="82000"/>
@@ -3003,27 +2657,27 @@
     </p:spTree>
     <p:extLst>
       <p:ext uri="{BB962C8B-B14F-4D97-AF65-F5344CB8AC3E}">
-        <p14:creationId xmlns:p14="http://schemas.microsoft.com/office/powerpoint/2010/main" val="1275141415"/>
+        <p14:creationId xmlns:p14="http://schemas.microsoft.com/office/powerpoint/2010/main" val="896478861"/>
       </p:ext>
     </p:extLst>
   </p:cSld>
   <p:clrMap bg1="lt1" tx1="dk1" bg2="lt2" tx2="dk2" accent1="accent1" accent2="accent2" accent3="accent3" accent4="accent4" accent5="accent5" accent6="accent6" hlink="hlink" folHlink="folHlink"/>
   <p:sldLayoutIdLst>
-    <p:sldLayoutId id="2147483649" r:id="rId1"/>
-    <p:sldLayoutId id="2147483650" r:id="rId2"/>
-    <p:sldLayoutId id="2147483651" r:id="rId3"/>
-    <p:sldLayoutId id="2147483652" r:id="rId4"/>
-    <p:sldLayoutId id="2147483653" r:id="rId5"/>
-    <p:sldLayoutId id="2147483654" r:id="rId6"/>
-    <p:sldLayoutId id="2147483655" r:id="rId7"/>
-    <p:sldLayoutId id="2147483656" r:id="rId8"/>
-    <p:sldLayoutId id="2147483657" r:id="rId9"/>
-    <p:sldLayoutId id="2147483658" r:id="rId10"/>
-    <p:sldLayoutId id="2147483659" r:id="rId11"/>
+    <p:sldLayoutId id="2147483661" r:id="rId1"/>
+    <p:sldLayoutId id="2147483662" r:id="rId2"/>
+    <p:sldLayoutId id="2147483663" r:id="rId3"/>
+    <p:sldLayoutId id="2147483664" r:id="rId4"/>
+    <p:sldLayoutId id="2147483665" r:id="rId5"/>
+    <p:sldLayoutId id="2147483666" r:id="rId6"/>
+    <p:sldLayoutId id="2147483667" r:id="rId7"/>
+    <p:sldLayoutId id="2147483668" r:id="rId8"/>
+    <p:sldLayoutId id="2147483669" r:id="rId9"/>
+    <p:sldLayoutId id="2147483670" r:id="rId10"/>
+    <p:sldLayoutId id="2147483671" r:id="rId11"/>
   </p:sldLayoutIdLst>
   <p:txStyles>
     <p:titleStyle>
-      <a:lvl1pPr algn="l" defTabSz="914400" rtl="0" eaLnBrk="1" latinLnBrk="0" hangingPunct="1">
+      <a:lvl1pPr algn="l" defTabSz="1219170" rtl="0" eaLnBrk="1" latinLnBrk="0" hangingPunct="1">
         <a:lnSpc>
           <a:spcPct val="90000"/>
         </a:lnSpc>
@@ -3031,7 +2685,7 @@
           <a:spcPct val="0"/>
         </a:spcBef>
         <a:buNone/>
-        <a:defRPr sz="4400" kern="1200">
+        <a:defRPr sz="5867" kern="1200">
           <a:solidFill>
             <a:schemeClr val="tx1"/>
           </a:solidFill>
@@ -3042,16 +2696,16 @@
       </a:lvl1pPr>
     </p:titleStyle>
     <p:bodyStyle>
-      <a:lvl1pPr marL="228600" indent="-228600" algn="l" defTabSz="914400" rtl="0" eaLnBrk="1" latinLnBrk="0" hangingPunct="1">
+      <a:lvl1pPr marL="304792" indent="-304792" algn="l" defTabSz="1219170" rtl="0" eaLnBrk="1" latinLnBrk="0" hangingPunct="1">
         <a:lnSpc>
           <a:spcPct val="90000"/>
         </a:lnSpc>
         <a:spcBef>
-          <a:spcPts val="1000"/>
+          <a:spcPts val="1333"/>
         </a:spcBef>
         <a:buFont typeface="Arial" panose="020B0604020202020204" pitchFamily="34" charset="0"/>
         <a:buChar char="•"/>
-        <a:defRPr sz="2800" kern="1200">
+        <a:defRPr sz="3733" kern="1200">
           <a:solidFill>
             <a:schemeClr val="tx1"/>
           </a:solidFill>
@@ -3060,12 +2714,48 @@
           <a:cs typeface="+mn-cs"/>
         </a:defRPr>
       </a:lvl1pPr>
-      <a:lvl2pPr marL="685800" indent="-228600" algn="l" defTabSz="914400" rtl="0" eaLnBrk="1" latinLnBrk="0" hangingPunct="1">
+      <a:lvl2pPr marL="914377" indent="-304792" algn="l" defTabSz="1219170" rtl="0" eaLnBrk="1" latinLnBrk="0" hangingPunct="1">
         <a:lnSpc>
           <a:spcPct val="90000"/>
         </a:lnSpc>
         <a:spcBef>
-          <a:spcPts val="500"/>
+          <a:spcPts val="667"/>
+        </a:spcBef>
+        <a:buFont typeface="Arial" panose="020B0604020202020204" pitchFamily="34" charset="0"/>
+        <a:buChar char="•"/>
+        <a:defRPr sz="3200" kern="1200">
+          <a:solidFill>
+            <a:schemeClr val="tx1"/>
+          </a:solidFill>
+          <a:latin typeface="+mn-lt"/>
+          <a:ea typeface="+mn-ea"/>
+          <a:cs typeface="+mn-cs"/>
+        </a:defRPr>
+      </a:lvl2pPr>
+      <a:lvl3pPr marL="1523962" indent="-304792" algn="l" defTabSz="1219170" rtl="0" eaLnBrk="1" latinLnBrk="0" hangingPunct="1">
+        <a:lnSpc>
+          <a:spcPct val="90000"/>
+        </a:lnSpc>
+        <a:spcBef>
+          <a:spcPts val="667"/>
+        </a:spcBef>
+        <a:buFont typeface="Arial" panose="020B0604020202020204" pitchFamily="34" charset="0"/>
+        <a:buChar char="•"/>
+        <a:defRPr sz="2667" kern="1200">
+          <a:solidFill>
+            <a:schemeClr val="tx1"/>
+          </a:solidFill>
+          <a:latin typeface="+mn-lt"/>
+          <a:ea typeface="+mn-ea"/>
+          <a:cs typeface="+mn-cs"/>
+        </a:defRPr>
+      </a:lvl3pPr>
+      <a:lvl4pPr marL="2133547" indent="-304792" algn="l" defTabSz="1219170" rtl="0" eaLnBrk="1" latinLnBrk="0" hangingPunct="1">
+        <a:lnSpc>
+          <a:spcPct val="90000"/>
+        </a:lnSpc>
+        <a:spcBef>
+          <a:spcPts val="667"/>
         </a:spcBef>
         <a:buFont typeface="Arial" panose="020B0604020202020204" pitchFamily="34" charset="0"/>
         <a:buChar char="•"/>
@@ -3077,53 +2767,17 @@
           <a:ea typeface="+mn-ea"/>
           <a:cs typeface="+mn-cs"/>
         </a:defRPr>
-      </a:lvl2pPr>
-      <a:lvl3pPr marL="1143000" indent="-228600" algn="l" defTabSz="914400" rtl="0" eaLnBrk="1" latinLnBrk="0" hangingPunct="1">
+      </a:lvl4pPr>
+      <a:lvl5pPr marL="2743131" indent="-304792" algn="l" defTabSz="1219170" rtl="0" eaLnBrk="1" latinLnBrk="0" hangingPunct="1">
         <a:lnSpc>
           <a:spcPct val="90000"/>
         </a:lnSpc>
         <a:spcBef>
-          <a:spcPts val="500"/>
+          <a:spcPts val="667"/>
         </a:spcBef>
         <a:buFont typeface="Arial" panose="020B0604020202020204" pitchFamily="34" charset="0"/>
         <a:buChar char="•"/>
-        <a:defRPr sz="2000" kern="1200">
-          <a:solidFill>
-            <a:schemeClr val="tx1"/>
-          </a:solidFill>
-          <a:latin typeface="+mn-lt"/>
-          <a:ea typeface="+mn-ea"/>
-          <a:cs typeface="+mn-cs"/>
-        </a:defRPr>
-      </a:lvl3pPr>
-      <a:lvl4pPr marL="1600200" indent="-228600" algn="l" defTabSz="914400" rtl="0" eaLnBrk="1" latinLnBrk="0" hangingPunct="1">
-        <a:lnSpc>
-          <a:spcPct val="90000"/>
-        </a:lnSpc>
-        <a:spcBef>
-          <a:spcPts val="500"/>
-        </a:spcBef>
-        <a:buFont typeface="Arial" panose="020B0604020202020204" pitchFamily="34" charset="0"/>
-        <a:buChar char="•"/>
-        <a:defRPr sz="1800" kern="1200">
-          <a:solidFill>
-            <a:schemeClr val="tx1"/>
-          </a:solidFill>
-          <a:latin typeface="+mn-lt"/>
-          <a:ea typeface="+mn-ea"/>
-          <a:cs typeface="+mn-cs"/>
-        </a:defRPr>
-      </a:lvl4pPr>
-      <a:lvl5pPr marL="2057400" indent="-228600" algn="l" defTabSz="914400" rtl="0" eaLnBrk="1" latinLnBrk="0" hangingPunct="1">
-        <a:lnSpc>
-          <a:spcPct val="90000"/>
-        </a:lnSpc>
-        <a:spcBef>
-          <a:spcPts val="500"/>
-        </a:spcBef>
-        <a:buFont typeface="Arial" panose="020B0604020202020204" pitchFamily="34" charset="0"/>
-        <a:buChar char="•"/>
-        <a:defRPr sz="1800" kern="1200">
+        <a:defRPr sz="2400" kern="1200">
           <a:solidFill>
             <a:schemeClr val="tx1"/>
           </a:solidFill>
@@ -3132,16 +2786,16 @@
           <a:cs typeface="+mn-cs"/>
         </a:defRPr>
       </a:lvl5pPr>
-      <a:lvl6pPr marL="2514600" indent="-228600" algn="l" defTabSz="914400" rtl="0" eaLnBrk="1" latinLnBrk="0" hangingPunct="1">
+      <a:lvl6pPr marL="3352716" indent="-304792" algn="l" defTabSz="1219170" rtl="0" eaLnBrk="1" latinLnBrk="0" hangingPunct="1">
         <a:lnSpc>
           <a:spcPct val="90000"/>
         </a:lnSpc>
         <a:spcBef>
-          <a:spcPts val="500"/>
+          <a:spcPts val="667"/>
         </a:spcBef>
         <a:buFont typeface="Arial" panose="020B0604020202020204" pitchFamily="34" charset="0"/>
         <a:buChar char="•"/>
-        <a:defRPr sz="1800" kern="1200">
+        <a:defRPr sz="2400" kern="1200">
           <a:solidFill>
             <a:schemeClr val="tx1"/>
           </a:solidFill>
@@ -3150,16 +2804,16 @@
           <a:cs typeface="+mn-cs"/>
         </a:defRPr>
       </a:lvl6pPr>
-      <a:lvl7pPr marL="2971800" indent="-228600" algn="l" defTabSz="914400" rtl="0" eaLnBrk="1" latinLnBrk="0" hangingPunct="1">
+      <a:lvl7pPr marL="3962301" indent="-304792" algn="l" defTabSz="1219170" rtl="0" eaLnBrk="1" latinLnBrk="0" hangingPunct="1">
         <a:lnSpc>
           <a:spcPct val="90000"/>
         </a:lnSpc>
         <a:spcBef>
-          <a:spcPts val="500"/>
+          <a:spcPts val="667"/>
         </a:spcBef>
         <a:buFont typeface="Arial" panose="020B0604020202020204" pitchFamily="34" charset="0"/>
         <a:buChar char="•"/>
-        <a:defRPr sz="1800" kern="1200">
+        <a:defRPr sz="2400" kern="1200">
           <a:solidFill>
             <a:schemeClr val="tx1"/>
           </a:solidFill>
@@ -3168,16 +2822,16 @@
           <a:cs typeface="+mn-cs"/>
         </a:defRPr>
       </a:lvl7pPr>
-      <a:lvl8pPr marL="3429000" indent="-228600" algn="l" defTabSz="914400" rtl="0" eaLnBrk="1" latinLnBrk="0" hangingPunct="1">
+      <a:lvl8pPr marL="4571886" indent="-304792" algn="l" defTabSz="1219170" rtl="0" eaLnBrk="1" latinLnBrk="0" hangingPunct="1">
         <a:lnSpc>
           <a:spcPct val="90000"/>
         </a:lnSpc>
         <a:spcBef>
-          <a:spcPts val="500"/>
+          <a:spcPts val="667"/>
         </a:spcBef>
         <a:buFont typeface="Arial" panose="020B0604020202020204" pitchFamily="34" charset="0"/>
         <a:buChar char="•"/>
-        <a:defRPr sz="1800" kern="1200">
+        <a:defRPr sz="2400" kern="1200">
           <a:solidFill>
             <a:schemeClr val="tx1"/>
           </a:solidFill>
@@ -3186,16 +2840,16 @@
           <a:cs typeface="+mn-cs"/>
         </a:defRPr>
       </a:lvl8pPr>
-      <a:lvl9pPr marL="3886200" indent="-228600" algn="l" defTabSz="914400" rtl="0" eaLnBrk="1" latinLnBrk="0" hangingPunct="1">
+      <a:lvl9pPr marL="5181470" indent="-304792" algn="l" defTabSz="1219170" rtl="0" eaLnBrk="1" latinLnBrk="0" hangingPunct="1">
         <a:lnSpc>
           <a:spcPct val="90000"/>
         </a:lnSpc>
         <a:spcBef>
-          <a:spcPts val="500"/>
+          <a:spcPts val="667"/>
         </a:spcBef>
         <a:buFont typeface="Arial" panose="020B0604020202020204" pitchFamily="34" charset="0"/>
         <a:buChar char="•"/>
-        <a:defRPr sz="1800" kern="1200">
+        <a:defRPr sz="2400" kern="1200">
           <a:solidFill>
             <a:schemeClr val="tx1"/>
           </a:solidFill>
@@ -3209,8 +2863,8 @@
       <a:defPPr>
         <a:defRPr lang="en-US"/>
       </a:defPPr>
-      <a:lvl1pPr marL="0" algn="l" defTabSz="914400" rtl="0" eaLnBrk="1" latinLnBrk="0" hangingPunct="1">
-        <a:defRPr sz="1800" kern="1200">
+      <a:lvl1pPr marL="0" algn="l" defTabSz="1219170" rtl="0" eaLnBrk="1" latinLnBrk="0" hangingPunct="1">
+        <a:defRPr sz="2400" kern="1200">
           <a:solidFill>
             <a:schemeClr val="tx1"/>
           </a:solidFill>
@@ -3219,8 +2873,8 @@
           <a:cs typeface="+mn-cs"/>
         </a:defRPr>
       </a:lvl1pPr>
-      <a:lvl2pPr marL="457200" algn="l" defTabSz="914400" rtl="0" eaLnBrk="1" latinLnBrk="0" hangingPunct="1">
-        <a:defRPr sz="1800" kern="1200">
+      <a:lvl2pPr marL="609585" algn="l" defTabSz="1219170" rtl="0" eaLnBrk="1" latinLnBrk="0" hangingPunct="1">
+        <a:defRPr sz="2400" kern="1200">
           <a:solidFill>
             <a:schemeClr val="tx1"/>
           </a:solidFill>
@@ -3229,8 +2883,8 @@
           <a:cs typeface="+mn-cs"/>
         </a:defRPr>
       </a:lvl2pPr>
-      <a:lvl3pPr marL="914400" algn="l" defTabSz="914400" rtl="0" eaLnBrk="1" latinLnBrk="0" hangingPunct="1">
-        <a:defRPr sz="1800" kern="1200">
+      <a:lvl3pPr marL="1219170" algn="l" defTabSz="1219170" rtl="0" eaLnBrk="1" latinLnBrk="0" hangingPunct="1">
+        <a:defRPr sz="2400" kern="1200">
           <a:solidFill>
             <a:schemeClr val="tx1"/>
           </a:solidFill>
@@ -3239,8 +2893,8 @@
           <a:cs typeface="+mn-cs"/>
         </a:defRPr>
       </a:lvl3pPr>
-      <a:lvl4pPr marL="1371600" algn="l" defTabSz="914400" rtl="0" eaLnBrk="1" latinLnBrk="0" hangingPunct="1">
-        <a:defRPr sz="1800" kern="1200">
+      <a:lvl4pPr marL="1828754" algn="l" defTabSz="1219170" rtl="0" eaLnBrk="1" latinLnBrk="0" hangingPunct="1">
+        <a:defRPr sz="2400" kern="1200">
           <a:solidFill>
             <a:schemeClr val="tx1"/>
           </a:solidFill>
@@ -3249,8 +2903,8 @@
           <a:cs typeface="+mn-cs"/>
         </a:defRPr>
       </a:lvl4pPr>
-      <a:lvl5pPr marL="1828800" algn="l" defTabSz="914400" rtl="0" eaLnBrk="1" latinLnBrk="0" hangingPunct="1">
-        <a:defRPr sz="1800" kern="1200">
+      <a:lvl5pPr marL="2438339" algn="l" defTabSz="1219170" rtl="0" eaLnBrk="1" latinLnBrk="0" hangingPunct="1">
+        <a:defRPr sz="2400" kern="1200">
           <a:solidFill>
             <a:schemeClr val="tx1"/>
           </a:solidFill>
@@ -3259,8 +2913,8 @@
           <a:cs typeface="+mn-cs"/>
         </a:defRPr>
       </a:lvl5pPr>
-      <a:lvl6pPr marL="2286000" algn="l" defTabSz="914400" rtl="0" eaLnBrk="1" latinLnBrk="0" hangingPunct="1">
-        <a:defRPr sz="1800" kern="1200">
+      <a:lvl6pPr marL="3047924" algn="l" defTabSz="1219170" rtl="0" eaLnBrk="1" latinLnBrk="0" hangingPunct="1">
+        <a:defRPr sz="2400" kern="1200">
           <a:solidFill>
             <a:schemeClr val="tx1"/>
           </a:solidFill>
@@ -3269,8 +2923,8 @@
           <a:cs typeface="+mn-cs"/>
         </a:defRPr>
       </a:lvl6pPr>
-      <a:lvl7pPr marL="2743200" algn="l" defTabSz="914400" rtl="0" eaLnBrk="1" latinLnBrk="0" hangingPunct="1">
-        <a:defRPr sz="1800" kern="1200">
+      <a:lvl7pPr marL="3657509" algn="l" defTabSz="1219170" rtl="0" eaLnBrk="1" latinLnBrk="0" hangingPunct="1">
+        <a:defRPr sz="2400" kern="1200">
           <a:solidFill>
             <a:schemeClr val="tx1"/>
           </a:solidFill>
@@ -3279,8 +2933,8 @@
           <a:cs typeface="+mn-cs"/>
         </a:defRPr>
       </a:lvl7pPr>
-      <a:lvl8pPr marL="3200400" algn="l" defTabSz="914400" rtl="0" eaLnBrk="1" latinLnBrk="0" hangingPunct="1">
-        <a:defRPr sz="1800" kern="1200">
+      <a:lvl8pPr marL="4267093" algn="l" defTabSz="1219170" rtl="0" eaLnBrk="1" latinLnBrk="0" hangingPunct="1">
+        <a:defRPr sz="2400" kern="1200">
           <a:solidFill>
             <a:schemeClr val="tx1"/>
           </a:solidFill>
@@ -3289,8 +2943,8 @@
           <a:cs typeface="+mn-cs"/>
         </a:defRPr>
       </a:lvl8pPr>
-      <a:lvl9pPr marL="3657600" algn="l" defTabSz="914400" rtl="0" eaLnBrk="1" latinLnBrk="0" hangingPunct="1">
-        <a:defRPr sz="1800" kern="1200">
+      <a:lvl9pPr marL="4876678" algn="l" defTabSz="1219170" rtl="0" eaLnBrk="1" latinLnBrk="0" hangingPunct="1">
+        <a:defRPr sz="2400" kern="1200">
           <a:solidFill>
             <a:schemeClr val="tx1"/>
           </a:solidFill>
@@ -3335,7 +2989,7 @@
         </p:nvSpPr>
         <p:spPr>
           <a:xfrm>
-            <a:off x="8878281" y="484755"/>
+            <a:off x="11011882" y="1627755"/>
             <a:ext cx="2445149" cy="1353338"/>
           </a:xfrm>
           <a:prstGeom prst="rect">
@@ -3387,7 +3041,7 @@
         </p:nvSpPr>
         <p:spPr>
           <a:xfrm>
-            <a:off x="2937898" y="484754"/>
+            <a:off x="5071499" y="1627755"/>
             <a:ext cx="5940383" cy="3851207"/>
           </a:xfrm>
           <a:prstGeom prst="rect">
@@ -3439,7 +3093,7 @@
         </p:nvSpPr>
         <p:spPr>
           <a:xfrm>
-            <a:off x="233825" y="4449213"/>
+            <a:off x="2367425" y="5592214"/>
             <a:ext cx="4360830" cy="2040885"/>
           </a:xfrm>
           <a:prstGeom prst="rect">
@@ -3491,8 +3145,8 @@
         </p:nvSpPr>
         <p:spPr>
           <a:xfrm>
-            <a:off x="386339" y="2862690"/>
-            <a:ext cx="1637709" cy="369332"/>
+            <a:off x="2519940" y="4005690"/>
+            <a:ext cx="1637709" cy="836896"/>
           </a:xfrm>
           <a:prstGeom prst="rect">
             <a:avLst/>
@@ -3534,8 +3188,8 @@
         </p:nvCxnSpPr>
         <p:spPr>
           <a:xfrm flipV="1">
-            <a:off x="2024048" y="2519649"/>
-            <a:ext cx="3069964" cy="527707"/>
+            <a:off x="4157648" y="3662650"/>
+            <a:ext cx="3069964" cy="761489"/>
           </a:xfrm>
           <a:prstGeom prst="straightConnector1">
             <a:avLst/>
@@ -3573,7 +3227,7 @@
         </p:nvSpPr>
         <p:spPr>
           <a:xfrm>
-            <a:off x="4910193" y="1929343"/>
+            <a:off x="7043794" y="3072344"/>
             <a:ext cx="2554015" cy="954107"/>
           </a:xfrm>
           <a:prstGeom prst="rect">
@@ -3650,7 +3304,7 @@
         </p:nvSpPr>
         <p:spPr>
           <a:xfrm>
-            <a:off x="5306379" y="3457365"/>
+            <a:off x="7439979" y="4600365"/>
             <a:ext cx="1975944" cy="738664"/>
           </a:xfrm>
           <a:prstGeom prst="rect">
@@ -3697,7 +3351,7 @@
         </p:nvCxnSpPr>
         <p:spPr>
           <a:xfrm>
-            <a:off x="6204297" y="2883450"/>
+            <a:off x="8337897" y="4026451"/>
             <a:ext cx="0" cy="573915"/>
           </a:xfrm>
           <a:prstGeom prst="straightConnector1">
@@ -3737,8 +3391,8 @@
         </p:nvSpPr>
         <p:spPr>
           <a:xfrm>
-            <a:off x="371526" y="2194986"/>
-            <a:ext cx="1881346" cy="369332"/>
+            <a:off x="2505126" y="3337986"/>
+            <a:ext cx="1881346" cy="836896"/>
           </a:xfrm>
           <a:prstGeom prst="rect">
             <a:avLst/>
@@ -3780,9 +3434,9 @@
           <p:nvPr/>
         </p:nvCxnSpPr>
         <p:spPr>
-          <a:xfrm>
-            <a:off x="2252872" y="2379652"/>
-            <a:ext cx="2657321" cy="26745"/>
+          <a:xfrm flipV="1">
+            <a:off x="4386473" y="3549398"/>
+            <a:ext cx="2657321" cy="207037"/>
           </a:xfrm>
           <a:prstGeom prst="straightConnector1">
             <a:avLst/>
@@ -3820,8 +3474,8 @@
         </p:nvSpPr>
         <p:spPr>
           <a:xfrm>
-            <a:off x="3116048" y="709097"/>
-            <a:ext cx="1804655" cy="646331"/>
+            <a:off x="5249649" y="1852098"/>
+            <a:ext cx="1804655" cy="1209177"/>
           </a:xfrm>
           <a:prstGeom prst="rect">
             <a:avLst/>
@@ -3894,8 +3548,8 @@
         </p:nvCxnSpPr>
         <p:spPr>
           <a:xfrm>
-            <a:off x="4018376" y="1355428"/>
-            <a:ext cx="902327" cy="573915"/>
+            <a:off x="6151977" y="3061275"/>
+            <a:ext cx="902327" cy="11069"/>
           </a:xfrm>
           <a:prstGeom prst="straightConnector1">
             <a:avLst/>
@@ -3937,8 +3591,8 @@
         </p:nvCxnSpPr>
         <p:spPr>
           <a:xfrm>
-            <a:off x="7502554" y="2353060"/>
-            <a:ext cx="1900594" cy="0"/>
+            <a:off x="9636154" y="3496061"/>
+            <a:ext cx="1900594" cy="281423"/>
           </a:xfrm>
           <a:prstGeom prst="straightConnector1">
             <a:avLst/>
@@ -3976,8 +3630,8 @@
         </p:nvSpPr>
         <p:spPr>
           <a:xfrm>
-            <a:off x="9403148" y="2029894"/>
-            <a:ext cx="1670525" cy="646331"/>
+            <a:off x="11536749" y="3172895"/>
+            <a:ext cx="1670525" cy="1209177"/>
           </a:xfrm>
           <a:prstGeom prst="rect">
             <a:avLst/>
@@ -4022,8 +3676,8 @@
         </p:nvSpPr>
         <p:spPr>
           <a:xfrm>
-            <a:off x="312199" y="5783659"/>
-            <a:ext cx="1785990" cy="646331"/>
+            <a:off x="2445799" y="6926660"/>
+            <a:ext cx="1785990" cy="1209177"/>
           </a:xfrm>
           <a:prstGeom prst="rect">
             <a:avLst/>
@@ -4073,8 +3727,8 @@
         </p:nvSpPr>
         <p:spPr>
           <a:xfrm>
-            <a:off x="2741487" y="4865037"/>
-            <a:ext cx="1489344" cy="646331"/>
+            <a:off x="4875087" y="6008038"/>
+            <a:ext cx="1489344" cy="1209177"/>
           </a:xfrm>
           <a:prstGeom prst="rect">
             <a:avLst/>
@@ -4119,8 +3773,8 @@
         </p:nvCxnSpPr>
         <p:spPr>
           <a:xfrm>
-            <a:off x="1205194" y="3232022"/>
-            <a:ext cx="0" cy="1618601"/>
+            <a:off x="3338794" y="4842587"/>
+            <a:ext cx="0" cy="1151037"/>
           </a:xfrm>
           <a:prstGeom prst="straightConnector1">
             <a:avLst/>
@@ -4162,8 +3816,8 @@
         </p:nvCxnSpPr>
         <p:spPr>
           <a:xfrm flipV="1">
-            <a:off x="2098189" y="6106824"/>
-            <a:ext cx="346652" cy="1"/>
+            <a:off x="4231789" y="7483606"/>
+            <a:ext cx="346652" cy="47642"/>
           </a:xfrm>
           <a:prstGeom prst="straightConnector1">
             <a:avLst/>
@@ -4204,7 +3858,7 @@
         </p:nvCxnSpPr>
         <p:spPr>
           <a:xfrm flipV="1">
-            <a:off x="3486159" y="2883450"/>
+            <a:off x="5619759" y="4026451"/>
             <a:ext cx="1424034" cy="1981587"/>
           </a:xfrm>
           <a:prstGeom prst="straightConnector1">
@@ -4243,8 +3897,8 @@
         </p:nvSpPr>
         <p:spPr>
           <a:xfrm>
-            <a:off x="9558355" y="3327731"/>
-            <a:ext cx="1360110" cy="369332"/>
+            <a:off x="11691955" y="4470731"/>
+            <a:ext cx="1360110" cy="464614"/>
           </a:xfrm>
           <a:prstGeom prst="rect">
             <a:avLst/>
@@ -4288,8 +3942,8 @@
         </p:nvCxnSpPr>
         <p:spPr>
           <a:xfrm flipH="1">
-            <a:off x="10238410" y="2676225"/>
-            <a:ext cx="1" cy="651506"/>
+            <a:off x="12372011" y="4382071"/>
+            <a:ext cx="1" cy="88660"/>
           </a:xfrm>
           <a:prstGeom prst="straightConnector1">
             <a:avLst/>
@@ -4327,8 +3981,8 @@
         </p:nvSpPr>
         <p:spPr>
           <a:xfrm>
-            <a:off x="2444841" y="5922158"/>
-            <a:ext cx="1785990" cy="369332"/>
+            <a:off x="4578441" y="7065158"/>
+            <a:ext cx="1785990" cy="836896"/>
           </a:xfrm>
           <a:prstGeom prst="rect">
             <a:avLst/>
@@ -4372,9 +4026,9 @@
           <p:nvPr/>
         </p:nvCxnSpPr>
         <p:spPr>
-          <a:xfrm flipV="1">
-            <a:off x="3337836" y="5511368"/>
-            <a:ext cx="148323" cy="410790"/>
+          <a:xfrm>
+            <a:off x="5471437" y="7065158"/>
+            <a:ext cx="148323" cy="152056"/>
           </a:xfrm>
           <a:prstGeom prst="straightConnector1">
             <a:avLst/>
@@ -4412,8 +4066,8 @@
         </p:nvSpPr>
         <p:spPr>
           <a:xfrm>
-            <a:off x="850286" y="6460321"/>
-            <a:ext cx="3127908" cy="369332"/>
+            <a:off x="2983887" y="7603321"/>
+            <a:ext cx="4145237" cy="464614"/>
           </a:xfrm>
           <a:prstGeom prst="rect">
             <a:avLst/>
@@ -4447,8 +4101,8 @@
         </p:nvSpPr>
         <p:spPr>
           <a:xfrm>
-            <a:off x="460522" y="4850623"/>
-            <a:ext cx="1489344" cy="369332"/>
+            <a:off x="2594122" y="5993623"/>
+            <a:ext cx="1489344" cy="836896"/>
           </a:xfrm>
           <a:prstGeom prst="rect">
             <a:avLst/>
@@ -4492,7 +4146,7 @@
         </p:nvCxnSpPr>
         <p:spPr>
           <a:xfrm flipH="1">
-            <a:off x="1205194" y="5208369"/>
+            <a:off x="3338794" y="6351369"/>
             <a:ext cx="8706" cy="575290"/>
           </a:xfrm>
           <a:prstGeom prst="straightConnector1">
@@ -4531,8 +4185,8 @@
         </p:nvSpPr>
         <p:spPr>
           <a:xfrm>
-            <a:off x="5995873" y="137160"/>
-            <a:ext cx="1201676" cy="369332"/>
+            <a:off x="8129473" y="1280160"/>
+            <a:ext cx="1553502" cy="464614"/>
           </a:xfrm>
           <a:prstGeom prst="rect">
             <a:avLst/>
@@ -4566,8 +4220,8 @@
         </p:nvSpPr>
         <p:spPr>
           <a:xfrm>
-            <a:off x="326438" y="697350"/>
-            <a:ext cx="1804655" cy="646331"/>
+            <a:off x="2460039" y="1840351"/>
+            <a:ext cx="1804655" cy="1209177"/>
           </a:xfrm>
           <a:prstGeom prst="rect">
             <a:avLst/>
@@ -4614,8 +4268,8 @@
         </p:nvCxnSpPr>
         <p:spPr>
           <a:xfrm>
-            <a:off x="1228766" y="1343681"/>
-            <a:ext cx="3643081" cy="820974"/>
+            <a:off x="3362367" y="3049527"/>
+            <a:ext cx="3643081" cy="258128"/>
           </a:xfrm>
           <a:prstGeom prst="straightConnector1">
             <a:avLst/>
@@ -4653,7 +4307,7 @@
         </p:nvSpPr>
         <p:spPr>
           <a:xfrm>
-            <a:off x="7622172" y="2367168"/>
+            <a:off x="9755772" y="3510169"/>
             <a:ext cx="1491538" cy="461665"/>
           </a:xfrm>
           <a:prstGeom prst="rect">
@@ -4696,8 +4350,8 @@
         </p:nvCxnSpPr>
         <p:spPr>
           <a:xfrm flipH="1" flipV="1">
-            <a:off x="10238410" y="1539785"/>
-            <a:ext cx="1" cy="490109"/>
+            <a:off x="12372011" y="2968632"/>
+            <a:ext cx="1" cy="204262"/>
           </a:xfrm>
           <a:prstGeom prst="straightConnector1">
             <a:avLst/>
@@ -4735,7 +4389,7 @@
         </p:nvSpPr>
         <p:spPr>
           <a:xfrm>
-            <a:off x="7757793" y="498862"/>
+            <a:off x="9891394" y="1641862"/>
             <a:ext cx="2445149" cy="1325120"/>
           </a:xfrm>
           <a:prstGeom prst="rect">
@@ -4790,8 +4444,8 @@
         </p:nvSpPr>
         <p:spPr>
           <a:xfrm>
-            <a:off x="9403147" y="616455"/>
-            <a:ext cx="1670525" cy="923330"/>
+            <a:off x="11536748" y="1759456"/>
+            <a:ext cx="1670525" cy="1209177"/>
           </a:xfrm>
           <a:prstGeom prst="rect">
             <a:avLst/>
@@ -4843,7 +4497,7 @@
         </p:nvSpPr>
         <p:spPr>
           <a:xfrm>
-            <a:off x="4594655" y="1481466"/>
+            <a:off x="6728255" y="2624467"/>
             <a:ext cx="1491538" cy="276999"/>
           </a:xfrm>
           <a:prstGeom prst="rect">
@@ -4878,7 +4532,7 @@
         </p:nvSpPr>
         <p:spPr>
           <a:xfrm>
-            <a:off x="3388222" y="1565840"/>
+            <a:off x="5521822" y="2708841"/>
             <a:ext cx="1491538" cy="276999"/>
           </a:xfrm>
           <a:prstGeom prst="rect">
@@ -4913,7 +4567,7 @@
         </p:nvSpPr>
         <p:spPr>
           <a:xfrm>
-            <a:off x="3103117" y="2128562"/>
+            <a:off x="5236717" y="3271563"/>
             <a:ext cx="1491538" cy="276999"/>
           </a:xfrm>
           <a:prstGeom prst="rect">
@@ -4961,7 +4615,7 @@
         </p:nvSpPr>
         <p:spPr>
           <a:xfrm rot="21077760">
-            <a:off x="3206619" y="2733821"/>
+            <a:off x="5340219" y="3876822"/>
             <a:ext cx="1491538" cy="276999"/>
           </a:xfrm>
           <a:prstGeom prst="rect">
@@ -4996,7 +4650,7 @@
         </p:nvSpPr>
         <p:spPr>
           <a:xfrm rot="18304624">
-            <a:off x="3434753" y="3520080"/>
+            <a:off x="5568353" y="4663081"/>
             <a:ext cx="1491538" cy="276999"/>
           </a:xfrm>
           <a:prstGeom prst="rect">
@@ -5013,6 +4667,41 @@
             <a:r>
               <a:rPr lang="en-US" sz="1200" dirty="0"/>
               <a:t>S3 reference</a:t>
+            </a:r>
+          </a:p>
+        </p:txBody>
+      </p:sp>
+      <p:sp>
+        <p:nvSpPr>
+          <p:cNvPr id="2" name="TextBox 1">
+            <a:extLst>
+              <a:ext uri="{FF2B5EF4-FFF2-40B4-BE49-F238E27FC236}">
+                <a16:creationId xmlns:a16="http://schemas.microsoft.com/office/drawing/2014/main" id="{665987F1-47EC-B037-5F62-44ECC350CC55}"/>
+              </a:ext>
+            </a:extLst>
+          </p:cNvPr>
+          <p:cNvSpPr txBox="1"/>
+          <p:nvPr/>
+        </p:nvSpPr>
+        <p:spPr>
+          <a:xfrm>
+            <a:off x="2983886" y="1280160"/>
+            <a:ext cx="1412374" cy="464614"/>
+          </a:xfrm>
+          <a:prstGeom prst="rect">
+            <a:avLst/>
+          </a:prstGeom>
+          <a:noFill/>
+        </p:spPr>
+        <p:txBody>
+          <a:bodyPr wrap="none" rtlCol="0">
+            <a:spAutoFit/>
+          </a:bodyPr>
+          <a:lstStyle/>
+          <a:p>
+            <a:r>
+              <a:rPr lang="en-US" dirty="0"/>
+              <a:t>Version 0</a:t>
             </a:r>
           </a:p>
         </p:txBody>
@@ -5030,10 +4719,3269 @@
 </p:sld>
 </file>
 
+<file path=ppt/slides/slide2.xml><?xml version="1.0" encoding="utf-8"?>
+<p:sld xmlns:a="http://schemas.openxmlformats.org/drawingml/2006/main" xmlns:r="http://schemas.openxmlformats.org/officeDocument/2006/relationships" xmlns:p="http://schemas.openxmlformats.org/presentationml/2006/main">
+  <p:cSld>
+    <p:spTree>
+      <p:nvGrpSpPr>
+        <p:cNvPr id="1" name="">
+          <a:extLst>
+            <a:ext uri="{FF2B5EF4-FFF2-40B4-BE49-F238E27FC236}">
+              <a16:creationId xmlns:a16="http://schemas.microsoft.com/office/drawing/2014/main" id="{A24605C4-C53A-FF09-3661-632EB179DBF7}"/>
+            </a:ext>
+          </a:extLst>
+        </p:cNvPr>
+        <p:cNvGrpSpPr/>
+        <p:nvPr/>
+      </p:nvGrpSpPr>
+      <p:grpSpPr>
+        <a:xfrm>
+          <a:off x="0" y="0"/>
+          <a:ext cx="0" cy="0"/>
+          <a:chOff x="0" y="0"/>
+          <a:chExt cx="0" cy="0"/>
+        </a:xfrm>
+      </p:grpSpPr>
+      <p:pic>
+        <p:nvPicPr>
+          <p:cNvPr id="1054" name="Picture 2" descr="Database Logo Images – Browse 65,296 Stock Photos, Vectors ...">
+            <a:extLst>
+              <a:ext uri="{FF2B5EF4-FFF2-40B4-BE49-F238E27FC236}">
+                <a16:creationId xmlns:a16="http://schemas.microsoft.com/office/drawing/2014/main" id="{476F8ECC-B210-AE91-8B7C-1E7E1F14AA36}"/>
+              </a:ext>
+            </a:extLst>
+          </p:cNvPr>
+          <p:cNvPicPr>
+            <a:picLocks noChangeAspect="1" noChangeArrowheads="1"/>
+          </p:cNvPicPr>
+          <p:nvPr/>
+        </p:nvPicPr>
+        <p:blipFill>
+          <a:blip r:embed="rId2">
+            <a:extLst>
+              <a:ext uri="{28A0092B-C50C-407E-A947-70E740481C1C}">
+                <a14:useLocalDpi xmlns:a14="http://schemas.microsoft.com/office/drawing/2010/main" val="0"/>
+              </a:ext>
+            </a:extLst>
+          </a:blip>
+          <a:srcRect/>
+          <a:stretch>
+            <a:fillRect/>
+          </a:stretch>
+        </p:blipFill>
+        <p:spPr bwMode="auto">
+          <a:xfrm>
+            <a:off x="5276610" y="3809173"/>
+            <a:ext cx="1589087" cy="1589087"/>
+          </a:xfrm>
+          <a:prstGeom prst="rect">
+            <a:avLst/>
+          </a:prstGeom>
+          <a:noFill/>
+          <a:extLst>
+            <a:ext uri="{909E8E84-426E-40DD-AFC4-6F175D3DCCD1}">
+              <a14:hiddenFill xmlns:a14="http://schemas.microsoft.com/office/drawing/2010/main">
+                <a:solidFill>
+                  <a:srgbClr val="FFFFFF"/>
+                </a:solidFill>
+              </a14:hiddenFill>
+            </a:ext>
+          </a:extLst>
+        </p:spPr>
+      </p:pic>
+      <p:pic>
+        <p:nvPicPr>
+          <p:cNvPr id="86" name="Picture 2" descr="Database Logo Images – Browse 65,296 Stock Photos, Vectors ...">
+            <a:extLst>
+              <a:ext uri="{FF2B5EF4-FFF2-40B4-BE49-F238E27FC236}">
+                <a16:creationId xmlns:a16="http://schemas.microsoft.com/office/drawing/2014/main" id="{20C65EB3-7333-AE92-C7CC-7DEF3E2FCC6E}"/>
+              </a:ext>
+            </a:extLst>
+          </p:cNvPr>
+          <p:cNvPicPr>
+            <a:picLocks noChangeAspect="1" noChangeArrowheads="1"/>
+          </p:cNvPicPr>
+          <p:nvPr/>
+        </p:nvPicPr>
+        <p:blipFill>
+          <a:blip r:embed="rId2">
+            <a:extLst>
+              <a:ext uri="{28A0092B-C50C-407E-A947-70E740481C1C}">
+                <a14:useLocalDpi xmlns:a14="http://schemas.microsoft.com/office/drawing/2010/main" val="0"/>
+              </a:ext>
+            </a:extLst>
+          </a:blip>
+          <a:srcRect/>
+          <a:stretch>
+            <a:fillRect/>
+          </a:stretch>
+        </p:blipFill>
+        <p:spPr bwMode="auto">
+          <a:xfrm>
+            <a:off x="434277" y="3177923"/>
+            <a:ext cx="1589087" cy="1589087"/>
+          </a:xfrm>
+          <a:prstGeom prst="rect">
+            <a:avLst/>
+          </a:prstGeom>
+          <a:noFill/>
+          <a:extLst>
+            <a:ext uri="{909E8E84-426E-40DD-AFC4-6F175D3DCCD1}">
+              <a14:hiddenFill xmlns:a14="http://schemas.microsoft.com/office/drawing/2010/main">
+                <a:solidFill>
+                  <a:srgbClr val="FFFFFF"/>
+                </a:solidFill>
+              </a14:hiddenFill>
+            </a:ext>
+          </a:extLst>
+        </p:spPr>
+      </p:pic>
+      <p:pic>
+        <p:nvPicPr>
+          <p:cNvPr id="1026" name="Picture 2" descr="Database Logo Images – Browse 65,296 Stock Photos, Vectors ...">
+            <a:extLst>
+              <a:ext uri="{FF2B5EF4-FFF2-40B4-BE49-F238E27FC236}">
+                <a16:creationId xmlns:a16="http://schemas.microsoft.com/office/drawing/2014/main" id="{766263FD-61A8-78EC-DEE1-A5B7F889C7F3}"/>
+              </a:ext>
+            </a:extLst>
+          </p:cNvPr>
+          <p:cNvPicPr>
+            <a:picLocks noChangeAspect="1" noChangeArrowheads="1"/>
+          </p:cNvPicPr>
+          <p:nvPr/>
+        </p:nvPicPr>
+        <p:blipFill>
+          <a:blip r:embed="rId2">
+            <a:extLst>
+              <a:ext uri="{28A0092B-C50C-407E-A947-70E740481C1C}">
+                <a14:useLocalDpi xmlns:a14="http://schemas.microsoft.com/office/drawing/2010/main" val="0"/>
+              </a:ext>
+            </a:extLst>
+          </a:blip>
+          <a:srcRect/>
+          <a:stretch>
+            <a:fillRect/>
+          </a:stretch>
+        </p:blipFill>
+        <p:spPr bwMode="auto">
+          <a:xfrm>
+            <a:off x="615495" y="472350"/>
+            <a:ext cx="1589087" cy="1589087"/>
+          </a:xfrm>
+          <a:prstGeom prst="rect">
+            <a:avLst/>
+          </a:prstGeom>
+          <a:noFill/>
+          <a:extLst>
+            <a:ext uri="{909E8E84-426E-40DD-AFC4-6F175D3DCCD1}">
+              <a14:hiddenFill xmlns:a14="http://schemas.microsoft.com/office/drawing/2010/main">
+                <a:solidFill>
+                  <a:srgbClr val="FFFFFF"/>
+                </a:solidFill>
+              </a14:hiddenFill>
+            </a:ext>
+          </a:extLst>
+        </p:spPr>
+      </p:pic>
+      <p:sp>
+        <p:nvSpPr>
+          <p:cNvPr id="115" name="Rectangle 114">
+            <a:extLst>
+              <a:ext uri="{FF2B5EF4-FFF2-40B4-BE49-F238E27FC236}">
+                <a16:creationId xmlns:a16="http://schemas.microsoft.com/office/drawing/2014/main" id="{3766CDD0-DC13-EDEF-7469-A377CCBD27CF}"/>
+              </a:ext>
+            </a:extLst>
+          </p:cNvPr>
+          <p:cNvSpPr/>
+          <p:nvPr/>
+        </p:nvSpPr>
+        <p:spPr>
+          <a:xfrm>
+            <a:off x="2703421" y="1751385"/>
+            <a:ext cx="7177756" cy="2040885"/>
+          </a:xfrm>
+          <a:prstGeom prst="rect">
+            <a:avLst/>
+          </a:prstGeom>
+          <a:solidFill>
+            <a:schemeClr val="accent2">
+              <a:lumMod val="20000"/>
+              <a:lumOff val="80000"/>
+            </a:schemeClr>
+          </a:solidFill>
+        </p:spPr>
+        <p:style>
+          <a:lnRef idx="2">
+            <a:schemeClr val="accent1">
+              <a:shade val="15000"/>
+            </a:schemeClr>
+          </a:lnRef>
+          <a:fillRef idx="1">
+            <a:schemeClr val="accent1"/>
+          </a:fillRef>
+          <a:effectRef idx="0">
+            <a:schemeClr val="accent1"/>
+          </a:effectRef>
+          <a:fontRef idx="minor">
+            <a:schemeClr val="lt1"/>
+          </a:fontRef>
+        </p:style>
+        <p:txBody>
+          <a:bodyPr rtlCol="0" anchor="ctr"/>
+          <a:lstStyle/>
+          <a:p>
+            <a:pPr algn="ctr"/>
+            <a:endParaRPr lang="en-US" dirty="0"/>
+          </a:p>
+        </p:txBody>
+      </p:sp>
+      <p:sp>
+        <p:nvSpPr>
+          <p:cNvPr id="72" name="Rectangle 71">
+            <a:extLst>
+              <a:ext uri="{FF2B5EF4-FFF2-40B4-BE49-F238E27FC236}">
+                <a16:creationId xmlns:a16="http://schemas.microsoft.com/office/drawing/2014/main" id="{BD55E4F7-3DA3-5847-96D8-E50EBE721AB5}"/>
+              </a:ext>
+            </a:extLst>
+          </p:cNvPr>
+          <p:cNvSpPr/>
+          <p:nvPr/>
+        </p:nvSpPr>
+        <p:spPr>
+          <a:xfrm>
+            <a:off x="2356793" y="6504997"/>
+            <a:ext cx="4360830" cy="2040885"/>
+          </a:xfrm>
+          <a:prstGeom prst="rect">
+            <a:avLst/>
+          </a:prstGeom>
+          <a:solidFill>
+            <a:schemeClr val="tx2">
+              <a:lumMod val="10000"/>
+              <a:lumOff val="90000"/>
+            </a:schemeClr>
+          </a:solidFill>
+        </p:spPr>
+        <p:style>
+          <a:lnRef idx="2">
+            <a:schemeClr val="accent1">
+              <a:shade val="15000"/>
+            </a:schemeClr>
+          </a:lnRef>
+          <a:fillRef idx="1">
+            <a:schemeClr val="accent1"/>
+          </a:fillRef>
+          <a:effectRef idx="0">
+            <a:schemeClr val="accent1"/>
+          </a:effectRef>
+          <a:fontRef idx="minor">
+            <a:schemeClr val="lt1"/>
+          </a:fontRef>
+        </p:style>
+        <p:txBody>
+          <a:bodyPr rtlCol="0" anchor="ctr"/>
+          <a:lstStyle/>
+          <a:p>
+            <a:pPr algn="ctr"/>
+            <a:endParaRPr lang="en-US"/>
+          </a:p>
+        </p:txBody>
+      </p:sp>
+      <p:sp>
+        <p:nvSpPr>
+          <p:cNvPr id="4" name="TextBox 3">
+            <a:extLst>
+              <a:ext uri="{FF2B5EF4-FFF2-40B4-BE49-F238E27FC236}">
+                <a16:creationId xmlns:a16="http://schemas.microsoft.com/office/drawing/2014/main" id="{B69C717B-6F1B-B7C5-1029-7E12D9DCEDA5}"/>
+              </a:ext>
+            </a:extLst>
+          </p:cNvPr>
+          <p:cNvSpPr txBox="1"/>
+          <p:nvPr/>
+        </p:nvSpPr>
+        <p:spPr>
+          <a:xfrm>
+            <a:off x="2509308" y="5679793"/>
+            <a:ext cx="1675728" cy="646331"/>
+          </a:xfrm>
+          <a:prstGeom prst="rect">
+            <a:avLst/>
+          </a:prstGeom>
+          <a:noFill/>
+          <a:ln>
+            <a:solidFill>
+              <a:schemeClr val="accent1"/>
+            </a:solidFill>
+          </a:ln>
+        </p:spPr>
+        <p:txBody>
+          <a:bodyPr wrap="square" rtlCol="0">
+            <a:spAutoFit/>
+          </a:bodyPr>
+          <a:lstStyle/>
+          <a:p>
+            <a:r>
+              <a:rPr lang="en-US" dirty="0"/>
+              <a:t>S3 raw dataset</a:t>
+            </a:r>
+          </a:p>
+          <a:p>
+            <a:r>
+              <a:rPr lang="en-US" dirty="0"/>
+              <a:t>NEMAR</a:t>
+            </a:r>
+          </a:p>
+        </p:txBody>
+      </p:sp>
+      <p:cxnSp>
+        <p:nvCxnSpPr>
+          <p:cNvPr id="7" name="Straight Arrow Connector 6">
+            <a:extLst>
+              <a:ext uri="{FF2B5EF4-FFF2-40B4-BE49-F238E27FC236}">
+                <a16:creationId xmlns:a16="http://schemas.microsoft.com/office/drawing/2014/main" id="{230221D4-91F2-F3FD-AD18-5A9827DF4154}"/>
+              </a:ext>
+            </a:extLst>
+          </p:cNvPr>
+          <p:cNvCxnSpPr>
+            <a:cxnSpLocks/>
+          </p:cNvCxnSpPr>
+          <p:nvPr/>
+        </p:nvCxnSpPr>
+        <p:spPr>
+          <a:xfrm flipV="1">
+            <a:off x="5239740" y="5108383"/>
+            <a:ext cx="10388" cy="649794"/>
+          </a:xfrm>
+          <a:prstGeom prst="straightConnector1">
+            <a:avLst/>
+          </a:prstGeom>
+          <a:ln>
+            <a:tailEnd type="none"/>
+          </a:ln>
+        </p:spPr>
+        <p:style>
+          <a:lnRef idx="2">
+            <a:schemeClr val="accent1"/>
+          </a:lnRef>
+          <a:fillRef idx="0">
+            <a:schemeClr val="accent1"/>
+          </a:fillRef>
+          <a:effectRef idx="1">
+            <a:schemeClr val="accent1"/>
+          </a:effectRef>
+          <a:fontRef idx="minor">
+            <a:schemeClr val="tx1"/>
+          </a:fontRef>
+        </p:style>
+      </p:cxnSp>
+      <p:sp>
+        <p:nvSpPr>
+          <p:cNvPr id="10" name="TextBox 9">
+            <a:extLst>
+              <a:ext uri="{FF2B5EF4-FFF2-40B4-BE49-F238E27FC236}">
+                <a16:creationId xmlns:a16="http://schemas.microsoft.com/office/drawing/2014/main" id="{BBCE6AAD-C33F-8432-9A3F-99B73765CEF5}"/>
+              </a:ext>
+            </a:extLst>
+          </p:cNvPr>
+          <p:cNvSpPr txBox="1"/>
+          <p:nvPr/>
+        </p:nvSpPr>
+        <p:spPr>
+          <a:xfrm>
+            <a:off x="7898424" y="2225419"/>
+            <a:ext cx="1339285" cy="523220"/>
+          </a:xfrm>
+          <a:prstGeom prst="rect">
+            <a:avLst/>
+          </a:prstGeom>
+          <a:solidFill>
+            <a:schemeClr val="accent2">
+              <a:lumMod val="40000"/>
+              <a:lumOff val="60000"/>
+            </a:schemeClr>
+          </a:solidFill>
+          <a:ln>
+            <a:solidFill>
+              <a:schemeClr val="tx1"/>
+            </a:solidFill>
+          </a:ln>
+        </p:spPr>
+        <p:txBody>
+          <a:bodyPr wrap="square" rtlCol="0">
+            <a:spAutoFit/>
+          </a:bodyPr>
+          <a:lstStyle/>
+          <a:p>
+            <a:r>
+              <a:rPr lang="en-US" sz="1400" dirty="0" err="1"/>
+              <a:t>Xarray</a:t>
+            </a:r>
+            <a:r>
+              <a:rPr lang="en-US" sz="1400" dirty="0"/>
+              <a:t> to </a:t>
+            </a:r>
+          </a:p>
+          <a:p>
+            <a:r>
+              <a:rPr lang="en-US" sz="1400" dirty="0" err="1"/>
+              <a:t>BrainDecode</a:t>
+            </a:r>
+            <a:endParaRPr lang="en-US" sz="1400" dirty="0"/>
+          </a:p>
+        </p:txBody>
+      </p:sp>
+      <p:sp>
+        <p:nvSpPr>
+          <p:cNvPr id="19" name="TextBox 18">
+            <a:extLst>
+              <a:ext uri="{FF2B5EF4-FFF2-40B4-BE49-F238E27FC236}">
+                <a16:creationId xmlns:a16="http://schemas.microsoft.com/office/drawing/2014/main" id="{00FA4592-17A0-C5D7-C17C-3B599055999D}"/>
+              </a:ext>
+            </a:extLst>
+          </p:cNvPr>
+          <p:cNvSpPr txBox="1"/>
+          <p:nvPr/>
+        </p:nvSpPr>
+        <p:spPr>
+          <a:xfrm>
+            <a:off x="5676451" y="5016662"/>
+            <a:ext cx="1975944" cy="307777"/>
+          </a:xfrm>
+          <a:prstGeom prst="rect">
+            <a:avLst/>
+          </a:prstGeom>
+          <a:noFill/>
+          <a:ln>
+            <a:noFill/>
+          </a:ln>
+        </p:spPr>
+        <p:txBody>
+          <a:bodyPr wrap="square" rtlCol="0">
+            <a:spAutoFit/>
+          </a:bodyPr>
+          <a:lstStyle/>
+          <a:p>
+            <a:r>
+              <a:rPr lang="en-US" sz="1400" dirty="0" err="1"/>
+              <a:t>Xarray</a:t>
+            </a:r>
+            <a:r>
+              <a:rPr lang="en-US" sz="1400" dirty="0"/>
+              <a:t> cache</a:t>
+            </a:r>
+          </a:p>
+        </p:txBody>
+      </p:sp>
+      <p:cxnSp>
+        <p:nvCxnSpPr>
+          <p:cNvPr id="21" name="Straight Arrow Connector 20">
+            <a:extLst>
+              <a:ext uri="{FF2B5EF4-FFF2-40B4-BE49-F238E27FC236}">
+                <a16:creationId xmlns:a16="http://schemas.microsoft.com/office/drawing/2014/main" id="{D7C335D9-F7E0-C71A-9381-4A6B8491372E}"/>
+              </a:ext>
+            </a:extLst>
+          </p:cNvPr>
+          <p:cNvCxnSpPr>
+            <a:cxnSpLocks/>
+          </p:cNvCxnSpPr>
+          <p:nvPr/>
+        </p:nvCxnSpPr>
+        <p:spPr>
+          <a:xfrm>
+            <a:off x="5162319" y="2899898"/>
+            <a:ext cx="445089" cy="250896"/>
+          </a:xfrm>
+          <a:prstGeom prst="straightConnector1">
+            <a:avLst/>
+          </a:prstGeom>
+          <a:ln>
+            <a:headEnd type="triangle"/>
+            <a:tailEnd type="triangle"/>
+          </a:ln>
+        </p:spPr>
+        <p:style>
+          <a:lnRef idx="2">
+            <a:schemeClr val="accent1"/>
+          </a:lnRef>
+          <a:fillRef idx="0">
+            <a:schemeClr val="accent1"/>
+          </a:fillRef>
+          <a:effectRef idx="1">
+            <a:schemeClr val="accent1"/>
+          </a:effectRef>
+          <a:fontRef idx="minor">
+            <a:schemeClr val="tx1"/>
+          </a:fontRef>
+        </p:style>
+      </p:cxnSp>
+      <p:cxnSp>
+        <p:nvCxnSpPr>
+          <p:cNvPr id="23" name="Straight Arrow Connector 22">
+            <a:extLst>
+              <a:ext uri="{FF2B5EF4-FFF2-40B4-BE49-F238E27FC236}">
+                <a16:creationId xmlns:a16="http://schemas.microsoft.com/office/drawing/2014/main" id="{A3CCA788-696F-DFB4-8F6B-73A423939BC3}"/>
+              </a:ext>
+            </a:extLst>
+          </p:cNvPr>
+          <p:cNvCxnSpPr>
+            <a:cxnSpLocks/>
+          </p:cNvCxnSpPr>
+          <p:nvPr/>
+        </p:nvCxnSpPr>
+        <p:spPr>
+          <a:xfrm flipH="1" flipV="1">
+            <a:off x="2983887" y="2966038"/>
+            <a:ext cx="7889" cy="2713755"/>
+          </a:xfrm>
+          <a:prstGeom prst="straightConnector1">
+            <a:avLst/>
+          </a:prstGeom>
+          <a:ln>
+            <a:tailEnd type="triangle"/>
+          </a:ln>
+        </p:spPr>
+        <p:style>
+          <a:lnRef idx="2">
+            <a:schemeClr val="accent1"/>
+          </a:lnRef>
+          <a:fillRef idx="0">
+            <a:schemeClr val="accent1"/>
+          </a:fillRef>
+          <a:effectRef idx="1">
+            <a:schemeClr val="accent1"/>
+          </a:effectRef>
+          <a:fontRef idx="minor">
+            <a:schemeClr val="tx1"/>
+          </a:fontRef>
+        </p:style>
+      </p:cxnSp>
+      <p:sp>
+        <p:nvSpPr>
+          <p:cNvPr id="24" name="TextBox 23">
+            <a:extLst>
+              <a:ext uri="{FF2B5EF4-FFF2-40B4-BE49-F238E27FC236}">
+                <a16:creationId xmlns:a16="http://schemas.microsoft.com/office/drawing/2014/main" id="{19FCB1BD-4624-B523-A470-746CEFD6C2C6}"/>
+              </a:ext>
+            </a:extLst>
+          </p:cNvPr>
+          <p:cNvSpPr txBox="1"/>
+          <p:nvPr/>
+        </p:nvSpPr>
+        <p:spPr>
+          <a:xfrm>
+            <a:off x="648281" y="193629"/>
+            <a:ext cx="1770508" cy="646331"/>
+          </a:xfrm>
+          <a:prstGeom prst="rect">
+            <a:avLst/>
+          </a:prstGeom>
+          <a:noFill/>
+          <a:ln>
+            <a:noFill/>
+          </a:ln>
+        </p:spPr>
+        <p:txBody>
+          <a:bodyPr wrap="square" rtlCol="0">
+            <a:spAutoFit/>
+          </a:bodyPr>
+          <a:lstStyle/>
+          <a:p>
+            <a:r>
+              <a:rPr lang="en-US" dirty="0"/>
+              <a:t>Metadata from </a:t>
+            </a:r>
+            <a:r>
+              <a:rPr lang="en-US" dirty="0" err="1"/>
+              <a:t>MongoDb</a:t>
+            </a:r>
+            <a:r>
+              <a:rPr lang="en-US" dirty="0"/>
+              <a:t>?</a:t>
+            </a:r>
+          </a:p>
+        </p:txBody>
+      </p:sp>
+      <p:cxnSp>
+        <p:nvCxnSpPr>
+          <p:cNvPr id="27" name="Straight Arrow Connector 26">
+            <a:extLst>
+              <a:ext uri="{FF2B5EF4-FFF2-40B4-BE49-F238E27FC236}">
+                <a16:creationId xmlns:a16="http://schemas.microsoft.com/office/drawing/2014/main" id="{4CBFBC4D-F185-0CE2-A639-4A68F6C7B5C6}"/>
+              </a:ext>
+            </a:extLst>
+          </p:cNvPr>
+          <p:cNvCxnSpPr>
+            <a:cxnSpLocks/>
+            <a:stCxn id="10" idx="3"/>
+          </p:cNvCxnSpPr>
+          <p:nvPr/>
+        </p:nvCxnSpPr>
+        <p:spPr>
+          <a:xfrm>
+            <a:off x="9237709" y="2487029"/>
+            <a:ext cx="1918765" cy="0"/>
+          </a:xfrm>
+          <a:prstGeom prst="straightConnector1">
+            <a:avLst/>
+          </a:prstGeom>
+          <a:ln>
+            <a:tailEnd type="triangle"/>
+          </a:ln>
+        </p:spPr>
+        <p:style>
+          <a:lnRef idx="2">
+            <a:schemeClr val="accent1"/>
+          </a:lnRef>
+          <a:fillRef idx="0">
+            <a:schemeClr val="accent1"/>
+          </a:fillRef>
+          <a:effectRef idx="1">
+            <a:schemeClr val="accent1"/>
+          </a:effectRef>
+          <a:fontRef idx="minor">
+            <a:schemeClr val="tx1"/>
+          </a:fontRef>
+        </p:style>
+      </p:cxnSp>
+      <p:sp>
+        <p:nvSpPr>
+          <p:cNvPr id="30" name="TextBox 29">
+            <a:extLst>
+              <a:ext uri="{FF2B5EF4-FFF2-40B4-BE49-F238E27FC236}">
+                <a16:creationId xmlns:a16="http://schemas.microsoft.com/office/drawing/2014/main" id="{DF745328-D2BB-C029-D1E5-DA38D4542BBF}"/>
+              </a:ext>
+            </a:extLst>
+          </p:cNvPr>
+          <p:cNvSpPr txBox="1"/>
+          <p:nvPr/>
+        </p:nvSpPr>
+        <p:spPr>
+          <a:xfrm>
+            <a:off x="11156475" y="2150149"/>
+            <a:ext cx="1813969" cy="646331"/>
+          </a:xfrm>
+          <a:prstGeom prst="rect">
+            <a:avLst/>
+          </a:prstGeom>
+          <a:solidFill>
+            <a:schemeClr val="bg1"/>
+          </a:solidFill>
+          <a:ln>
+            <a:solidFill>
+              <a:schemeClr val="tx1"/>
+            </a:solidFill>
+          </a:ln>
+        </p:spPr>
+        <p:txBody>
+          <a:bodyPr wrap="square" rtlCol="0">
+            <a:spAutoFit/>
+          </a:bodyPr>
+          <a:lstStyle/>
+          <a:p>
+            <a:r>
+              <a:rPr lang="en-US" dirty="0" err="1"/>
+              <a:t>BrainDecode</a:t>
+            </a:r>
+            <a:r>
+              <a:rPr lang="en-US" dirty="0"/>
+              <a:t> Processor</a:t>
+            </a:r>
+          </a:p>
+        </p:txBody>
+      </p:sp>
+      <p:sp>
+        <p:nvSpPr>
+          <p:cNvPr id="37" name="TextBox 36">
+            <a:extLst>
+              <a:ext uri="{FF2B5EF4-FFF2-40B4-BE49-F238E27FC236}">
+                <a16:creationId xmlns:a16="http://schemas.microsoft.com/office/drawing/2014/main" id="{1ACC8224-8800-F6B3-2D86-CB6B640BC4D0}"/>
+              </a:ext>
+            </a:extLst>
+          </p:cNvPr>
+          <p:cNvSpPr txBox="1"/>
+          <p:nvPr/>
+        </p:nvSpPr>
+        <p:spPr>
+          <a:xfrm>
+            <a:off x="2435166" y="7839443"/>
+            <a:ext cx="2774605" cy="369332"/>
+          </a:xfrm>
+          <a:prstGeom prst="rect">
+            <a:avLst/>
+          </a:prstGeom>
+          <a:solidFill>
+            <a:schemeClr val="bg1"/>
+          </a:solidFill>
+          <a:ln>
+            <a:solidFill>
+              <a:schemeClr val="accent1"/>
+            </a:solidFill>
+          </a:ln>
+        </p:spPr>
+        <p:txBody>
+          <a:bodyPr wrap="square" rtlCol="0">
+            <a:spAutoFit/>
+          </a:bodyPr>
+          <a:lstStyle/>
+          <a:p>
+            <a:r>
+              <a:rPr lang="en-US" dirty="0" err="1"/>
+              <a:t>EEGprep</a:t>
+            </a:r>
+            <a:r>
+              <a:rPr lang="en-US" dirty="0"/>
+              <a:t> MATLAB/</a:t>
+            </a:r>
+            <a:r>
+              <a:rPr lang="en-US" dirty="0" err="1"/>
+              <a:t>Ptyhon</a:t>
+            </a:r>
+            <a:endParaRPr lang="en-US" dirty="0"/>
+          </a:p>
+        </p:txBody>
+      </p:sp>
+      <p:sp>
+        <p:nvSpPr>
+          <p:cNvPr id="38" name="TextBox 37">
+            <a:extLst>
+              <a:ext uri="{FF2B5EF4-FFF2-40B4-BE49-F238E27FC236}">
+                <a16:creationId xmlns:a16="http://schemas.microsoft.com/office/drawing/2014/main" id="{47A8CB55-A825-92B7-E990-779B8AAB9F3C}"/>
+              </a:ext>
+            </a:extLst>
+          </p:cNvPr>
+          <p:cNvSpPr txBox="1"/>
+          <p:nvPr/>
+        </p:nvSpPr>
+        <p:spPr>
+          <a:xfrm>
+            <a:off x="4201041" y="5669805"/>
+            <a:ext cx="2017462" cy="646331"/>
+          </a:xfrm>
+          <a:prstGeom prst="rect">
+            <a:avLst/>
+          </a:prstGeom>
+          <a:solidFill>
+            <a:schemeClr val="bg1"/>
+          </a:solidFill>
+          <a:ln>
+            <a:solidFill>
+              <a:schemeClr val="accent1"/>
+            </a:solidFill>
+          </a:ln>
+        </p:spPr>
+        <p:txBody>
+          <a:bodyPr wrap="square" rtlCol="0">
+            <a:spAutoFit/>
+          </a:bodyPr>
+          <a:lstStyle/>
+          <a:p>
+            <a:r>
+              <a:rPr lang="en-US" dirty="0"/>
+              <a:t>S3 derivative dataset</a:t>
+            </a:r>
+          </a:p>
+        </p:txBody>
+      </p:sp>
+      <p:cxnSp>
+        <p:nvCxnSpPr>
+          <p:cNvPr id="40" name="Straight Arrow Connector 39">
+            <a:extLst>
+              <a:ext uri="{FF2B5EF4-FFF2-40B4-BE49-F238E27FC236}">
+                <a16:creationId xmlns:a16="http://schemas.microsoft.com/office/drawing/2014/main" id="{4261B467-68AF-FC92-96F2-BF52368D4081}"/>
+              </a:ext>
+            </a:extLst>
+          </p:cNvPr>
+          <p:cNvCxnSpPr>
+            <a:cxnSpLocks/>
+            <a:stCxn id="4" idx="2"/>
+            <a:endCxn id="84" idx="0"/>
+          </p:cNvCxnSpPr>
+          <p:nvPr/>
+        </p:nvCxnSpPr>
+        <p:spPr>
+          <a:xfrm>
+            <a:off x="3347172" y="6326124"/>
+            <a:ext cx="37091" cy="580282"/>
+          </a:xfrm>
+          <a:prstGeom prst="straightConnector1">
+            <a:avLst/>
+          </a:prstGeom>
+          <a:ln>
+            <a:tailEnd type="triangle"/>
+          </a:ln>
+        </p:spPr>
+        <p:style>
+          <a:lnRef idx="2">
+            <a:schemeClr val="accent1"/>
+          </a:lnRef>
+          <a:fillRef idx="0">
+            <a:schemeClr val="accent1"/>
+          </a:fillRef>
+          <a:effectRef idx="1">
+            <a:schemeClr val="accent1"/>
+          </a:effectRef>
+          <a:fontRef idx="minor">
+            <a:schemeClr val="tx1"/>
+          </a:fontRef>
+        </p:style>
+      </p:cxnSp>
+      <p:cxnSp>
+        <p:nvCxnSpPr>
+          <p:cNvPr id="41" name="Straight Arrow Connector 40">
+            <a:extLst>
+              <a:ext uri="{FF2B5EF4-FFF2-40B4-BE49-F238E27FC236}">
+                <a16:creationId xmlns:a16="http://schemas.microsoft.com/office/drawing/2014/main" id="{A0273779-F58A-3E15-F370-35103F35634D}"/>
+              </a:ext>
+            </a:extLst>
+          </p:cNvPr>
+          <p:cNvCxnSpPr>
+            <a:cxnSpLocks/>
+            <a:stCxn id="37" idx="3"/>
+          </p:cNvCxnSpPr>
+          <p:nvPr/>
+        </p:nvCxnSpPr>
+        <p:spPr>
+          <a:xfrm flipV="1">
+            <a:off x="5209771" y="7166563"/>
+            <a:ext cx="424511" cy="857546"/>
+          </a:xfrm>
+          <a:prstGeom prst="straightConnector1">
+            <a:avLst/>
+          </a:prstGeom>
+          <a:ln>
+            <a:tailEnd type="triangle"/>
+          </a:ln>
+        </p:spPr>
+        <p:style>
+          <a:lnRef idx="2">
+            <a:schemeClr val="accent1"/>
+          </a:lnRef>
+          <a:fillRef idx="0">
+            <a:schemeClr val="accent1"/>
+          </a:fillRef>
+          <a:effectRef idx="1">
+            <a:schemeClr val="accent1"/>
+          </a:effectRef>
+          <a:fontRef idx="minor">
+            <a:schemeClr val="tx1"/>
+          </a:fontRef>
+        </p:style>
+      </p:cxnSp>
+      <p:sp>
+        <p:nvSpPr>
+          <p:cNvPr id="63" name="TextBox 62">
+            <a:extLst>
+              <a:ext uri="{FF2B5EF4-FFF2-40B4-BE49-F238E27FC236}">
+                <a16:creationId xmlns:a16="http://schemas.microsoft.com/office/drawing/2014/main" id="{CA4990C3-C439-31E9-B0FE-40A887B32129}"/>
+              </a:ext>
+            </a:extLst>
+          </p:cNvPr>
+          <p:cNvSpPr txBox="1"/>
+          <p:nvPr/>
+        </p:nvSpPr>
+        <p:spPr>
+          <a:xfrm>
+            <a:off x="4612699" y="6797231"/>
+            <a:ext cx="1907844" cy="369332"/>
+          </a:xfrm>
+          <a:prstGeom prst="rect">
+            <a:avLst/>
+          </a:prstGeom>
+          <a:solidFill>
+            <a:schemeClr val="bg1"/>
+          </a:solidFill>
+          <a:ln>
+            <a:solidFill>
+              <a:schemeClr val="accent1"/>
+            </a:solidFill>
+          </a:ln>
+        </p:spPr>
+        <p:txBody>
+          <a:bodyPr wrap="square" rtlCol="0">
+            <a:spAutoFit/>
+          </a:bodyPr>
+          <a:lstStyle/>
+          <a:p>
+            <a:r>
+              <a:rPr lang="en-US" dirty="0"/>
+              <a:t>BIDS re-export</a:t>
+            </a:r>
+          </a:p>
+        </p:txBody>
+      </p:sp>
+      <p:cxnSp>
+        <p:nvCxnSpPr>
+          <p:cNvPr id="65" name="Straight Arrow Connector 64">
+            <a:extLst>
+              <a:ext uri="{FF2B5EF4-FFF2-40B4-BE49-F238E27FC236}">
+                <a16:creationId xmlns:a16="http://schemas.microsoft.com/office/drawing/2014/main" id="{A5FF3B36-95C2-2340-6F83-6F1681B5D16C}"/>
+              </a:ext>
+            </a:extLst>
+          </p:cNvPr>
+          <p:cNvCxnSpPr>
+            <a:cxnSpLocks/>
+            <a:stCxn id="63" idx="0"/>
+            <a:endCxn id="38" idx="2"/>
+          </p:cNvCxnSpPr>
+          <p:nvPr/>
+        </p:nvCxnSpPr>
+        <p:spPr>
+          <a:xfrm flipH="1" flipV="1">
+            <a:off x="5209772" y="6316136"/>
+            <a:ext cx="356849" cy="481095"/>
+          </a:xfrm>
+          <a:prstGeom prst="straightConnector1">
+            <a:avLst/>
+          </a:prstGeom>
+          <a:ln>
+            <a:tailEnd type="triangle"/>
+          </a:ln>
+        </p:spPr>
+        <p:style>
+          <a:lnRef idx="2">
+            <a:schemeClr val="accent1"/>
+          </a:lnRef>
+          <a:fillRef idx="0">
+            <a:schemeClr val="accent1"/>
+          </a:fillRef>
+          <a:effectRef idx="1">
+            <a:schemeClr val="accent1"/>
+          </a:effectRef>
+          <a:fontRef idx="minor">
+            <a:schemeClr val="tx1"/>
+          </a:fontRef>
+        </p:style>
+      </p:cxnSp>
+      <p:sp>
+        <p:nvSpPr>
+          <p:cNvPr id="82" name="TextBox 81">
+            <a:extLst>
+              <a:ext uri="{FF2B5EF4-FFF2-40B4-BE49-F238E27FC236}">
+                <a16:creationId xmlns:a16="http://schemas.microsoft.com/office/drawing/2014/main" id="{769D093A-6C61-674C-6F9E-7F175F8466AB}"/>
+              </a:ext>
+            </a:extLst>
+          </p:cNvPr>
+          <p:cNvSpPr txBox="1"/>
+          <p:nvPr/>
+        </p:nvSpPr>
+        <p:spPr>
+          <a:xfrm>
+            <a:off x="2973255" y="8516104"/>
+            <a:ext cx="4145237" cy="464614"/>
+          </a:xfrm>
+          <a:prstGeom prst="rect">
+            <a:avLst/>
+          </a:prstGeom>
+          <a:noFill/>
+        </p:spPr>
+        <p:txBody>
+          <a:bodyPr wrap="none" rtlCol="0">
+            <a:spAutoFit/>
+          </a:bodyPr>
+          <a:lstStyle/>
+          <a:p>
+            <a:r>
+              <a:rPr lang="en-US" dirty="0"/>
+              <a:t>BIDS preprocessing &amp; NEMAR</a:t>
+            </a:r>
+          </a:p>
+        </p:txBody>
+      </p:sp>
+      <p:sp>
+        <p:nvSpPr>
+          <p:cNvPr id="84" name="TextBox 83">
+            <a:extLst>
+              <a:ext uri="{FF2B5EF4-FFF2-40B4-BE49-F238E27FC236}">
+                <a16:creationId xmlns:a16="http://schemas.microsoft.com/office/drawing/2014/main" id="{C7427D43-7636-76CA-4F4F-6134290FDBDA}"/>
+              </a:ext>
+            </a:extLst>
+          </p:cNvPr>
+          <p:cNvSpPr txBox="1"/>
+          <p:nvPr/>
+        </p:nvSpPr>
+        <p:spPr>
+          <a:xfrm>
+            <a:off x="2583490" y="6906406"/>
+            <a:ext cx="1601546" cy="369332"/>
+          </a:xfrm>
+          <a:prstGeom prst="rect">
+            <a:avLst/>
+          </a:prstGeom>
+          <a:solidFill>
+            <a:schemeClr val="bg1"/>
+          </a:solidFill>
+          <a:ln>
+            <a:solidFill>
+              <a:schemeClr val="accent1"/>
+            </a:solidFill>
+          </a:ln>
+        </p:spPr>
+        <p:txBody>
+          <a:bodyPr wrap="square" rtlCol="0">
+            <a:spAutoFit/>
+          </a:bodyPr>
+          <a:lstStyle/>
+          <a:p>
+            <a:r>
+              <a:rPr lang="en-US" dirty="0"/>
+              <a:t>BIDS import</a:t>
+            </a:r>
+          </a:p>
+        </p:txBody>
+      </p:sp>
+      <p:cxnSp>
+        <p:nvCxnSpPr>
+          <p:cNvPr id="87" name="Straight Arrow Connector 86">
+            <a:extLst>
+              <a:ext uri="{FF2B5EF4-FFF2-40B4-BE49-F238E27FC236}">
+                <a16:creationId xmlns:a16="http://schemas.microsoft.com/office/drawing/2014/main" id="{0B5EF735-D501-36B1-7157-2D9F862ECB2C}"/>
+              </a:ext>
+            </a:extLst>
+          </p:cNvPr>
+          <p:cNvCxnSpPr>
+            <a:cxnSpLocks/>
+            <a:endCxn id="37" idx="0"/>
+          </p:cNvCxnSpPr>
+          <p:nvPr/>
+        </p:nvCxnSpPr>
+        <p:spPr>
+          <a:xfrm>
+            <a:off x="3336868" y="7264152"/>
+            <a:ext cx="485601" cy="575291"/>
+          </a:xfrm>
+          <a:prstGeom prst="straightConnector1">
+            <a:avLst/>
+          </a:prstGeom>
+          <a:ln>
+            <a:tailEnd type="triangle"/>
+          </a:ln>
+        </p:spPr>
+        <p:style>
+          <a:lnRef idx="2">
+            <a:schemeClr val="accent1"/>
+          </a:lnRef>
+          <a:fillRef idx="0">
+            <a:schemeClr val="accent1"/>
+          </a:fillRef>
+          <a:effectRef idx="1">
+            <a:schemeClr val="accent1"/>
+          </a:effectRef>
+          <a:fontRef idx="minor">
+            <a:schemeClr val="tx1"/>
+          </a:fontRef>
+        </p:style>
+      </p:cxnSp>
+      <p:sp>
+        <p:nvSpPr>
+          <p:cNvPr id="89" name="TextBox 88">
+            <a:extLst>
+              <a:ext uri="{FF2B5EF4-FFF2-40B4-BE49-F238E27FC236}">
+                <a16:creationId xmlns:a16="http://schemas.microsoft.com/office/drawing/2014/main" id="{F170B2AC-6E16-8F0A-CA66-6DCEBAED68B1}"/>
+              </a:ext>
+            </a:extLst>
+          </p:cNvPr>
+          <p:cNvSpPr txBox="1"/>
+          <p:nvPr/>
+        </p:nvSpPr>
+        <p:spPr>
+          <a:xfrm>
+            <a:off x="7593647" y="1336639"/>
+            <a:ext cx="1553502" cy="464614"/>
+          </a:xfrm>
+          <a:prstGeom prst="rect">
+            <a:avLst/>
+          </a:prstGeom>
+          <a:noFill/>
+        </p:spPr>
+        <p:txBody>
+          <a:bodyPr wrap="none" rtlCol="0">
+            <a:spAutoFit/>
+          </a:bodyPr>
+          <a:lstStyle/>
+          <a:p>
+            <a:r>
+              <a:rPr lang="en-US" dirty="0"/>
+              <a:t>EEG-Dash</a:t>
+            </a:r>
+          </a:p>
+        </p:txBody>
+      </p:sp>
+      <p:cxnSp>
+        <p:nvCxnSpPr>
+          <p:cNvPr id="107" name="Straight Arrow Connector 106">
+            <a:extLst>
+              <a:ext uri="{FF2B5EF4-FFF2-40B4-BE49-F238E27FC236}">
+                <a16:creationId xmlns:a16="http://schemas.microsoft.com/office/drawing/2014/main" id="{5D894D1A-83FF-EE0E-F8EF-FB12F6B173C4}"/>
+              </a:ext>
+            </a:extLst>
+          </p:cNvPr>
+          <p:cNvCxnSpPr>
+            <a:cxnSpLocks/>
+            <a:endCxn id="106" idx="2"/>
+          </p:cNvCxnSpPr>
+          <p:nvPr/>
+        </p:nvCxnSpPr>
+        <p:spPr>
+          <a:xfrm flipV="1">
+            <a:off x="11991737" y="1945887"/>
+            <a:ext cx="0" cy="248673"/>
+          </a:xfrm>
+          <a:prstGeom prst="straightConnector1">
+            <a:avLst/>
+          </a:prstGeom>
+          <a:ln>
+            <a:tailEnd type="triangle"/>
+          </a:ln>
+        </p:spPr>
+        <p:style>
+          <a:lnRef idx="2">
+            <a:schemeClr val="accent1"/>
+          </a:lnRef>
+          <a:fillRef idx="0">
+            <a:schemeClr val="accent1"/>
+          </a:fillRef>
+          <a:effectRef idx="1">
+            <a:schemeClr val="accent1"/>
+          </a:effectRef>
+          <a:fontRef idx="minor">
+            <a:schemeClr val="tx1"/>
+          </a:fontRef>
+        </p:style>
+      </p:cxnSp>
+      <p:sp>
+        <p:nvSpPr>
+          <p:cNvPr id="106" name="TextBox 105">
+            <a:extLst>
+              <a:ext uri="{FF2B5EF4-FFF2-40B4-BE49-F238E27FC236}">
+                <a16:creationId xmlns:a16="http://schemas.microsoft.com/office/drawing/2014/main" id="{FC089FA4-582C-DB02-48F0-8549DB821516}"/>
+              </a:ext>
+            </a:extLst>
+          </p:cNvPr>
+          <p:cNvSpPr txBox="1"/>
+          <p:nvPr/>
+        </p:nvSpPr>
+        <p:spPr>
+          <a:xfrm>
+            <a:off x="11156474" y="736710"/>
+            <a:ext cx="1670525" cy="1209177"/>
+          </a:xfrm>
+          <a:prstGeom prst="rect">
+            <a:avLst/>
+          </a:prstGeom>
+          <a:solidFill>
+            <a:schemeClr val="accent2">
+              <a:lumMod val="40000"/>
+              <a:lumOff val="60000"/>
+            </a:schemeClr>
+          </a:solidFill>
+          <a:ln>
+            <a:solidFill>
+              <a:schemeClr val="tx1"/>
+            </a:solidFill>
+          </a:ln>
+        </p:spPr>
+        <p:txBody>
+          <a:bodyPr wrap="square" rtlCol="0">
+            <a:spAutoFit/>
+          </a:bodyPr>
+          <a:lstStyle/>
+          <a:p>
+            <a:r>
+              <a:rPr lang="en-US" dirty="0"/>
+              <a:t>Custom </a:t>
+            </a:r>
+            <a:r>
+              <a:rPr lang="en-US" dirty="0" err="1"/>
+              <a:t>EEGDash</a:t>
+            </a:r>
+            <a:r>
+              <a:rPr lang="en-US" dirty="0"/>
+              <a:t> processors</a:t>
+            </a:r>
+          </a:p>
+        </p:txBody>
+      </p:sp>
+      <p:sp>
+        <p:nvSpPr>
+          <p:cNvPr id="120" name="TextBox 119">
+            <a:extLst>
+              <a:ext uri="{FF2B5EF4-FFF2-40B4-BE49-F238E27FC236}">
+                <a16:creationId xmlns:a16="http://schemas.microsoft.com/office/drawing/2014/main" id="{65AAA7CB-B0B4-9E06-53A5-B94861BB19FF}"/>
+              </a:ext>
+            </a:extLst>
+          </p:cNvPr>
+          <p:cNvSpPr txBox="1"/>
+          <p:nvPr/>
+        </p:nvSpPr>
+        <p:spPr>
+          <a:xfrm>
+            <a:off x="15023505" y="3440148"/>
+            <a:ext cx="1491538" cy="923330"/>
+          </a:xfrm>
+          <a:prstGeom prst="rect">
+            <a:avLst/>
+          </a:prstGeom>
+          <a:noFill/>
+        </p:spPr>
+        <p:txBody>
+          <a:bodyPr wrap="square">
+            <a:spAutoFit/>
+          </a:bodyPr>
+          <a:lstStyle/>
+          <a:p>
+            <a:r>
+              <a:rPr lang="en-US" dirty="0"/>
+              <a:t>Deep Learning model</a:t>
+            </a:r>
+          </a:p>
+        </p:txBody>
+      </p:sp>
+      <p:sp>
+        <p:nvSpPr>
+          <p:cNvPr id="123" name="TextBox 122">
+            <a:extLst>
+              <a:ext uri="{FF2B5EF4-FFF2-40B4-BE49-F238E27FC236}">
+                <a16:creationId xmlns:a16="http://schemas.microsoft.com/office/drawing/2014/main" id="{5D1997DE-99E3-CF1A-AF7E-9D5EAB6B478B}"/>
+              </a:ext>
+            </a:extLst>
+          </p:cNvPr>
+          <p:cNvSpPr txBox="1"/>
+          <p:nvPr/>
+        </p:nvSpPr>
+        <p:spPr>
+          <a:xfrm>
+            <a:off x="11745806" y="3580952"/>
+            <a:ext cx="1491538" cy="276999"/>
+          </a:xfrm>
+          <a:prstGeom prst="rect">
+            <a:avLst/>
+          </a:prstGeom>
+          <a:noFill/>
+        </p:spPr>
+        <p:txBody>
+          <a:bodyPr wrap="square">
+            <a:spAutoFit/>
+          </a:bodyPr>
+          <a:lstStyle/>
+          <a:p>
+            <a:r>
+              <a:rPr lang="en-US" sz="1200" dirty="0" err="1"/>
+              <a:t>Xarray</a:t>
+            </a:r>
+            <a:endParaRPr lang="en-US" sz="1200" dirty="0"/>
+          </a:p>
+        </p:txBody>
+      </p:sp>
+      <p:sp>
+        <p:nvSpPr>
+          <p:cNvPr id="124" name="TextBox 123">
+            <a:extLst>
+              <a:ext uri="{FF2B5EF4-FFF2-40B4-BE49-F238E27FC236}">
+                <a16:creationId xmlns:a16="http://schemas.microsoft.com/office/drawing/2014/main" id="{F28B5F20-40BB-D499-EAB9-DBA8E4BBF8CE}"/>
+              </a:ext>
+            </a:extLst>
+          </p:cNvPr>
+          <p:cNvSpPr txBox="1"/>
+          <p:nvPr/>
+        </p:nvSpPr>
+        <p:spPr>
+          <a:xfrm rot="16200000">
+            <a:off x="2107507" y="3892734"/>
+            <a:ext cx="1491538" cy="276999"/>
+          </a:xfrm>
+          <a:prstGeom prst="rect">
+            <a:avLst/>
+          </a:prstGeom>
+          <a:noFill/>
+        </p:spPr>
+        <p:txBody>
+          <a:bodyPr wrap="square">
+            <a:spAutoFit/>
+          </a:bodyPr>
+          <a:lstStyle/>
+          <a:p>
+            <a:r>
+              <a:rPr lang="en-US" sz="1200" dirty="0"/>
+              <a:t>S3 reference</a:t>
+            </a:r>
+          </a:p>
+        </p:txBody>
+      </p:sp>
+      <p:sp>
+        <p:nvSpPr>
+          <p:cNvPr id="2" name="TextBox 1">
+            <a:extLst>
+              <a:ext uri="{FF2B5EF4-FFF2-40B4-BE49-F238E27FC236}">
+                <a16:creationId xmlns:a16="http://schemas.microsoft.com/office/drawing/2014/main" id="{6C4B6931-9C6D-625B-93AA-883A7F56C8A5}"/>
+              </a:ext>
+            </a:extLst>
+          </p:cNvPr>
+          <p:cNvSpPr txBox="1"/>
+          <p:nvPr/>
+        </p:nvSpPr>
+        <p:spPr>
+          <a:xfrm>
+            <a:off x="451044" y="-352976"/>
+            <a:ext cx="1412374" cy="464614"/>
+          </a:xfrm>
+          <a:prstGeom prst="rect">
+            <a:avLst/>
+          </a:prstGeom>
+          <a:noFill/>
+        </p:spPr>
+        <p:txBody>
+          <a:bodyPr wrap="none" rtlCol="0">
+            <a:spAutoFit/>
+          </a:bodyPr>
+          <a:lstStyle/>
+          <a:p>
+            <a:r>
+              <a:rPr lang="en-US" dirty="0"/>
+              <a:t>Version 1</a:t>
+            </a:r>
+          </a:p>
+        </p:txBody>
+      </p:sp>
+      <p:sp>
+        <p:nvSpPr>
+          <p:cNvPr id="5" name="TextBox 4">
+            <a:extLst>
+              <a:ext uri="{FF2B5EF4-FFF2-40B4-BE49-F238E27FC236}">
+                <a16:creationId xmlns:a16="http://schemas.microsoft.com/office/drawing/2014/main" id="{97FAEE1C-54ED-EC5E-B793-B9607AB7BCD5}"/>
+              </a:ext>
+            </a:extLst>
+          </p:cNvPr>
+          <p:cNvSpPr txBox="1"/>
+          <p:nvPr/>
+        </p:nvSpPr>
+        <p:spPr>
+          <a:xfrm>
+            <a:off x="2793806" y="1994324"/>
+            <a:ext cx="1170922" cy="954107"/>
+          </a:xfrm>
+          <a:prstGeom prst="rect">
+            <a:avLst/>
+          </a:prstGeom>
+          <a:solidFill>
+            <a:schemeClr val="accent2">
+              <a:lumMod val="40000"/>
+              <a:lumOff val="60000"/>
+            </a:schemeClr>
+          </a:solidFill>
+          <a:ln>
+            <a:solidFill>
+              <a:schemeClr val="tx1"/>
+            </a:solidFill>
+          </a:ln>
+        </p:spPr>
+        <p:txBody>
+          <a:bodyPr wrap="square" rtlCol="0">
+            <a:spAutoFit/>
+          </a:bodyPr>
+          <a:lstStyle/>
+          <a:p>
+            <a:r>
+              <a:rPr lang="en-US" sz="1400" dirty="0" err="1"/>
+              <a:t>Signalstore</a:t>
+            </a:r>
+            <a:endParaRPr lang="en-US" sz="1400" dirty="0"/>
+          </a:p>
+          <a:p>
+            <a:r>
+              <a:rPr lang="en-US" sz="1400" dirty="0"/>
+              <a:t>Writing</a:t>
+            </a:r>
+          </a:p>
+          <a:p>
+            <a:endParaRPr lang="en-US" sz="1400" dirty="0"/>
+          </a:p>
+          <a:p>
+            <a:endParaRPr lang="en-US" sz="1400" dirty="0"/>
+          </a:p>
+        </p:txBody>
+      </p:sp>
+      <p:sp>
+        <p:nvSpPr>
+          <p:cNvPr id="22" name="TextBox 21">
+            <a:extLst>
+              <a:ext uri="{FF2B5EF4-FFF2-40B4-BE49-F238E27FC236}">
+                <a16:creationId xmlns:a16="http://schemas.microsoft.com/office/drawing/2014/main" id="{45E7A7DA-50A4-E28E-F9D8-51F791401306}"/>
+              </a:ext>
+            </a:extLst>
+          </p:cNvPr>
+          <p:cNvSpPr txBox="1"/>
+          <p:nvPr/>
+        </p:nvSpPr>
+        <p:spPr>
+          <a:xfrm>
+            <a:off x="364194" y="3146885"/>
+            <a:ext cx="1881346" cy="369332"/>
+          </a:xfrm>
+          <a:prstGeom prst="rect">
+            <a:avLst/>
+          </a:prstGeom>
+          <a:noFill/>
+          <a:ln>
+            <a:noFill/>
+          </a:ln>
+        </p:spPr>
+        <p:txBody>
+          <a:bodyPr wrap="square" rtlCol="0">
+            <a:spAutoFit/>
+          </a:bodyPr>
+          <a:lstStyle/>
+          <a:p>
+            <a:r>
+              <a:rPr lang="en-US" dirty="0" err="1"/>
+              <a:t>EEGDash</a:t>
+            </a:r>
+            <a:r>
+              <a:rPr lang="en-US" dirty="0"/>
+              <a:t> S3/Zarr</a:t>
+            </a:r>
+          </a:p>
+        </p:txBody>
+      </p:sp>
+      <p:sp>
+        <p:nvSpPr>
+          <p:cNvPr id="69" name="TextBox 68">
+            <a:extLst>
+              <a:ext uri="{FF2B5EF4-FFF2-40B4-BE49-F238E27FC236}">
+                <a16:creationId xmlns:a16="http://schemas.microsoft.com/office/drawing/2014/main" id="{652E6930-8D4D-EDA0-8FEE-FE6211935A88}"/>
+              </a:ext>
+            </a:extLst>
+          </p:cNvPr>
+          <p:cNvSpPr txBox="1"/>
+          <p:nvPr/>
+        </p:nvSpPr>
+        <p:spPr>
+          <a:xfrm>
+            <a:off x="3971964" y="1994324"/>
+            <a:ext cx="1170922" cy="954107"/>
+          </a:xfrm>
+          <a:prstGeom prst="rect">
+            <a:avLst/>
+          </a:prstGeom>
+          <a:solidFill>
+            <a:schemeClr val="accent2">
+              <a:lumMod val="40000"/>
+              <a:lumOff val="60000"/>
+            </a:schemeClr>
+          </a:solidFill>
+          <a:ln>
+            <a:solidFill>
+              <a:schemeClr val="tx1"/>
+            </a:solidFill>
+          </a:ln>
+        </p:spPr>
+        <p:txBody>
+          <a:bodyPr wrap="square" rtlCol="0">
+            <a:spAutoFit/>
+          </a:bodyPr>
+          <a:lstStyle/>
+          <a:p>
+            <a:r>
+              <a:rPr lang="en-US" sz="1400" dirty="0" err="1"/>
+              <a:t>Signalstore</a:t>
+            </a:r>
+            <a:r>
+              <a:rPr lang="en-US" sz="1400" dirty="0"/>
+              <a:t> search and reading into </a:t>
+            </a:r>
+            <a:r>
+              <a:rPr lang="en-US" sz="1400" dirty="0" err="1"/>
+              <a:t>xArray</a:t>
+            </a:r>
+            <a:endParaRPr lang="en-US" sz="1400" dirty="0"/>
+          </a:p>
+        </p:txBody>
+      </p:sp>
+      <p:sp>
+        <p:nvSpPr>
+          <p:cNvPr id="70" name="TextBox 69">
+            <a:extLst>
+              <a:ext uri="{FF2B5EF4-FFF2-40B4-BE49-F238E27FC236}">
+                <a16:creationId xmlns:a16="http://schemas.microsoft.com/office/drawing/2014/main" id="{4FCDC28D-FBCD-8469-5FBB-8C5D267FE42E}"/>
+              </a:ext>
+            </a:extLst>
+          </p:cNvPr>
+          <p:cNvSpPr txBox="1"/>
+          <p:nvPr/>
+        </p:nvSpPr>
+        <p:spPr>
+          <a:xfrm>
+            <a:off x="4332637" y="197916"/>
+            <a:ext cx="1170922" cy="307777"/>
+          </a:xfrm>
+          <a:prstGeom prst="rect">
+            <a:avLst/>
+          </a:prstGeom>
+          <a:solidFill>
+            <a:schemeClr val="bg1"/>
+          </a:solidFill>
+          <a:ln>
+            <a:solidFill>
+              <a:schemeClr val="tx1"/>
+            </a:solidFill>
+          </a:ln>
+        </p:spPr>
+        <p:txBody>
+          <a:bodyPr wrap="square" rtlCol="0">
+            <a:spAutoFit/>
+          </a:bodyPr>
+          <a:lstStyle/>
+          <a:p>
+            <a:r>
+              <a:rPr lang="en-US" sz="1400" dirty="0"/>
+              <a:t>User search</a:t>
+            </a:r>
+          </a:p>
+        </p:txBody>
+      </p:sp>
+      <p:cxnSp>
+        <p:nvCxnSpPr>
+          <p:cNvPr id="71" name="Straight Arrow Connector 70">
+            <a:extLst>
+              <a:ext uri="{FF2B5EF4-FFF2-40B4-BE49-F238E27FC236}">
+                <a16:creationId xmlns:a16="http://schemas.microsoft.com/office/drawing/2014/main" id="{7776BC4C-7CAE-15BD-775F-3C7F7E5D605A}"/>
+              </a:ext>
+            </a:extLst>
+          </p:cNvPr>
+          <p:cNvCxnSpPr>
+            <a:cxnSpLocks/>
+            <a:stCxn id="70" idx="2"/>
+          </p:cNvCxnSpPr>
+          <p:nvPr/>
+        </p:nvCxnSpPr>
+        <p:spPr>
+          <a:xfrm>
+            <a:off x="4918098" y="505693"/>
+            <a:ext cx="0" cy="495793"/>
+          </a:xfrm>
+          <a:prstGeom prst="straightConnector1">
+            <a:avLst/>
+          </a:prstGeom>
+          <a:ln>
+            <a:tailEnd type="triangle"/>
+          </a:ln>
+        </p:spPr>
+        <p:style>
+          <a:lnRef idx="2">
+            <a:schemeClr val="accent1"/>
+          </a:lnRef>
+          <a:fillRef idx="0">
+            <a:schemeClr val="accent1"/>
+          </a:fillRef>
+          <a:effectRef idx="1">
+            <a:schemeClr val="accent1"/>
+          </a:effectRef>
+          <a:fontRef idx="minor">
+            <a:schemeClr val="tx1"/>
+          </a:fontRef>
+        </p:style>
+      </p:cxnSp>
+      <p:sp>
+        <p:nvSpPr>
+          <p:cNvPr id="93" name="Up-Down Arrow 92">
+            <a:extLst>
+              <a:ext uri="{FF2B5EF4-FFF2-40B4-BE49-F238E27FC236}">
+                <a16:creationId xmlns:a16="http://schemas.microsoft.com/office/drawing/2014/main" id="{D7F12596-C2A2-EDBF-BE7F-910CB9B46C52}"/>
+              </a:ext>
+            </a:extLst>
+          </p:cNvPr>
+          <p:cNvSpPr/>
+          <p:nvPr/>
+        </p:nvSpPr>
+        <p:spPr>
+          <a:xfrm rot="18134753">
+            <a:off x="2311963" y="660543"/>
+            <a:ext cx="335955" cy="1302411"/>
+          </a:xfrm>
+          <a:prstGeom prst="upDownArrow">
+            <a:avLst/>
+          </a:prstGeom>
+        </p:spPr>
+        <p:style>
+          <a:lnRef idx="2">
+            <a:schemeClr val="accent3"/>
+          </a:lnRef>
+          <a:fillRef idx="1">
+            <a:schemeClr val="lt1"/>
+          </a:fillRef>
+          <a:effectRef idx="0">
+            <a:schemeClr val="accent3"/>
+          </a:effectRef>
+          <a:fontRef idx="minor">
+            <a:schemeClr val="dk1"/>
+          </a:fontRef>
+        </p:style>
+        <p:txBody>
+          <a:bodyPr rtlCol="0" anchor="ctr"/>
+          <a:lstStyle/>
+          <a:p>
+            <a:pPr algn="ctr"/>
+            <a:endParaRPr lang="en-US"/>
+          </a:p>
+        </p:txBody>
+      </p:sp>
+      <p:sp>
+        <p:nvSpPr>
+          <p:cNvPr id="94" name="Up-Down Arrow 93">
+            <a:extLst>
+              <a:ext uri="{FF2B5EF4-FFF2-40B4-BE49-F238E27FC236}">
+                <a16:creationId xmlns:a16="http://schemas.microsoft.com/office/drawing/2014/main" id="{C712EF75-15DD-DC1F-BD62-B08CF79D1246}"/>
+              </a:ext>
+            </a:extLst>
+          </p:cNvPr>
+          <p:cNvSpPr/>
+          <p:nvPr/>
+        </p:nvSpPr>
+        <p:spPr>
+          <a:xfrm rot="13873584">
+            <a:off x="2113184" y="2853607"/>
+            <a:ext cx="335955" cy="1302411"/>
+          </a:xfrm>
+          <a:prstGeom prst="upDownArrow">
+            <a:avLst/>
+          </a:prstGeom>
+        </p:spPr>
+        <p:style>
+          <a:lnRef idx="2">
+            <a:schemeClr val="accent3"/>
+          </a:lnRef>
+          <a:fillRef idx="1">
+            <a:schemeClr val="lt1"/>
+          </a:fillRef>
+          <a:effectRef idx="0">
+            <a:schemeClr val="accent3"/>
+          </a:effectRef>
+          <a:fontRef idx="minor">
+            <a:schemeClr val="dk1"/>
+          </a:fontRef>
+        </p:style>
+        <p:txBody>
+          <a:bodyPr rtlCol="0" anchor="ctr"/>
+          <a:lstStyle/>
+          <a:p>
+            <a:pPr algn="ctr"/>
+            <a:endParaRPr lang="en-US"/>
+          </a:p>
+        </p:txBody>
+      </p:sp>
+      <p:sp>
+        <p:nvSpPr>
+          <p:cNvPr id="102" name="TextBox 101">
+            <a:extLst>
+              <a:ext uri="{FF2B5EF4-FFF2-40B4-BE49-F238E27FC236}">
+                <a16:creationId xmlns:a16="http://schemas.microsoft.com/office/drawing/2014/main" id="{1F0FA778-4AD8-33BB-146C-73CB9FAFD076}"/>
+              </a:ext>
+            </a:extLst>
+          </p:cNvPr>
+          <p:cNvSpPr txBox="1"/>
+          <p:nvPr/>
+        </p:nvSpPr>
+        <p:spPr>
+          <a:xfrm>
+            <a:off x="3179329" y="3185116"/>
+            <a:ext cx="1225786" cy="261610"/>
+          </a:xfrm>
+          <a:prstGeom prst="rect">
+            <a:avLst/>
+          </a:prstGeom>
+          <a:solidFill>
+            <a:schemeClr val="accent2">
+              <a:lumMod val="40000"/>
+              <a:lumOff val="60000"/>
+            </a:schemeClr>
+          </a:solidFill>
+          <a:ln>
+            <a:solidFill>
+              <a:schemeClr val="tx1"/>
+            </a:solidFill>
+          </a:ln>
+        </p:spPr>
+        <p:txBody>
+          <a:bodyPr wrap="square">
+            <a:spAutoFit/>
+          </a:bodyPr>
+          <a:lstStyle/>
+          <a:p>
+            <a:r>
+              <a:rPr lang="en-US" sz="1100" dirty="0"/>
+              <a:t>NEMAR handling</a:t>
+            </a:r>
+          </a:p>
+        </p:txBody>
+      </p:sp>
+      <p:cxnSp>
+        <p:nvCxnSpPr>
+          <p:cNvPr id="108" name="Straight Arrow Connector 107">
+            <a:extLst>
+              <a:ext uri="{FF2B5EF4-FFF2-40B4-BE49-F238E27FC236}">
+                <a16:creationId xmlns:a16="http://schemas.microsoft.com/office/drawing/2014/main" id="{5FE6ABC2-B199-A3A0-3CDD-275BF6F0D23C}"/>
+              </a:ext>
+            </a:extLst>
+          </p:cNvPr>
+          <p:cNvCxnSpPr>
+            <a:cxnSpLocks/>
+            <a:endCxn id="5" idx="2"/>
+          </p:cNvCxnSpPr>
+          <p:nvPr/>
+        </p:nvCxnSpPr>
+        <p:spPr>
+          <a:xfrm flipV="1">
+            <a:off x="3377102" y="2948431"/>
+            <a:ext cx="2165" cy="236685"/>
+          </a:xfrm>
+          <a:prstGeom prst="straightConnector1">
+            <a:avLst/>
+          </a:prstGeom>
+          <a:ln>
+            <a:tailEnd type="triangle"/>
+          </a:ln>
+        </p:spPr>
+        <p:style>
+          <a:lnRef idx="2">
+            <a:schemeClr val="accent1"/>
+          </a:lnRef>
+          <a:fillRef idx="0">
+            <a:schemeClr val="accent1"/>
+          </a:fillRef>
+          <a:effectRef idx="1">
+            <a:schemeClr val="accent1"/>
+          </a:effectRef>
+          <a:fontRef idx="minor">
+            <a:schemeClr val="tx1"/>
+          </a:fontRef>
+        </p:style>
+      </p:cxnSp>
+      <p:cxnSp>
+        <p:nvCxnSpPr>
+          <p:cNvPr id="113" name="Straight Arrow Connector 112">
+            <a:extLst>
+              <a:ext uri="{FF2B5EF4-FFF2-40B4-BE49-F238E27FC236}">
+                <a16:creationId xmlns:a16="http://schemas.microsoft.com/office/drawing/2014/main" id="{7F716F0B-5EE8-57EC-72EA-F90C480A51CD}"/>
+              </a:ext>
+            </a:extLst>
+          </p:cNvPr>
+          <p:cNvCxnSpPr>
+            <a:cxnSpLocks/>
+            <a:stCxn id="69" idx="3"/>
+          </p:cNvCxnSpPr>
+          <p:nvPr/>
+        </p:nvCxnSpPr>
+        <p:spPr>
+          <a:xfrm>
+            <a:off x="5142886" y="2471378"/>
+            <a:ext cx="2716876" cy="15651"/>
+          </a:xfrm>
+          <a:prstGeom prst="straightConnector1">
+            <a:avLst/>
+          </a:prstGeom>
+          <a:ln>
+            <a:tailEnd type="triangle"/>
+          </a:ln>
+        </p:spPr>
+        <p:style>
+          <a:lnRef idx="2">
+            <a:schemeClr val="accent1"/>
+          </a:lnRef>
+          <a:fillRef idx="0">
+            <a:schemeClr val="accent1"/>
+          </a:fillRef>
+          <a:effectRef idx="1">
+            <a:schemeClr val="accent1"/>
+          </a:effectRef>
+          <a:fontRef idx="minor">
+            <a:schemeClr val="tx1"/>
+          </a:fontRef>
+        </p:style>
+      </p:cxnSp>
+      <p:cxnSp>
+        <p:nvCxnSpPr>
+          <p:cNvPr id="1031" name="Straight Arrow Connector 1030">
+            <a:extLst>
+              <a:ext uri="{FF2B5EF4-FFF2-40B4-BE49-F238E27FC236}">
+                <a16:creationId xmlns:a16="http://schemas.microsoft.com/office/drawing/2014/main" id="{5411970E-5E2D-902C-9F07-F40C0AE1E6AD}"/>
+              </a:ext>
+            </a:extLst>
+          </p:cNvPr>
+          <p:cNvCxnSpPr>
+            <a:cxnSpLocks/>
+          </p:cNvCxnSpPr>
+          <p:nvPr/>
+        </p:nvCxnSpPr>
+        <p:spPr>
+          <a:xfrm flipH="1" flipV="1">
+            <a:off x="3006760" y="5084944"/>
+            <a:ext cx="2263110" cy="41772"/>
+          </a:xfrm>
+          <a:prstGeom prst="straightConnector1">
+            <a:avLst/>
+          </a:prstGeom>
+          <a:ln>
+            <a:tailEnd type="none"/>
+          </a:ln>
+        </p:spPr>
+        <p:style>
+          <a:lnRef idx="2">
+            <a:schemeClr val="accent1"/>
+          </a:lnRef>
+          <a:fillRef idx="0">
+            <a:schemeClr val="accent1"/>
+          </a:fillRef>
+          <a:effectRef idx="1">
+            <a:schemeClr val="accent1"/>
+          </a:effectRef>
+          <a:fontRef idx="minor">
+            <a:schemeClr val="tx1"/>
+          </a:fontRef>
+        </p:style>
+      </p:cxnSp>
+      <p:cxnSp>
+        <p:nvCxnSpPr>
+          <p:cNvPr id="1037" name="Straight Arrow Connector 1036">
+            <a:extLst>
+              <a:ext uri="{FF2B5EF4-FFF2-40B4-BE49-F238E27FC236}">
+                <a16:creationId xmlns:a16="http://schemas.microsoft.com/office/drawing/2014/main" id="{F76CE42E-6BE2-0E21-9CFE-81ED739E4D08}"/>
+              </a:ext>
+            </a:extLst>
+          </p:cNvPr>
+          <p:cNvCxnSpPr>
+            <a:cxnSpLocks/>
+          </p:cNvCxnSpPr>
+          <p:nvPr/>
+        </p:nvCxnSpPr>
+        <p:spPr>
+          <a:xfrm flipH="1" flipV="1">
+            <a:off x="3822469" y="3516217"/>
+            <a:ext cx="39846" cy="1568727"/>
+          </a:xfrm>
+          <a:prstGeom prst="straightConnector1">
+            <a:avLst/>
+          </a:prstGeom>
+          <a:ln>
+            <a:tailEnd type="triangle"/>
+          </a:ln>
+        </p:spPr>
+        <p:style>
+          <a:lnRef idx="2">
+            <a:schemeClr val="accent1"/>
+          </a:lnRef>
+          <a:fillRef idx="0">
+            <a:schemeClr val="accent1"/>
+          </a:fillRef>
+          <a:effectRef idx="1">
+            <a:schemeClr val="accent1"/>
+          </a:effectRef>
+          <a:fontRef idx="minor">
+            <a:schemeClr val="tx1"/>
+          </a:fontRef>
+        </p:style>
+      </p:cxnSp>
+      <p:cxnSp>
+        <p:nvCxnSpPr>
+          <p:cNvPr id="1047" name="Straight Arrow Connector 1046">
+            <a:extLst>
+              <a:ext uri="{FF2B5EF4-FFF2-40B4-BE49-F238E27FC236}">
+                <a16:creationId xmlns:a16="http://schemas.microsoft.com/office/drawing/2014/main" id="{E4BB169C-9B34-E785-8018-EAE8F341C3DD}"/>
+              </a:ext>
+            </a:extLst>
+          </p:cNvPr>
+          <p:cNvCxnSpPr>
+            <a:cxnSpLocks/>
+            <a:endCxn id="1055" idx="3"/>
+          </p:cNvCxnSpPr>
+          <p:nvPr/>
+        </p:nvCxnSpPr>
+        <p:spPr>
+          <a:xfrm flipH="1" flipV="1">
+            <a:off x="6973567" y="3121174"/>
+            <a:ext cx="5089892" cy="26759"/>
+          </a:xfrm>
+          <a:prstGeom prst="straightConnector1">
+            <a:avLst/>
+          </a:prstGeom>
+          <a:ln>
+            <a:tailEnd type="triangle"/>
+          </a:ln>
+        </p:spPr>
+        <p:style>
+          <a:lnRef idx="2">
+            <a:schemeClr val="accent1"/>
+          </a:lnRef>
+          <a:fillRef idx="0">
+            <a:schemeClr val="accent1"/>
+          </a:fillRef>
+          <a:effectRef idx="1">
+            <a:schemeClr val="accent1"/>
+          </a:effectRef>
+          <a:fontRef idx="minor">
+            <a:schemeClr val="tx1"/>
+          </a:fontRef>
+        </p:style>
+      </p:cxnSp>
+      <p:cxnSp>
+        <p:nvCxnSpPr>
+          <p:cNvPr id="1050" name="Straight Arrow Connector 1049">
+            <a:extLst>
+              <a:ext uri="{FF2B5EF4-FFF2-40B4-BE49-F238E27FC236}">
+                <a16:creationId xmlns:a16="http://schemas.microsoft.com/office/drawing/2014/main" id="{44BBDC36-DE32-04A4-4927-081C733FAFA5}"/>
+              </a:ext>
+            </a:extLst>
+          </p:cNvPr>
+          <p:cNvCxnSpPr>
+            <a:cxnSpLocks/>
+            <a:endCxn id="30" idx="2"/>
+          </p:cNvCxnSpPr>
+          <p:nvPr/>
+        </p:nvCxnSpPr>
+        <p:spPr>
+          <a:xfrm flipV="1">
+            <a:off x="12063459" y="2796480"/>
+            <a:ext cx="1" cy="381443"/>
+          </a:xfrm>
+          <a:prstGeom prst="straightConnector1">
+            <a:avLst/>
+          </a:prstGeom>
+          <a:ln>
+            <a:tailEnd type="none"/>
+          </a:ln>
+        </p:spPr>
+        <p:style>
+          <a:lnRef idx="2">
+            <a:schemeClr val="accent1"/>
+          </a:lnRef>
+          <a:fillRef idx="0">
+            <a:schemeClr val="accent1"/>
+          </a:fillRef>
+          <a:effectRef idx="1">
+            <a:schemeClr val="accent1"/>
+          </a:effectRef>
+          <a:fontRef idx="minor">
+            <a:schemeClr val="tx1"/>
+          </a:fontRef>
+        </p:style>
+      </p:cxnSp>
+      <p:sp>
+        <p:nvSpPr>
+          <p:cNvPr id="1055" name="TextBox 1054">
+            <a:extLst>
+              <a:ext uri="{FF2B5EF4-FFF2-40B4-BE49-F238E27FC236}">
+                <a16:creationId xmlns:a16="http://schemas.microsoft.com/office/drawing/2014/main" id="{3855F51D-2708-1A46-7567-97436AF2E59B}"/>
+              </a:ext>
+            </a:extLst>
+          </p:cNvPr>
+          <p:cNvSpPr txBox="1"/>
+          <p:nvPr/>
+        </p:nvSpPr>
+        <p:spPr>
+          <a:xfrm>
+            <a:off x="5634282" y="2859564"/>
+            <a:ext cx="1339285" cy="523220"/>
+          </a:xfrm>
+          <a:prstGeom prst="rect">
+            <a:avLst/>
+          </a:prstGeom>
+          <a:solidFill>
+            <a:schemeClr val="accent2">
+              <a:lumMod val="40000"/>
+              <a:lumOff val="60000"/>
+            </a:schemeClr>
+          </a:solidFill>
+          <a:ln>
+            <a:solidFill>
+              <a:schemeClr val="tx1"/>
+            </a:solidFill>
+          </a:ln>
+        </p:spPr>
+        <p:txBody>
+          <a:bodyPr wrap="square" rtlCol="0">
+            <a:spAutoFit/>
+          </a:bodyPr>
+          <a:lstStyle/>
+          <a:p>
+            <a:r>
+              <a:rPr lang="en-US" sz="1400" dirty="0" err="1"/>
+              <a:t>Xarray</a:t>
+            </a:r>
+            <a:r>
+              <a:rPr lang="en-US" sz="1400" dirty="0"/>
+              <a:t> cache read/write</a:t>
+            </a:r>
+          </a:p>
+        </p:txBody>
+      </p:sp>
+      <p:sp>
+        <p:nvSpPr>
+          <p:cNvPr id="1061" name="Up-Down Arrow 1060">
+            <a:extLst>
+              <a:ext uri="{FF2B5EF4-FFF2-40B4-BE49-F238E27FC236}">
+                <a16:creationId xmlns:a16="http://schemas.microsoft.com/office/drawing/2014/main" id="{755E7547-986B-372F-9EAB-4BA037D0152A}"/>
+              </a:ext>
+            </a:extLst>
+          </p:cNvPr>
+          <p:cNvSpPr/>
+          <p:nvPr/>
+        </p:nvSpPr>
+        <p:spPr>
+          <a:xfrm rot="10800000">
+            <a:off x="5937225" y="3462417"/>
+            <a:ext cx="335955" cy="619623"/>
+          </a:xfrm>
+          <a:prstGeom prst="upDownArrow">
+            <a:avLst/>
+          </a:prstGeom>
+        </p:spPr>
+        <p:style>
+          <a:lnRef idx="2">
+            <a:schemeClr val="accent3"/>
+          </a:lnRef>
+          <a:fillRef idx="1">
+            <a:schemeClr val="lt1"/>
+          </a:fillRef>
+          <a:effectRef idx="0">
+            <a:schemeClr val="accent3"/>
+          </a:effectRef>
+          <a:fontRef idx="minor">
+            <a:schemeClr val="dk1"/>
+          </a:fontRef>
+        </p:style>
+        <p:txBody>
+          <a:bodyPr rtlCol="0" anchor="ctr"/>
+          <a:lstStyle/>
+          <a:p>
+            <a:pPr algn="ctr"/>
+            <a:endParaRPr lang="en-US"/>
+          </a:p>
+        </p:txBody>
+      </p:sp>
+      <p:sp>
+        <p:nvSpPr>
+          <p:cNvPr id="1065" name="TextBox 1064">
+            <a:extLst>
+              <a:ext uri="{FF2B5EF4-FFF2-40B4-BE49-F238E27FC236}">
+                <a16:creationId xmlns:a16="http://schemas.microsoft.com/office/drawing/2014/main" id="{7F9505FA-2479-976B-A5AB-96E04274449F}"/>
+              </a:ext>
+            </a:extLst>
+          </p:cNvPr>
+          <p:cNvSpPr txBox="1"/>
+          <p:nvPr/>
+        </p:nvSpPr>
+        <p:spPr>
+          <a:xfrm>
+            <a:off x="4405115" y="1003793"/>
+            <a:ext cx="1372943" cy="523220"/>
+          </a:xfrm>
+          <a:prstGeom prst="rect">
+            <a:avLst/>
+          </a:prstGeom>
+          <a:solidFill>
+            <a:schemeClr val="accent2">
+              <a:lumMod val="40000"/>
+              <a:lumOff val="60000"/>
+            </a:schemeClr>
+          </a:solidFill>
+          <a:ln>
+            <a:solidFill>
+              <a:schemeClr val="tx1"/>
+            </a:solidFill>
+          </a:ln>
+        </p:spPr>
+        <p:txBody>
+          <a:bodyPr wrap="square" rtlCol="0">
+            <a:spAutoFit/>
+          </a:bodyPr>
+          <a:lstStyle/>
+          <a:p>
+            <a:r>
+              <a:rPr lang="en-US" sz="1400" dirty="0"/>
+              <a:t>Load cache vs </a:t>
+            </a:r>
+            <a:r>
+              <a:rPr lang="en-US" sz="1400" dirty="0" err="1"/>
+              <a:t>signalstore</a:t>
+            </a:r>
+            <a:endParaRPr lang="en-US" sz="1400" dirty="0"/>
+          </a:p>
+        </p:txBody>
+      </p:sp>
+      <p:cxnSp>
+        <p:nvCxnSpPr>
+          <p:cNvPr id="1067" name="Straight Arrow Connector 1066">
+            <a:extLst>
+              <a:ext uri="{FF2B5EF4-FFF2-40B4-BE49-F238E27FC236}">
+                <a16:creationId xmlns:a16="http://schemas.microsoft.com/office/drawing/2014/main" id="{7313D125-354C-DDFE-44E1-A79F816C4D00}"/>
+              </a:ext>
+            </a:extLst>
+          </p:cNvPr>
+          <p:cNvCxnSpPr>
+            <a:cxnSpLocks/>
+          </p:cNvCxnSpPr>
+          <p:nvPr/>
+        </p:nvCxnSpPr>
+        <p:spPr>
+          <a:xfrm>
+            <a:off x="4898104" y="1544946"/>
+            <a:ext cx="0" cy="495793"/>
+          </a:xfrm>
+          <a:prstGeom prst="straightConnector1">
+            <a:avLst/>
+          </a:prstGeom>
+          <a:ln>
+            <a:tailEnd type="triangle"/>
+          </a:ln>
+        </p:spPr>
+        <p:style>
+          <a:lnRef idx="2">
+            <a:schemeClr val="accent1"/>
+          </a:lnRef>
+          <a:fillRef idx="0">
+            <a:schemeClr val="accent1"/>
+          </a:fillRef>
+          <a:effectRef idx="1">
+            <a:schemeClr val="accent1"/>
+          </a:effectRef>
+          <a:fontRef idx="minor">
+            <a:schemeClr val="tx1"/>
+          </a:fontRef>
+        </p:style>
+      </p:cxnSp>
+      <p:cxnSp>
+        <p:nvCxnSpPr>
+          <p:cNvPr id="1068" name="Straight Arrow Connector 1067">
+            <a:extLst>
+              <a:ext uri="{FF2B5EF4-FFF2-40B4-BE49-F238E27FC236}">
+                <a16:creationId xmlns:a16="http://schemas.microsoft.com/office/drawing/2014/main" id="{2096047F-CE8F-E947-8D3A-87E35DF69BE5}"/>
+              </a:ext>
+            </a:extLst>
+          </p:cNvPr>
+          <p:cNvCxnSpPr>
+            <a:cxnSpLocks/>
+            <a:endCxn id="1055" idx="0"/>
+          </p:cNvCxnSpPr>
+          <p:nvPr/>
+        </p:nvCxnSpPr>
+        <p:spPr>
+          <a:xfrm>
+            <a:off x="5503559" y="1544946"/>
+            <a:ext cx="800366" cy="1314618"/>
+          </a:xfrm>
+          <a:prstGeom prst="straightConnector1">
+            <a:avLst/>
+          </a:prstGeom>
+          <a:ln>
+            <a:tailEnd type="triangle"/>
+          </a:ln>
+        </p:spPr>
+        <p:style>
+          <a:lnRef idx="2">
+            <a:schemeClr val="accent1"/>
+          </a:lnRef>
+          <a:fillRef idx="0">
+            <a:schemeClr val="accent1"/>
+          </a:fillRef>
+          <a:effectRef idx="1">
+            <a:schemeClr val="accent1"/>
+          </a:effectRef>
+          <a:fontRef idx="minor">
+            <a:schemeClr val="tx1"/>
+          </a:fontRef>
+        </p:style>
+      </p:cxnSp>
+      <p:cxnSp>
+        <p:nvCxnSpPr>
+          <p:cNvPr id="1070" name="Straight Arrow Connector 1069">
+            <a:extLst>
+              <a:ext uri="{FF2B5EF4-FFF2-40B4-BE49-F238E27FC236}">
+                <a16:creationId xmlns:a16="http://schemas.microsoft.com/office/drawing/2014/main" id="{139AB74C-AFFB-DFBC-F47E-D2AA5E25CEC6}"/>
+              </a:ext>
+            </a:extLst>
+          </p:cNvPr>
+          <p:cNvCxnSpPr>
+            <a:cxnSpLocks/>
+          </p:cNvCxnSpPr>
+          <p:nvPr/>
+        </p:nvCxnSpPr>
+        <p:spPr>
+          <a:xfrm>
+            <a:off x="9285224" y="3469313"/>
+            <a:ext cx="5724484" cy="302915"/>
+          </a:xfrm>
+          <a:prstGeom prst="straightConnector1">
+            <a:avLst/>
+          </a:prstGeom>
+          <a:ln>
+            <a:tailEnd type="triangle"/>
+          </a:ln>
+        </p:spPr>
+        <p:style>
+          <a:lnRef idx="2">
+            <a:schemeClr val="accent1"/>
+          </a:lnRef>
+          <a:fillRef idx="0">
+            <a:schemeClr val="accent1"/>
+          </a:fillRef>
+          <a:effectRef idx="1">
+            <a:schemeClr val="accent1"/>
+          </a:effectRef>
+          <a:fontRef idx="minor">
+            <a:schemeClr val="tx1"/>
+          </a:fontRef>
+        </p:style>
+      </p:cxnSp>
+      <p:cxnSp>
+        <p:nvCxnSpPr>
+          <p:cNvPr id="1072" name="Straight Arrow Connector 1071">
+            <a:extLst>
+              <a:ext uri="{FF2B5EF4-FFF2-40B4-BE49-F238E27FC236}">
+                <a16:creationId xmlns:a16="http://schemas.microsoft.com/office/drawing/2014/main" id="{EFDB0B3D-BD17-5A13-CDE8-2EA6E56C6BC0}"/>
+              </a:ext>
+            </a:extLst>
+          </p:cNvPr>
+          <p:cNvCxnSpPr>
+            <a:cxnSpLocks/>
+            <a:stCxn id="30" idx="3"/>
+          </p:cNvCxnSpPr>
+          <p:nvPr/>
+        </p:nvCxnSpPr>
+        <p:spPr>
+          <a:xfrm>
+            <a:off x="12970444" y="2473315"/>
+            <a:ext cx="2039264" cy="1298913"/>
+          </a:xfrm>
+          <a:prstGeom prst="straightConnector1">
+            <a:avLst/>
+          </a:prstGeom>
+          <a:ln>
+            <a:tailEnd type="triangle"/>
+          </a:ln>
+        </p:spPr>
+        <p:style>
+          <a:lnRef idx="2">
+            <a:schemeClr val="accent1"/>
+          </a:lnRef>
+          <a:fillRef idx="0">
+            <a:schemeClr val="accent1"/>
+          </a:fillRef>
+          <a:effectRef idx="1">
+            <a:schemeClr val="accent1"/>
+          </a:effectRef>
+          <a:fontRef idx="minor">
+            <a:schemeClr val="tx1"/>
+          </a:fontRef>
+        </p:style>
+      </p:cxnSp>
+      <p:sp>
+        <p:nvSpPr>
+          <p:cNvPr id="1077" name="TextBox 1076">
+            <a:extLst>
+              <a:ext uri="{FF2B5EF4-FFF2-40B4-BE49-F238E27FC236}">
+                <a16:creationId xmlns:a16="http://schemas.microsoft.com/office/drawing/2014/main" id="{295EC935-BA6C-AC79-3853-2605596EF2BC}"/>
+              </a:ext>
+            </a:extLst>
+          </p:cNvPr>
+          <p:cNvSpPr txBox="1"/>
+          <p:nvPr/>
+        </p:nvSpPr>
+        <p:spPr>
+          <a:xfrm rot="2090507">
+            <a:off x="13639154" y="3015053"/>
+            <a:ext cx="1491538" cy="276999"/>
+          </a:xfrm>
+          <a:prstGeom prst="rect">
+            <a:avLst/>
+          </a:prstGeom>
+          <a:noFill/>
+        </p:spPr>
+        <p:txBody>
+          <a:bodyPr wrap="square">
+            <a:spAutoFit/>
+          </a:bodyPr>
+          <a:lstStyle/>
+          <a:p>
+            <a:r>
+              <a:rPr lang="en-US" sz="1200" dirty="0" err="1"/>
+              <a:t>BrainDecode</a:t>
+            </a:r>
+            <a:r>
+              <a:rPr lang="en-US" sz="1200" dirty="0"/>
+              <a:t> object</a:t>
+            </a:r>
+          </a:p>
+        </p:txBody>
+      </p:sp>
+      <p:sp>
+        <p:nvSpPr>
+          <p:cNvPr id="1078" name="TextBox 1077">
+            <a:extLst>
+              <a:ext uri="{FF2B5EF4-FFF2-40B4-BE49-F238E27FC236}">
+                <a16:creationId xmlns:a16="http://schemas.microsoft.com/office/drawing/2014/main" id="{D6CB6AEE-683F-CA19-F2F3-3C7ECC25FD75}"/>
+              </a:ext>
+            </a:extLst>
+          </p:cNvPr>
+          <p:cNvSpPr txBox="1"/>
+          <p:nvPr/>
+        </p:nvSpPr>
+        <p:spPr>
+          <a:xfrm>
+            <a:off x="7945939" y="3207756"/>
+            <a:ext cx="1339285" cy="523220"/>
+          </a:xfrm>
+          <a:prstGeom prst="rect">
+            <a:avLst/>
+          </a:prstGeom>
+          <a:solidFill>
+            <a:schemeClr val="accent2">
+              <a:lumMod val="40000"/>
+              <a:lumOff val="60000"/>
+            </a:schemeClr>
+          </a:solidFill>
+          <a:ln>
+            <a:solidFill>
+              <a:schemeClr val="tx1"/>
+            </a:solidFill>
+          </a:ln>
+        </p:spPr>
+        <p:txBody>
+          <a:bodyPr wrap="square" rtlCol="0">
+            <a:spAutoFit/>
+          </a:bodyPr>
+          <a:lstStyle/>
+          <a:p>
+            <a:r>
+              <a:rPr lang="en-US" sz="1400" dirty="0" err="1"/>
+              <a:t>Xarray</a:t>
+            </a:r>
+            <a:r>
+              <a:rPr lang="en-US" sz="1400" dirty="0"/>
+              <a:t> to </a:t>
+            </a:r>
+          </a:p>
+          <a:p>
+            <a:r>
+              <a:rPr lang="en-US" sz="1400" dirty="0" err="1"/>
+              <a:t>Pytorch</a:t>
+            </a:r>
+            <a:endParaRPr lang="en-US" sz="1400" dirty="0"/>
+          </a:p>
+        </p:txBody>
+      </p:sp>
+      <p:cxnSp>
+        <p:nvCxnSpPr>
+          <p:cNvPr id="1080" name="Straight Arrow Connector 1079">
+            <a:extLst>
+              <a:ext uri="{FF2B5EF4-FFF2-40B4-BE49-F238E27FC236}">
+                <a16:creationId xmlns:a16="http://schemas.microsoft.com/office/drawing/2014/main" id="{89DD13E4-F3AA-E35B-CFAB-18A59899581A}"/>
+              </a:ext>
+            </a:extLst>
+          </p:cNvPr>
+          <p:cNvCxnSpPr>
+            <a:cxnSpLocks/>
+            <a:endCxn id="1078" idx="1"/>
+          </p:cNvCxnSpPr>
+          <p:nvPr/>
+        </p:nvCxnSpPr>
+        <p:spPr>
+          <a:xfrm>
+            <a:off x="6973567" y="3164528"/>
+            <a:ext cx="972372" cy="304838"/>
+          </a:xfrm>
+          <a:prstGeom prst="straightConnector1">
+            <a:avLst/>
+          </a:prstGeom>
+          <a:ln>
+            <a:tailEnd type="triangle"/>
+          </a:ln>
+        </p:spPr>
+        <p:style>
+          <a:lnRef idx="2">
+            <a:schemeClr val="accent1"/>
+          </a:lnRef>
+          <a:fillRef idx="0">
+            <a:schemeClr val="accent1"/>
+          </a:fillRef>
+          <a:effectRef idx="1">
+            <a:schemeClr val="accent1"/>
+          </a:effectRef>
+          <a:fontRef idx="minor">
+            <a:schemeClr val="tx1"/>
+          </a:fontRef>
+        </p:style>
+      </p:cxnSp>
+    </p:spTree>
+    <p:extLst>
+      <p:ext uri="{BB962C8B-B14F-4D97-AF65-F5344CB8AC3E}">
+        <p14:creationId xmlns:p14="http://schemas.microsoft.com/office/powerpoint/2010/main" val="1125699336"/>
+      </p:ext>
+    </p:extLst>
+  </p:cSld>
+  <p:clrMapOvr>
+    <a:masterClrMapping/>
+  </p:clrMapOvr>
+</p:sld>
+</file>
+
+<file path=ppt/slides/slide3.xml><?xml version="1.0" encoding="utf-8"?>
+<p:sld xmlns:a="http://schemas.openxmlformats.org/drawingml/2006/main" xmlns:r="http://schemas.openxmlformats.org/officeDocument/2006/relationships" xmlns:p="http://schemas.openxmlformats.org/presentationml/2006/main">
+  <p:cSld>
+    <p:spTree>
+      <p:nvGrpSpPr>
+        <p:cNvPr id="1" name="">
+          <a:extLst>
+            <a:ext uri="{FF2B5EF4-FFF2-40B4-BE49-F238E27FC236}">
+              <a16:creationId xmlns:a16="http://schemas.microsoft.com/office/drawing/2014/main" id="{D8F3FD5E-222B-5D77-A521-A48211C170AA}"/>
+            </a:ext>
+          </a:extLst>
+        </p:cNvPr>
+        <p:cNvGrpSpPr/>
+        <p:nvPr/>
+      </p:nvGrpSpPr>
+      <p:grpSpPr>
+        <a:xfrm>
+          <a:off x="0" y="0"/>
+          <a:ext cx="0" cy="0"/>
+          <a:chOff x="0" y="0"/>
+          <a:chExt cx="0" cy="0"/>
+        </a:xfrm>
+      </p:grpSpPr>
+      <p:sp>
+        <p:nvSpPr>
+          <p:cNvPr id="116" name="Rectangle 115">
+            <a:extLst>
+              <a:ext uri="{FF2B5EF4-FFF2-40B4-BE49-F238E27FC236}">
+                <a16:creationId xmlns:a16="http://schemas.microsoft.com/office/drawing/2014/main" id="{EF1C77AA-FCF0-CB06-130E-BFA2291B2579}"/>
+              </a:ext>
+            </a:extLst>
+          </p:cNvPr>
+          <p:cNvSpPr/>
+          <p:nvPr/>
+        </p:nvSpPr>
+        <p:spPr>
+          <a:xfrm>
+            <a:off x="11011882" y="1627755"/>
+            <a:ext cx="2445149" cy="1353338"/>
+          </a:xfrm>
+          <a:prstGeom prst="rect">
+            <a:avLst/>
+          </a:prstGeom>
+          <a:solidFill>
+            <a:schemeClr val="accent2">
+              <a:lumMod val="20000"/>
+              <a:lumOff val="80000"/>
+            </a:schemeClr>
+          </a:solidFill>
+        </p:spPr>
+        <p:style>
+          <a:lnRef idx="2">
+            <a:schemeClr val="accent1">
+              <a:shade val="15000"/>
+            </a:schemeClr>
+          </a:lnRef>
+          <a:fillRef idx="1">
+            <a:schemeClr val="accent1"/>
+          </a:fillRef>
+          <a:effectRef idx="0">
+            <a:schemeClr val="accent1"/>
+          </a:effectRef>
+          <a:fontRef idx="minor">
+            <a:schemeClr val="lt1"/>
+          </a:fontRef>
+        </p:style>
+        <p:txBody>
+          <a:bodyPr rtlCol="0" anchor="ctr"/>
+          <a:lstStyle/>
+          <a:p>
+            <a:pPr algn="ctr"/>
+            <a:endParaRPr lang="en-US" dirty="0"/>
+          </a:p>
+        </p:txBody>
+      </p:sp>
+      <p:sp>
+        <p:nvSpPr>
+          <p:cNvPr id="115" name="Rectangle 114">
+            <a:extLst>
+              <a:ext uri="{FF2B5EF4-FFF2-40B4-BE49-F238E27FC236}">
+                <a16:creationId xmlns:a16="http://schemas.microsoft.com/office/drawing/2014/main" id="{3562FB41-AB5A-3DE8-6A5E-AD7A03B37AC4}"/>
+              </a:ext>
+            </a:extLst>
+          </p:cNvPr>
+          <p:cNvSpPr/>
+          <p:nvPr/>
+        </p:nvSpPr>
+        <p:spPr>
+          <a:xfrm>
+            <a:off x="5071499" y="1627755"/>
+            <a:ext cx="5940383" cy="3851207"/>
+          </a:xfrm>
+          <a:prstGeom prst="rect">
+            <a:avLst/>
+          </a:prstGeom>
+          <a:solidFill>
+            <a:schemeClr val="accent2">
+              <a:lumMod val="20000"/>
+              <a:lumOff val="80000"/>
+            </a:schemeClr>
+          </a:solidFill>
+        </p:spPr>
+        <p:style>
+          <a:lnRef idx="2">
+            <a:schemeClr val="accent1">
+              <a:shade val="15000"/>
+            </a:schemeClr>
+          </a:lnRef>
+          <a:fillRef idx="1">
+            <a:schemeClr val="accent1"/>
+          </a:fillRef>
+          <a:effectRef idx="0">
+            <a:schemeClr val="accent1"/>
+          </a:effectRef>
+          <a:fontRef idx="minor">
+            <a:schemeClr val="lt1"/>
+          </a:fontRef>
+        </p:style>
+        <p:txBody>
+          <a:bodyPr rtlCol="0" anchor="ctr"/>
+          <a:lstStyle/>
+          <a:p>
+            <a:pPr algn="ctr"/>
+            <a:endParaRPr lang="en-US" dirty="0"/>
+          </a:p>
+        </p:txBody>
+      </p:sp>
+      <p:sp>
+        <p:nvSpPr>
+          <p:cNvPr id="4" name="TextBox 3">
+            <a:extLst>
+              <a:ext uri="{FF2B5EF4-FFF2-40B4-BE49-F238E27FC236}">
+                <a16:creationId xmlns:a16="http://schemas.microsoft.com/office/drawing/2014/main" id="{C49DD572-2DC6-AC21-6D74-385EA2E80609}"/>
+              </a:ext>
+            </a:extLst>
+          </p:cNvPr>
+          <p:cNvSpPr txBox="1"/>
+          <p:nvPr/>
+        </p:nvSpPr>
+        <p:spPr>
+          <a:xfrm>
+            <a:off x="2276303" y="4005691"/>
+            <a:ext cx="2476594" cy="1209177"/>
+          </a:xfrm>
+          <a:prstGeom prst="rect">
+            <a:avLst/>
+          </a:prstGeom>
+          <a:noFill/>
+          <a:ln>
+            <a:solidFill>
+              <a:schemeClr val="accent1"/>
+            </a:solidFill>
+          </a:ln>
+        </p:spPr>
+        <p:txBody>
+          <a:bodyPr wrap="square" rtlCol="0">
+            <a:spAutoFit/>
+          </a:bodyPr>
+          <a:lstStyle/>
+          <a:p>
+            <a:r>
+              <a:rPr lang="en-US" dirty="0"/>
+              <a:t>S3 raw/preprocessed dataset BIDS</a:t>
+            </a:r>
+          </a:p>
+        </p:txBody>
+      </p:sp>
+      <p:cxnSp>
+        <p:nvCxnSpPr>
+          <p:cNvPr id="7" name="Straight Arrow Connector 6">
+            <a:extLst>
+              <a:ext uri="{FF2B5EF4-FFF2-40B4-BE49-F238E27FC236}">
+                <a16:creationId xmlns:a16="http://schemas.microsoft.com/office/drawing/2014/main" id="{94C6D76C-25CB-D90E-9754-ED5E2E7BFFAE}"/>
+              </a:ext>
+            </a:extLst>
+          </p:cNvPr>
+          <p:cNvCxnSpPr>
+            <a:cxnSpLocks/>
+            <a:stCxn id="4" idx="3"/>
+          </p:cNvCxnSpPr>
+          <p:nvPr/>
+        </p:nvCxnSpPr>
+        <p:spPr>
+          <a:xfrm flipV="1">
+            <a:off x="4752898" y="3662649"/>
+            <a:ext cx="2474715" cy="947630"/>
+          </a:xfrm>
+          <a:prstGeom prst="straightConnector1">
+            <a:avLst/>
+          </a:prstGeom>
+          <a:ln>
+            <a:tailEnd type="triangle"/>
+          </a:ln>
+        </p:spPr>
+        <p:style>
+          <a:lnRef idx="2">
+            <a:schemeClr val="accent1"/>
+          </a:lnRef>
+          <a:fillRef idx="0">
+            <a:schemeClr val="accent1"/>
+          </a:fillRef>
+          <a:effectRef idx="1">
+            <a:schemeClr val="accent1"/>
+          </a:effectRef>
+          <a:fontRef idx="minor">
+            <a:schemeClr val="tx1"/>
+          </a:fontRef>
+        </p:style>
+      </p:cxnSp>
+      <p:sp>
+        <p:nvSpPr>
+          <p:cNvPr id="10" name="TextBox 9">
+            <a:extLst>
+              <a:ext uri="{FF2B5EF4-FFF2-40B4-BE49-F238E27FC236}">
+                <a16:creationId xmlns:a16="http://schemas.microsoft.com/office/drawing/2014/main" id="{A958D6D5-667B-0950-8615-972021FE3184}"/>
+              </a:ext>
+            </a:extLst>
+          </p:cNvPr>
+          <p:cNvSpPr txBox="1"/>
+          <p:nvPr/>
+        </p:nvSpPr>
+        <p:spPr>
+          <a:xfrm>
+            <a:off x="7043794" y="3072344"/>
+            <a:ext cx="2554015" cy="954107"/>
+          </a:xfrm>
+          <a:prstGeom prst="rect">
+            <a:avLst/>
+          </a:prstGeom>
+          <a:solidFill>
+            <a:schemeClr val="accent2">
+              <a:lumMod val="40000"/>
+              <a:lumOff val="60000"/>
+            </a:schemeClr>
+          </a:solidFill>
+          <a:ln>
+            <a:solidFill>
+              <a:schemeClr val="tx1"/>
+            </a:solidFill>
+          </a:ln>
+        </p:spPr>
+        <p:txBody>
+          <a:bodyPr wrap="square" rtlCol="0">
+            <a:spAutoFit/>
+          </a:bodyPr>
+          <a:lstStyle/>
+          <a:p>
+            <a:r>
+              <a:rPr lang="en-US" sz="1400" dirty="0"/>
+              <a:t>Modify </a:t>
+            </a:r>
+            <a:r>
+              <a:rPr lang="en-US" sz="1400" dirty="0" err="1"/>
+              <a:t>HBNDataset</a:t>
+            </a:r>
+            <a:r>
+              <a:rPr lang="en-US" sz="1400" dirty="0"/>
+              <a:t> class of </a:t>
+            </a:r>
+            <a:r>
+              <a:rPr lang="en-US" sz="1400" dirty="0" err="1"/>
+              <a:t>eeg-ssl</a:t>
+            </a:r>
+            <a:r>
+              <a:rPr lang="en-US" sz="1400" dirty="0"/>
+              <a:t> to process single datasets for </a:t>
+            </a:r>
+            <a:r>
+              <a:rPr lang="en-US" sz="1400" dirty="0" err="1"/>
+              <a:t>braindecode</a:t>
+            </a:r>
+            <a:r>
+              <a:rPr lang="en-US" sz="1400" dirty="0"/>
+              <a:t> (call it </a:t>
+            </a:r>
+            <a:r>
+              <a:rPr lang="en-US" sz="1400" dirty="0" err="1"/>
+              <a:t>EEGDashDataset</a:t>
+            </a:r>
+            <a:r>
+              <a:rPr lang="en-US" sz="1400" dirty="0"/>
+              <a:t> class)</a:t>
+            </a:r>
+          </a:p>
+        </p:txBody>
+      </p:sp>
+      <p:sp>
+        <p:nvSpPr>
+          <p:cNvPr id="19" name="TextBox 18">
+            <a:extLst>
+              <a:ext uri="{FF2B5EF4-FFF2-40B4-BE49-F238E27FC236}">
+                <a16:creationId xmlns:a16="http://schemas.microsoft.com/office/drawing/2014/main" id="{D4F2237A-6D67-C861-1DC0-2A30CDD1AF73}"/>
+              </a:ext>
+            </a:extLst>
+          </p:cNvPr>
+          <p:cNvSpPr txBox="1"/>
+          <p:nvPr/>
+        </p:nvSpPr>
+        <p:spPr>
+          <a:xfrm>
+            <a:off x="7439979" y="4600365"/>
+            <a:ext cx="1975944" cy="738664"/>
+          </a:xfrm>
+          <a:prstGeom prst="rect">
+            <a:avLst/>
+          </a:prstGeom>
+          <a:solidFill>
+            <a:schemeClr val="accent2">
+              <a:lumMod val="40000"/>
+              <a:lumOff val="60000"/>
+            </a:schemeClr>
+          </a:solidFill>
+          <a:ln>
+            <a:solidFill>
+              <a:schemeClr val="accent1"/>
+            </a:solidFill>
+          </a:ln>
+        </p:spPr>
+        <p:txBody>
+          <a:bodyPr wrap="square" rtlCol="0">
+            <a:spAutoFit/>
+          </a:bodyPr>
+          <a:lstStyle/>
+          <a:p>
+            <a:r>
+              <a:rPr lang="en-US" sz="1400" dirty="0"/>
+              <a:t>Transfer datasets or load from cache (if not on disk)</a:t>
+            </a:r>
+          </a:p>
+        </p:txBody>
+      </p:sp>
+      <p:cxnSp>
+        <p:nvCxnSpPr>
+          <p:cNvPr id="21" name="Straight Arrow Connector 20">
+            <a:extLst>
+              <a:ext uri="{FF2B5EF4-FFF2-40B4-BE49-F238E27FC236}">
+                <a16:creationId xmlns:a16="http://schemas.microsoft.com/office/drawing/2014/main" id="{3EB644E6-2F1C-3CC9-D78C-117577B1CAE8}"/>
+              </a:ext>
+            </a:extLst>
+          </p:cNvPr>
+          <p:cNvCxnSpPr>
+            <a:cxnSpLocks/>
+          </p:cNvCxnSpPr>
+          <p:nvPr/>
+        </p:nvCxnSpPr>
+        <p:spPr>
+          <a:xfrm>
+            <a:off x="8337897" y="4026451"/>
+            <a:ext cx="0" cy="573915"/>
+          </a:xfrm>
+          <a:prstGeom prst="straightConnector1">
+            <a:avLst/>
+          </a:prstGeom>
+          <a:ln>
+            <a:headEnd type="triangle"/>
+            <a:tailEnd type="triangle"/>
+          </a:ln>
+        </p:spPr>
+        <p:style>
+          <a:lnRef idx="2">
+            <a:schemeClr val="accent1"/>
+          </a:lnRef>
+          <a:fillRef idx="0">
+            <a:schemeClr val="accent1"/>
+          </a:fillRef>
+          <a:effectRef idx="1">
+            <a:schemeClr val="accent1"/>
+          </a:effectRef>
+          <a:fontRef idx="minor">
+            <a:schemeClr val="tx1"/>
+          </a:fontRef>
+        </p:style>
+      </p:cxnSp>
+      <p:cxnSp>
+        <p:nvCxnSpPr>
+          <p:cNvPr id="27" name="Straight Arrow Connector 26">
+            <a:extLst>
+              <a:ext uri="{FF2B5EF4-FFF2-40B4-BE49-F238E27FC236}">
+                <a16:creationId xmlns:a16="http://schemas.microsoft.com/office/drawing/2014/main" id="{32079F7B-D3CE-EB17-FDE1-6E008FC00193}"/>
+              </a:ext>
+            </a:extLst>
+          </p:cNvPr>
+          <p:cNvCxnSpPr>
+            <a:cxnSpLocks/>
+            <a:endCxn id="30" idx="1"/>
+          </p:cNvCxnSpPr>
+          <p:nvPr/>
+        </p:nvCxnSpPr>
+        <p:spPr>
+          <a:xfrm>
+            <a:off x="9636154" y="3496061"/>
+            <a:ext cx="1900594" cy="281423"/>
+          </a:xfrm>
+          <a:prstGeom prst="straightConnector1">
+            <a:avLst/>
+          </a:prstGeom>
+          <a:ln>
+            <a:tailEnd type="triangle"/>
+          </a:ln>
+        </p:spPr>
+        <p:style>
+          <a:lnRef idx="2">
+            <a:schemeClr val="accent1"/>
+          </a:lnRef>
+          <a:fillRef idx="0">
+            <a:schemeClr val="accent1"/>
+          </a:fillRef>
+          <a:effectRef idx="1">
+            <a:schemeClr val="accent1"/>
+          </a:effectRef>
+          <a:fontRef idx="minor">
+            <a:schemeClr val="tx1"/>
+          </a:fontRef>
+        </p:style>
+      </p:cxnSp>
+      <p:sp>
+        <p:nvSpPr>
+          <p:cNvPr id="30" name="TextBox 29">
+            <a:extLst>
+              <a:ext uri="{FF2B5EF4-FFF2-40B4-BE49-F238E27FC236}">
+                <a16:creationId xmlns:a16="http://schemas.microsoft.com/office/drawing/2014/main" id="{84B079F3-1311-3703-9590-9D81DCE44AFE}"/>
+              </a:ext>
+            </a:extLst>
+          </p:cNvPr>
+          <p:cNvSpPr txBox="1"/>
+          <p:nvPr/>
+        </p:nvSpPr>
+        <p:spPr>
+          <a:xfrm>
+            <a:off x="11536749" y="3172895"/>
+            <a:ext cx="1670525" cy="1209177"/>
+          </a:xfrm>
+          <a:prstGeom prst="rect">
+            <a:avLst/>
+          </a:prstGeom>
+          <a:solidFill>
+            <a:schemeClr val="bg1"/>
+          </a:solidFill>
+          <a:ln>
+            <a:solidFill>
+              <a:schemeClr val="tx1"/>
+            </a:solidFill>
+          </a:ln>
+        </p:spPr>
+        <p:txBody>
+          <a:bodyPr wrap="square" rtlCol="0">
+            <a:spAutoFit/>
+          </a:bodyPr>
+          <a:lstStyle/>
+          <a:p>
+            <a:r>
+              <a:rPr lang="en-US" dirty="0" err="1"/>
+              <a:t>BrainDecode</a:t>
+            </a:r>
+            <a:r>
+              <a:rPr lang="en-US" dirty="0"/>
+              <a:t> Processor</a:t>
+            </a:r>
+          </a:p>
+        </p:txBody>
+      </p:sp>
+      <p:sp>
+        <p:nvSpPr>
+          <p:cNvPr id="89" name="TextBox 88">
+            <a:extLst>
+              <a:ext uri="{FF2B5EF4-FFF2-40B4-BE49-F238E27FC236}">
+                <a16:creationId xmlns:a16="http://schemas.microsoft.com/office/drawing/2014/main" id="{49D76128-091F-5AB6-EEA5-364C0C80A546}"/>
+              </a:ext>
+            </a:extLst>
+          </p:cNvPr>
+          <p:cNvSpPr txBox="1"/>
+          <p:nvPr/>
+        </p:nvSpPr>
+        <p:spPr>
+          <a:xfrm>
+            <a:off x="8129473" y="1280160"/>
+            <a:ext cx="1553502" cy="464614"/>
+          </a:xfrm>
+          <a:prstGeom prst="rect">
+            <a:avLst/>
+          </a:prstGeom>
+          <a:noFill/>
+        </p:spPr>
+        <p:txBody>
+          <a:bodyPr wrap="none" rtlCol="0">
+            <a:spAutoFit/>
+          </a:bodyPr>
+          <a:lstStyle/>
+          <a:p>
+            <a:r>
+              <a:rPr lang="en-US" dirty="0"/>
+              <a:t>EEG-Dash</a:t>
+            </a:r>
+          </a:p>
+        </p:txBody>
+      </p:sp>
+      <p:sp>
+        <p:nvSpPr>
+          <p:cNvPr id="95" name="TextBox 94">
+            <a:extLst>
+              <a:ext uri="{FF2B5EF4-FFF2-40B4-BE49-F238E27FC236}">
+                <a16:creationId xmlns:a16="http://schemas.microsoft.com/office/drawing/2014/main" id="{B485B69F-A009-0C9D-8126-7F24D6C37E17}"/>
+              </a:ext>
+            </a:extLst>
+          </p:cNvPr>
+          <p:cNvSpPr txBox="1"/>
+          <p:nvPr/>
+        </p:nvSpPr>
+        <p:spPr>
+          <a:xfrm>
+            <a:off x="2460039" y="1840351"/>
+            <a:ext cx="1804655" cy="1209177"/>
+          </a:xfrm>
+          <a:prstGeom prst="rect">
+            <a:avLst/>
+          </a:prstGeom>
+          <a:noFill/>
+          <a:ln>
+            <a:solidFill>
+              <a:schemeClr val="accent1"/>
+            </a:solidFill>
+          </a:ln>
+        </p:spPr>
+        <p:txBody>
+          <a:bodyPr wrap="square" rtlCol="0">
+            <a:spAutoFit/>
+          </a:bodyPr>
+          <a:lstStyle/>
+          <a:p>
+            <a:r>
+              <a:rPr lang="en-US" dirty="0"/>
+              <a:t>Metadata from </a:t>
+            </a:r>
+            <a:r>
+              <a:rPr lang="en-US" dirty="0" err="1"/>
+              <a:t>GraphQL</a:t>
+            </a:r>
+            <a:endParaRPr lang="en-US" dirty="0"/>
+          </a:p>
+        </p:txBody>
+      </p:sp>
+      <p:cxnSp>
+        <p:nvCxnSpPr>
+          <p:cNvPr id="97" name="Straight Arrow Connector 96">
+            <a:extLst>
+              <a:ext uri="{FF2B5EF4-FFF2-40B4-BE49-F238E27FC236}">
+                <a16:creationId xmlns:a16="http://schemas.microsoft.com/office/drawing/2014/main" id="{AC59A3CD-3945-5BC4-3E4D-2791771CE615}"/>
+              </a:ext>
+            </a:extLst>
+          </p:cNvPr>
+          <p:cNvCxnSpPr>
+            <a:cxnSpLocks/>
+            <a:stCxn id="95" idx="2"/>
+          </p:cNvCxnSpPr>
+          <p:nvPr/>
+        </p:nvCxnSpPr>
+        <p:spPr>
+          <a:xfrm>
+            <a:off x="3362367" y="3049527"/>
+            <a:ext cx="3643081" cy="258128"/>
+          </a:xfrm>
+          <a:prstGeom prst="straightConnector1">
+            <a:avLst/>
+          </a:prstGeom>
+          <a:ln>
+            <a:tailEnd type="triangle"/>
+          </a:ln>
+        </p:spPr>
+        <p:style>
+          <a:lnRef idx="2">
+            <a:schemeClr val="accent1"/>
+          </a:lnRef>
+          <a:fillRef idx="0">
+            <a:schemeClr val="accent1"/>
+          </a:fillRef>
+          <a:effectRef idx="1">
+            <a:schemeClr val="accent1"/>
+          </a:effectRef>
+          <a:fontRef idx="minor">
+            <a:schemeClr val="tx1"/>
+          </a:fontRef>
+        </p:style>
+      </p:cxnSp>
+      <p:sp>
+        <p:nvSpPr>
+          <p:cNvPr id="104" name="TextBox 103">
+            <a:extLst>
+              <a:ext uri="{FF2B5EF4-FFF2-40B4-BE49-F238E27FC236}">
+                <a16:creationId xmlns:a16="http://schemas.microsoft.com/office/drawing/2014/main" id="{F5DEB535-A64F-6B2B-68E9-1A7A10E76913}"/>
+              </a:ext>
+            </a:extLst>
+          </p:cNvPr>
+          <p:cNvSpPr txBox="1"/>
+          <p:nvPr/>
+        </p:nvSpPr>
+        <p:spPr>
+          <a:xfrm>
+            <a:off x="9755772" y="3510169"/>
+            <a:ext cx="1491538" cy="461665"/>
+          </a:xfrm>
+          <a:prstGeom prst="rect">
+            <a:avLst/>
+          </a:prstGeom>
+          <a:noFill/>
+        </p:spPr>
+        <p:txBody>
+          <a:bodyPr wrap="square">
+            <a:spAutoFit/>
+          </a:bodyPr>
+          <a:lstStyle/>
+          <a:p>
+            <a:r>
+              <a:rPr lang="en-US" sz="1200" dirty="0" err="1"/>
+              <a:t>BrainDecode</a:t>
+            </a:r>
+            <a:r>
+              <a:rPr lang="en-US" sz="1200" dirty="0"/>
+              <a:t> Object</a:t>
+            </a:r>
+          </a:p>
+        </p:txBody>
+      </p:sp>
+      <p:cxnSp>
+        <p:nvCxnSpPr>
+          <p:cNvPr id="107" name="Straight Arrow Connector 106">
+            <a:extLst>
+              <a:ext uri="{FF2B5EF4-FFF2-40B4-BE49-F238E27FC236}">
+                <a16:creationId xmlns:a16="http://schemas.microsoft.com/office/drawing/2014/main" id="{404EB217-8E84-AAEA-D624-B56A81E24B93}"/>
+              </a:ext>
+            </a:extLst>
+          </p:cNvPr>
+          <p:cNvCxnSpPr>
+            <a:cxnSpLocks/>
+            <a:stCxn id="30" idx="0"/>
+            <a:endCxn id="106" idx="2"/>
+          </p:cNvCxnSpPr>
+          <p:nvPr/>
+        </p:nvCxnSpPr>
+        <p:spPr>
+          <a:xfrm flipH="1" flipV="1">
+            <a:off x="12372011" y="2968632"/>
+            <a:ext cx="1" cy="204262"/>
+          </a:xfrm>
+          <a:prstGeom prst="straightConnector1">
+            <a:avLst/>
+          </a:prstGeom>
+          <a:ln>
+            <a:tailEnd type="triangle"/>
+          </a:ln>
+        </p:spPr>
+        <p:style>
+          <a:lnRef idx="2">
+            <a:schemeClr val="accent1"/>
+          </a:lnRef>
+          <a:fillRef idx="0">
+            <a:schemeClr val="accent1"/>
+          </a:fillRef>
+          <a:effectRef idx="1">
+            <a:schemeClr val="accent1"/>
+          </a:effectRef>
+          <a:fontRef idx="minor">
+            <a:schemeClr val="tx1"/>
+          </a:fontRef>
+        </p:style>
+      </p:cxnSp>
+      <p:sp>
+        <p:nvSpPr>
+          <p:cNvPr id="117" name="Rectangle 116">
+            <a:extLst>
+              <a:ext uri="{FF2B5EF4-FFF2-40B4-BE49-F238E27FC236}">
+                <a16:creationId xmlns:a16="http://schemas.microsoft.com/office/drawing/2014/main" id="{15693177-5641-F077-7FB7-07D45AFB88E9}"/>
+              </a:ext>
+            </a:extLst>
+          </p:cNvPr>
+          <p:cNvSpPr/>
+          <p:nvPr/>
+        </p:nvSpPr>
+        <p:spPr>
+          <a:xfrm>
+            <a:off x="9891394" y="1641862"/>
+            <a:ext cx="2445149" cy="1325120"/>
+          </a:xfrm>
+          <a:prstGeom prst="rect">
+            <a:avLst/>
+          </a:prstGeom>
+          <a:solidFill>
+            <a:schemeClr val="accent2">
+              <a:lumMod val="20000"/>
+              <a:lumOff val="80000"/>
+            </a:schemeClr>
+          </a:solidFill>
+          <a:ln>
+            <a:noFill/>
+          </a:ln>
+        </p:spPr>
+        <p:style>
+          <a:lnRef idx="2">
+            <a:schemeClr val="accent1">
+              <a:shade val="15000"/>
+            </a:schemeClr>
+          </a:lnRef>
+          <a:fillRef idx="1">
+            <a:schemeClr val="accent1"/>
+          </a:fillRef>
+          <a:effectRef idx="0">
+            <a:schemeClr val="accent1"/>
+          </a:effectRef>
+          <a:fontRef idx="minor">
+            <a:schemeClr val="lt1"/>
+          </a:fontRef>
+        </p:style>
+        <p:txBody>
+          <a:bodyPr rtlCol="0" anchor="ctr"/>
+          <a:lstStyle/>
+          <a:p>
+            <a:pPr algn="ctr"/>
+            <a:endParaRPr lang="en-US" dirty="0"/>
+          </a:p>
+        </p:txBody>
+      </p:sp>
+      <p:sp>
+        <p:nvSpPr>
+          <p:cNvPr id="106" name="TextBox 105">
+            <a:extLst>
+              <a:ext uri="{FF2B5EF4-FFF2-40B4-BE49-F238E27FC236}">
+                <a16:creationId xmlns:a16="http://schemas.microsoft.com/office/drawing/2014/main" id="{1938B0DD-8377-ADDC-E855-666FE1A1A635}"/>
+              </a:ext>
+            </a:extLst>
+          </p:cNvPr>
+          <p:cNvSpPr txBox="1"/>
+          <p:nvPr/>
+        </p:nvSpPr>
+        <p:spPr>
+          <a:xfrm>
+            <a:off x="11536748" y="1759456"/>
+            <a:ext cx="1670525" cy="1209177"/>
+          </a:xfrm>
+          <a:prstGeom prst="rect">
+            <a:avLst/>
+          </a:prstGeom>
+          <a:solidFill>
+            <a:schemeClr val="accent2">
+              <a:lumMod val="40000"/>
+              <a:lumOff val="60000"/>
+            </a:schemeClr>
+          </a:solidFill>
+          <a:ln>
+            <a:solidFill>
+              <a:schemeClr val="tx1"/>
+            </a:solidFill>
+          </a:ln>
+        </p:spPr>
+        <p:txBody>
+          <a:bodyPr wrap="square" rtlCol="0">
+            <a:spAutoFit/>
+          </a:bodyPr>
+          <a:lstStyle/>
+          <a:p>
+            <a:r>
+              <a:rPr lang="en-US" dirty="0"/>
+              <a:t>Custom </a:t>
+            </a:r>
+            <a:r>
+              <a:rPr lang="en-US" dirty="0" err="1"/>
+              <a:t>EEGDash</a:t>
+            </a:r>
+            <a:r>
+              <a:rPr lang="en-US" dirty="0"/>
+              <a:t> processors</a:t>
+            </a:r>
+          </a:p>
+        </p:txBody>
+      </p:sp>
+      <p:sp>
+        <p:nvSpPr>
+          <p:cNvPr id="121" name="TextBox 120">
+            <a:extLst>
+              <a:ext uri="{FF2B5EF4-FFF2-40B4-BE49-F238E27FC236}">
+                <a16:creationId xmlns:a16="http://schemas.microsoft.com/office/drawing/2014/main" id="{2F710799-1E9F-AE22-450D-86617E64C54B}"/>
+              </a:ext>
+            </a:extLst>
+          </p:cNvPr>
+          <p:cNvSpPr txBox="1"/>
+          <p:nvPr/>
+        </p:nvSpPr>
+        <p:spPr>
+          <a:xfrm>
+            <a:off x="5521822" y="2708841"/>
+            <a:ext cx="1491538" cy="276999"/>
+          </a:xfrm>
+          <a:prstGeom prst="rect">
+            <a:avLst/>
+          </a:prstGeom>
+          <a:noFill/>
+        </p:spPr>
+        <p:txBody>
+          <a:bodyPr wrap="square">
+            <a:spAutoFit/>
+          </a:bodyPr>
+          <a:lstStyle/>
+          <a:p>
+            <a:r>
+              <a:rPr lang="en-US" sz="1200" dirty="0"/>
+              <a:t>JSON</a:t>
+            </a:r>
+          </a:p>
+        </p:txBody>
+      </p:sp>
+      <p:sp>
+        <p:nvSpPr>
+          <p:cNvPr id="123" name="TextBox 122">
+            <a:extLst>
+              <a:ext uri="{FF2B5EF4-FFF2-40B4-BE49-F238E27FC236}">
+                <a16:creationId xmlns:a16="http://schemas.microsoft.com/office/drawing/2014/main" id="{54C3C32D-F754-1D39-4C70-26DB3272FF4E}"/>
+              </a:ext>
+            </a:extLst>
+          </p:cNvPr>
+          <p:cNvSpPr txBox="1"/>
+          <p:nvPr/>
+        </p:nvSpPr>
+        <p:spPr>
+          <a:xfrm rot="21077760">
+            <a:off x="5221283" y="3972831"/>
+            <a:ext cx="1491538" cy="276999"/>
+          </a:xfrm>
+          <a:prstGeom prst="rect">
+            <a:avLst/>
+          </a:prstGeom>
+          <a:noFill/>
+        </p:spPr>
+        <p:txBody>
+          <a:bodyPr wrap="square">
+            <a:spAutoFit/>
+          </a:bodyPr>
+          <a:lstStyle/>
+          <a:p>
+            <a:r>
+              <a:rPr lang="en-US" sz="1200" dirty="0"/>
+              <a:t>S3 reference</a:t>
+            </a:r>
+          </a:p>
+        </p:txBody>
+      </p:sp>
+    </p:spTree>
+    <p:extLst>
+      <p:ext uri="{BB962C8B-B14F-4D97-AF65-F5344CB8AC3E}">
+        <p14:creationId xmlns:p14="http://schemas.microsoft.com/office/powerpoint/2010/main" val="3719775777"/>
+      </p:ext>
+    </p:extLst>
+  </p:cSld>
+  <p:clrMapOvr>
+    <a:masterClrMapping/>
+  </p:clrMapOvr>
+</p:sld>
+</file>
+
 <file path=ppt/theme/theme1.xml><?xml version="1.0" encoding="utf-8"?>
 <a:theme xmlns:a="http://schemas.openxmlformats.org/drawingml/2006/main" name="Office Theme">
   <a:themeElements>
-    <a:clrScheme name="Office">
+    <a:clrScheme name="Office Theme">
       <a:dk1>
         <a:sysClr val="windowText" lastClr="000000"/>
       </a:dk1>
@@ -5071,7 +8019,7 @@
         <a:srgbClr val="96607D"/>
       </a:folHlink>
     </a:clrScheme>
-    <a:fontScheme name="Office">
+    <a:fontScheme name="Office Theme">
       <a:majorFont>
         <a:latin typeface="Aptos Display" panose="02110004020202020204"/>
         <a:ea typeface=""/>
@@ -5177,7 +8125,7 @@
         <a:font script="Tfng" typeface="Ebrima"/>
       </a:minorFont>
     </a:fontScheme>
-    <a:fmtScheme name="Office">
+    <a:fmtScheme name="Office Theme">
       <a:fillStyleLst>
         <a:solidFill>
           <a:schemeClr val="phClr"/>
